--- a/11.25.pptx
+++ b/11.25.pptx
@@ -12,6 +12,8 @@
     <p:sldId id="263" r:id="rId6"/>
     <p:sldId id="264" r:id="rId7"/>
     <p:sldId id="265" r:id="rId8"/>
+    <p:sldId id="266" r:id="rId9"/>
+    <p:sldId id="267" r:id="rId10"/>
   </p:sldIdLst>
   <p:sldSz cx="12192000" cy="6858000"/>
   <p:notesSz cx="6858000" cy="9144000"/>
@@ -110,6 +112,28 @@
       </a:defRPr>
     </a:lvl9pPr>
   </p:defaultTextStyle>
+  <p:extLst>
+    <p:ext uri="{521415D9-36F7-43E2-AB2F-B90AF26B5E84}">
+      <p14:sectionLst xmlns:p14="http://schemas.microsoft.com/office/powerpoint/2010/main">
+        <p14:section name="기본 구역" id="{77169404-A138-4A93-B877-7EF0531BD7F9}">
+          <p14:sldIdLst>
+            <p14:sldId id="258"/>
+            <p14:sldId id="260"/>
+            <p14:sldId id="261"/>
+            <p14:sldId id="262"/>
+            <p14:sldId id="263"/>
+            <p14:sldId id="264"/>
+            <p14:sldId id="265"/>
+            <p14:sldId id="266"/>
+            <p14:sldId id="267"/>
+          </p14:sldIdLst>
+        </p14:section>
+      </p14:sectionLst>
+    </p:ext>
+    <p:ext uri="{EFAFB233-063F-42B5-8137-9DF3F51BA10A}">
+      <p15:sldGuideLst xmlns:p15="http://schemas.microsoft.com/office/powerpoint/2012/main"/>
+    </p:ext>
+  </p:extLst>
 </p:presentation>
 </file>
 
@@ -4888,7 +4912,7 @@
           <a:p>
             <a:r>
               <a:rPr lang="en-US" altLang="ko-KR" dirty="0"/>
-              <a:t>2.1 Bottleneck </a:t>
+              <a:t>2.1.1 Bottleneck </a:t>
             </a:r>
             <a:r>
               <a:rPr lang="ko-KR" altLang="en-US" dirty="0" err="1"/>
@@ -4936,79 +4960,19 @@
           <a:p>
             <a:r>
               <a:rPr lang="ko-KR" altLang="en-US" sz="2400" dirty="0"/>
-              <a:t>목적 </a:t>
-            </a:r>
-            <a:r>
-              <a:rPr lang="en-US" altLang="ko-KR" sz="2400" dirty="0"/>
-              <a:t>: P2</a:t>
-            </a:r>
-            <a:r>
-              <a:rPr lang="ko-KR" altLang="en-US" sz="2400" dirty="0"/>
-              <a:t>와 </a:t>
-            </a:r>
-            <a:r>
-              <a:rPr lang="en-US" altLang="ko-KR" sz="2400" dirty="0"/>
-              <a:t>P3 </a:t>
-            </a:r>
-            <a:r>
-              <a:rPr lang="ko-KR" altLang="en-US" sz="2400" dirty="0"/>
-              <a:t>부분의 </a:t>
+              <a:t>가설 </a:t>
+            </a:r>
+            <a:r>
+              <a:rPr lang="en-US" altLang="ko-KR" sz="2400" dirty="0"/>
+              <a:t>: C3</a:t>
+            </a:r>
+            <a:r>
+              <a:rPr lang="ko-KR" altLang="en-US" sz="2400" dirty="0"/>
+              <a:t>의 </a:t>
             </a:r>
             <a:r>
               <a:rPr lang="en-US" altLang="ko-KR" sz="2400" dirty="0"/>
               <a:t>Bottleneck </a:t>
-            </a:r>
-            <a:r>
-              <a:rPr lang="ko-KR" altLang="en-US" sz="2400" dirty="0" err="1"/>
-              <a:t>반복수</a:t>
-            </a:r>
-            <a:r>
-              <a:rPr lang="ko-KR" altLang="en-US" sz="2400" dirty="0"/>
-              <a:t> 영향 분석</a:t>
-            </a:r>
-            <a:endParaRPr lang="en-US" altLang="ko-KR" sz="2400" dirty="0"/>
-          </a:p>
-          <a:p>
-            <a:r>
-              <a:rPr lang="ko-KR" altLang="en-US" sz="2400" dirty="0"/>
-              <a:t>결과</a:t>
-            </a:r>
-            <a:r>
-              <a:rPr lang="en-US" altLang="ko-KR" sz="2400" dirty="0"/>
-              <a:t>1</a:t>
-            </a:r>
-            <a:r>
-              <a:rPr lang="ko-KR" altLang="en-US" sz="2400" dirty="0"/>
-              <a:t> </a:t>
-            </a:r>
-            <a:r>
-              <a:rPr lang="en-US" altLang="ko-KR" sz="2400" dirty="0"/>
-              <a:t>: 9963(3321) &gt; 3963(1321)</a:t>
-            </a:r>
-          </a:p>
-          <a:p>
-            <a:r>
-              <a:rPr lang="ko-KR" altLang="en-US" sz="2400" dirty="0"/>
-              <a:t>결과</a:t>
-            </a:r>
-            <a:r>
-              <a:rPr lang="en-US" altLang="ko-KR" sz="2400" dirty="0"/>
-              <a:t>2 : 3963 vs 3663 (org) </a:t>
-            </a:r>
-            <a:r>
-              <a:rPr lang="ko-KR" altLang="en-US" sz="2400" dirty="0"/>
-              <a:t>에서는 오히려 소형객체 성능 감소</a:t>
-            </a:r>
-            <a:endParaRPr lang="en-US" altLang="ko-KR" sz="2400" dirty="0"/>
-          </a:p>
-          <a:p>
-            <a:r>
-              <a:rPr lang="ko-KR" altLang="en-US" sz="2400" dirty="0"/>
-              <a:t>결론 </a:t>
-            </a:r>
-            <a:r>
-              <a:rPr lang="en-US" altLang="ko-KR" sz="2400" dirty="0"/>
-              <a:t>: P2 </a:t>
             </a:r>
             <a:r>
               <a:rPr lang="ko-KR" altLang="en-US" sz="2400" dirty="0" err="1"/>
@@ -5016,40 +4980,115 @@
             </a:r>
             <a:r>
               <a:rPr lang="ko-KR" altLang="en-US" sz="2400" dirty="0"/>
-              <a:t> 늘리면 소형 객체 성능 증가</a:t>
+              <a:t> 늘리면 보존율이 감소할 것이다</a:t>
             </a:r>
             <a:endParaRPr lang="en-US" altLang="ko-KR" sz="2400" dirty="0"/>
           </a:p>
           <a:p>
             <a:r>
               <a:rPr lang="ko-KR" altLang="en-US" sz="2400" dirty="0"/>
+              <a:t>결과 </a:t>
+            </a:r>
+            <a:r>
+              <a:rPr lang="en-US" altLang="ko-KR" sz="2400" dirty="0"/>
+              <a:t>: 2442 -&gt; 4664</a:t>
+            </a:r>
+            <a:r>
+              <a:rPr lang="ko-KR" altLang="en-US" sz="2400" dirty="0"/>
+              <a:t>의 경우는 증가</a:t>
+            </a:r>
+            <a:r>
+              <a:rPr lang="en-US" altLang="ko-KR" sz="2400" dirty="0"/>
+              <a:t>, 4664 -&gt; 6886</a:t>
+            </a:r>
+            <a:r>
+              <a:rPr lang="ko-KR" altLang="en-US" sz="2400" dirty="0"/>
+              <a:t>의 경우는 감소</a:t>
+            </a:r>
+            <a:endParaRPr lang="en-US" altLang="ko-KR" sz="2400" dirty="0"/>
+          </a:p>
+          <a:p>
+            <a:r>
+              <a:rPr lang="ko-KR" altLang="en-US" sz="2400" dirty="0"/>
+              <a:t>분석 </a:t>
+            </a:r>
+            <a:r>
+              <a:rPr lang="en-US" altLang="ko-KR" sz="2400" dirty="0"/>
+              <a:t>: 2442 -&gt; 4664</a:t>
+            </a:r>
+            <a:r>
+              <a:rPr lang="ko-KR" altLang="en-US" sz="2400" dirty="0"/>
+              <a:t>는 성능 자체가 증가했기 때문</a:t>
+            </a:r>
+            <a:r>
+              <a:rPr lang="en-US" altLang="ko-KR" sz="2400" dirty="0"/>
+              <a:t>, </a:t>
+            </a:r>
+            <a:r>
+              <a:rPr lang="ko-KR" altLang="en-US" sz="2400" dirty="0"/>
+              <a:t>성능 한계점이후에는 늘릴수록 보존율이 감소</a:t>
+            </a:r>
+            <a:endParaRPr lang="en-US" altLang="ko-KR" sz="2400" dirty="0"/>
+          </a:p>
+          <a:p>
+            <a:r>
+              <a:rPr lang="ko-KR" altLang="en-US" sz="2400" dirty="0"/>
               <a:t>인사이트 </a:t>
             </a:r>
             <a:r>
               <a:rPr lang="en-US" altLang="ko-KR" sz="2400" dirty="0"/>
-              <a:t>: P3</a:t>
-            </a:r>
-            <a:r>
-              <a:rPr lang="ko-KR" altLang="en-US" sz="2400" dirty="0"/>
-              <a:t>는 부작용이 존재</a:t>
+              <a:t>: Bottleneck</a:t>
+            </a:r>
+            <a:r>
+              <a:rPr lang="ko-KR" altLang="en-US" sz="2400" dirty="0"/>
+              <a:t>을 적당히 </a:t>
+            </a:r>
+            <a:r>
+              <a:rPr lang="ko-KR" altLang="en-US" sz="2400" dirty="0" err="1"/>
+              <a:t>늘려야함</a:t>
+            </a:r>
+            <a:r>
+              <a:rPr lang="en-US" altLang="ko-KR" sz="2400" dirty="0"/>
+              <a:t>(</a:t>
+            </a:r>
+            <a:r>
+              <a:rPr lang="en-US" altLang="ko-KR" sz="2400" dirty="0" err="1"/>
+              <a:t>GmAP</a:t>
+            </a:r>
+            <a:r>
+              <a:rPr lang="ko-KR" altLang="en-US" sz="2400" dirty="0"/>
+              <a:t>는 </a:t>
+            </a:r>
+            <a:r>
+              <a:rPr lang="ko-KR" altLang="en-US" sz="2400" dirty="0" err="1"/>
+              <a:t>그대론데</a:t>
             </a:r>
             <a:r>
               <a:rPr lang="en-US" altLang="ko-KR" sz="2400" dirty="0"/>
               <a:t>, </a:t>
             </a:r>
             <a:r>
-              <a:rPr lang="ko-KR" altLang="en-US" sz="2400" dirty="0"/>
-              <a:t>따라서 유지</a:t>
-            </a:r>
+              <a:rPr lang="en-US" altLang="ko-KR" sz="2400" dirty="0" err="1"/>
+              <a:t>NmAP</a:t>
+            </a:r>
+            <a:r>
+              <a:rPr lang="ko-KR" altLang="en-US" sz="2400" dirty="0"/>
+              <a:t>가 감소</a:t>
+            </a:r>
+            <a:r>
+              <a:rPr lang="en-US" altLang="ko-KR" sz="2400" dirty="0"/>
+              <a:t>)</a:t>
+            </a:r>
+            <a:endParaRPr lang="ko-KR" altLang="en-US" sz="2400" dirty="0"/>
           </a:p>
         </p:txBody>
       </p:sp>
       <p:pic>
         <p:nvPicPr>
-          <p:cNvPr id="6" name="그림 5">
-            <a:extLst>
-              <a:ext uri="{FF2B5EF4-FFF2-40B4-BE49-F238E27FC236}">
-                <a16:creationId xmlns:a16="http://schemas.microsoft.com/office/drawing/2014/main" id="{D5B1486F-4DF9-A41D-D318-CF1ABC64694E}"/>
+          <p:cNvPr id="5" name="그림 4">
+            <a:extLst>
+              <a:ext uri="{FF2B5EF4-FFF2-40B4-BE49-F238E27FC236}">
+                <a16:creationId xmlns:a16="http://schemas.microsoft.com/office/drawing/2014/main" id="{1B2BBA11-E4A0-9D68-E53E-4BA00E020D60}"/>
               </a:ext>
             </a:extLst>
           </p:cNvPr>
@@ -5066,7 +5105,302 @@
         </p:blipFill>
         <p:spPr>
           <a:xfrm>
-            <a:off x="1788110" y="3618000"/>
+            <a:off x="4095033" y="3628925"/>
+            <a:ext cx="4001934" cy="3240000"/>
+          </a:xfrm>
+          <a:prstGeom prst="rect">
+            <a:avLst/>
+          </a:prstGeom>
+        </p:spPr>
+      </p:pic>
+    </p:spTree>
+    <p:extLst>
+      <p:ext uri="{BB962C8B-B14F-4D97-AF65-F5344CB8AC3E}">
+        <p14:creationId xmlns:p14="http://schemas.microsoft.com/office/powerpoint/2010/main" val="215959230"/>
+      </p:ext>
+    </p:extLst>
+  </p:cSld>
+  <p:clrMapOvr>
+    <a:masterClrMapping/>
+  </p:clrMapOvr>
+</p:sld>
+</file>
+
+<file path=ppt/slides/slide8.xml><?xml version="1.0" encoding="utf-8"?>
+<p:sld xmlns:a="http://schemas.openxmlformats.org/drawingml/2006/main" xmlns:r="http://schemas.openxmlformats.org/officeDocument/2006/relationships" xmlns:p="http://schemas.openxmlformats.org/presentationml/2006/main">
+  <p:cSld>
+    <p:spTree>
+      <p:nvGrpSpPr>
+        <p:cNvPr id="1" name="">
+          <a:extLst>
+            <a:ext uri="{FF2B5EF4-FFF2-40B4-BE49-F238E27FC236}">
+              <a16:creationId xmlns:a16="http://schemas.microsoft.com/office/drawing/2014/main" id="{3BC7A30A-97C7-02FD-FBCC-DFDE64A56722}"/>
+            </a:ext>
+          </a:extLst>
+        </p:cNvPr>
+        <p:cNvGrpSpPr/>
+        <p:nvPr/>
+      </p:nvGrpSpPr>
+      <p:grpSpPr>
+        <a:xfrm>
+          <a:off x="0" y="0"/>
+          <a:ext cx="0" cy="0"/>
+          <a:chOff x="0" y="0"/>
+          <a:chExt cx="0" cy="0"/>
+        </a:xfrm>
+      </p:grpSpPr>
+      <p:sp>
+        <p:nvSpPr>
+          <p:cNvPr id="2" name="제목 1">
+            <a:extLst>
+              <a:ext uri="{FF2B5EF4-FFF2-40B4-BE49-F238E27FC236}">
+                <a16:creationId xmlns:a16="http://schemas.microsoft.com/office/drawing/2014/main" id="{2404D89A-6884-85D7-EF4F-11ECABFA306C}"/>
+              </a:ext>
+            </a:extLst>
+          </p:cNvPr>
+          <p:cNvSpPr>
+            <a:spLocks noGrp="1"/>
+          </p:cNvSpPr>
+          <p:nvPr>
+            <p:ph type="title"/>
+          </p:nvPr>
+        </p:nvSpPr>
+        <p:spPr/>
+        <p:txBody>
+          <a:bodyPr/>
+          <a:lstStyle/>
+          <a:p>
+            <a:r>
+              <a:rPr lang="en-US" altLang="ko-KR" dirty="0"/>
+              <a:t>2.1.2 </a:t>
+            </a:r>
+            <a:r>
+              <a:rPr lang="en-US" altLang="ko-KR" dirty="0" err="1"/>
+              <a:t>Concat</a:t>
+            </a:r>
+            <a:r>
+              <a:rPr lang="ko-KR" altLang="en-US" dirty="0"/>
+              <a:t>의 </a:t>
+            </a:r>
+            <a:r>
+              <a:rPr lang="ko-KR" altLang="en-US" dirty="0" err="1"/>
+              <a:t>텐서</a:t>
+            </a:r>
+            <a:r>
+              <a:rPr lang="ko-KR" altLang="en-US" dirty="0"/>
+              <a:t> </a:t>
+            </a:r>
+            <a:r>
+              <a:rPr lang="ko-KR" altLang="en-US" dirty="0" err="1"/>
+              <a:t>그룹수와</a:t>
+            </a:r>
+            <a:r>
+              <a:rPr lang="ko-KR" altLang="en-US" dirty="0"/>
+              <a:t> </a:t>
+            </a:r>
+            <a:r>
+              <a:rPr lang="ko-KR" altLang="en-US" dirty="0" err="1"/>
+              <a:t>보존율</a:t>
+            </a:r>
+            <a:endParaRPr lang="ko-KR" altLang="en-US" dirty="0"/>
+          </a:p>
+        </p:txBody>
+      </p:sp>
+      <p:sp>
+        <p:nvSpPr>
+          <p:cNvPr id="3" name="내용 개체 틀 2">
+            <a:extLst>
+              <a:ext uri="{FF2B5EF4-FFF2-40B4-BE49-F238E27FC236}">
+                <a16:creationId xmlns:a16="http://schemas.microsoft.com/office/drawing/2014/main" id="{D8F37AC8-8EA7-B26B-8691-1F361FAC5DA4}"/>
+              </a:ext>
+            </a:extLst>
+          </p:cNvPr>
+          <p:cNvSpPr>
+            <a:spLocks noGrp="1"/>
+          </p:cNvSpPr>
+          <p:nvPr>
+            <p:ph idx="1"/>
+          </p:nvPr>
+        </p:nvSpPr>
+        <p:spPr>
+          <a:xfrm>
+            <a:off x="838199" y="1426127"/>
+            <a:ext cx="11022367" cy="4351338"/>
+          </a:xfrm>
+        </p:spPr>
+        <p:txBody>
+          <a:bodyPr>
+            <a:normAutofit/>
+          </a:bodyPr>
+          <a:lstStyle/>
+          <a:p>
+            <a:r>
+              <a:rPr lang="ko-KR" altLang="en-US" sz="2400" dirty="0"/>
+              <a:t>가설 </a:t>
+            </a:r>
+            <a:r>
+              <a:rPr lang="en-US" altLang="ko-KR" sz="2400" dirty="0"/>
+              <a:t>: C2f</a:t>
+            </a:r>
+            <a:r>
+              <a:rPr lang="ko-KR" altLang="en-US" sz="2400" dirty="0"/>
+              <a:t>의 </a:t>
+            </a:r>
+            <a:r>
+              <a:rPr lang="en-US" altLang="ko-KR" sz="2400" dirty="0"/>
+              <a:t>Bottleneck </a:t>
+            </a:r>
+            <a:r>
+              <a:rPr lang="ko-KR" altLang="en-US" sz="2400" dirty="0" err="1"/>
+              <a:t>반복수를</a:t>
+            </a:r>
+            <a:r>
+              <a:rPr lang="ko-KR" altLang="en-US" sz="2400" dirty="0"/>
+              <a:t> 늘리면 </a:t>
+            </a:r>
+            <a:r>
+              <a:rPr lang="en-US" altLang="ko-KR" sz="2400" dirty="0" err="1"/>
+              <a:t>concat</a:t>
+            </a:r>
+            <a:r>
+              <a:rPr lang="ko-KR" altLang="en-US" sz="2400" dirty="0"/>
+              <a:t>의 </a:t>
+            </a:r>
+            <a:r>
+              <a:rPr lang="ko-KR" altLang="en-US" sz="2400" dirty="0" err="1"/>
+              <a:t>텐서</a:t>
+            </a:r>
+            <a:r>
+              <a:rPr lang="ko-KR" altLang="en-US" sz="2400" dirty="0"/>
+              <a:t> 그룹수가 증가하기 때문에 보존율이 감소할 것이다</a:t>
+            </a:r>
+            <a:endParaRPr lang="en-US" altLang="ko-KR" sz="2400" dirty="0"/>
+          </a:p>
+          <a:p>
+            <a:r>
+              <a:rPr lang="ko-KR" altLang="en-US" sz="2400" dirty="0"/>
+              <a:t>결과 </a:t>
+            </a:r>
+            <a:r>
+              <a:rPr lang="en-US" altLang="ko-KR" sz="2400" dirty="0"/>
+              <a:t>: 2442 -&gt; 4664</a:t>
+            </a:r>
+            <a:r>
+              <a:rPr lang="ko-KR" altLang="en-US" sz="2400" dirty="0"/>
+              <a:t>의 경우 약 </a:t>
+            </a:r>
+            <a:r>
+              <a:rPr lang="en-US" altLang="ko-KR" sz="2400" dirty="0"/>
+              <a:t>6% </a:t>
+            </a:r>
+            <a:r>
+              <a:rPr lang="ko-KR" altLang="en-US" sz="2400" dirty="0"/>
+              <a:t>증가</a:t>
+            </a:r>
+            <a:r>
+              <a:rPr lang="en-US" altLang="ko-KR" sz="2400" dirty="0"/>
+              <a:t> 4664 -&gt; 6886</a:t>
+            </a:r>
+            <a:r>
+              <a:rPr lang="ko-KR" altLang="en-US" sz="2400" dirty="0"/>
+              <a:t>의 경우 </a:t>
+            </a:r>
+            <a:r>
+              <a:rPr lang="en-US" altLang="ko-KR" sz="2400" dirty="0"/>
+              <a:t>2%</a:t>
+            </a:r>
+            <a:r>
+              <a:rPr lang="ko-KR" altLang="en-US" sz="2400" dirty="0"/>
+              <a:t> 증가</a:t>
+            </a:r>
+            <a:endParaRPr lang="en-US" altLang="ko-KR" sz="2400" dirty="0"/>
+          </a:p>
+          <a:p>
+            <a:r>
+              <a:rPr lang="ko-KR" altLang="en-US" sz="2400" dirty="0"/>
+              <a:t>분석 </a:t>
+            </a:r>
+            <a:r>
+              <a:rPr lang="en-US" altLang="ko-KR" sz="2400" dirty="0"/>
+              <a:t>: </a:t>
+            </a:r>
+            <a:r>
+              <a:rPr lang="ko-KR" altLang="en-US" sz="2400" dirty="0" err="1"/>
+              <a:t>텐서</a:t>
+            </a:r>
+            <a:r>
+              <a:rPr lang="ko-KR" altLang="en-US" sz="2400" dirty="0"/>
+              <a:t> </a:t>
+            </a:r>
+            <a:r>
+              <a:rPr lang="ko-KR" altLang="en-US" sz="2400" dirty="0" err="1"/>
+              <a:t>그룹수</a:t>
+            </a:r>
+            <a:r>
+              <a:rPr lang="ko-KR" altLang="en-US" sz="2400" dirty="0"/>
+              <a:t> 이외에 다른 요인이 존재한다</a:t>
+            </a:r>
+            <a:r>
+              <a:rPr lang="en-US" altLang="ko-KR" sz="2400" dirty="0"/>
+              <a:t>. -&gt; </a:t>
+            </a:r>
+            <a:r>
+              <a:rPr lang="ko-KR" altLang="en-US" sz="2400" dirty="0"/>
+              <a:t>향후 분석 필요</a:t>
+            </a:r>
+            <a:endParaRPr lang="en-US" altLang="ko-KR" sz="2400" dirty="0"/>
+          </a:p>
+          <a:p>
+            <a:r>
+              <a:rPr lang="ko-KR" altLang="en-US" sz="2400" dirty="0"/>
+              <a:t>인사이트 </a:t>
+            </a:r>
+            <a:r>
+              <a:rPr lang="en-US" altLang="ko-KR" sz="2400" dirty="0"/>
+              <a:t>: C2f</a:t>
+            </a:r>
+            <a:r>
+              <a:rPr lang="ko-KR" altLang="en-US" sz="2400" dirty="0"/>
+              <a:t>의 </a:t>
+            </a:r>
+            <a:r>
+              <a:rPr lang="en-US" altLang="ko-KR" sz="2400" dirty="0"/>
+              <a:t>Bottleneck </a:t>
+            </a:r>
+            <a:r>
+              <a:rPr lang="ko-KR" altLang="en-US" sz="2400" dirty="0" err="1"/>
+              <a:t>반복수를</a:t>
+            </a:r>
+            <a:r>
+              <a:rPr lang="ko-KR" altLang="en-US" sz="2400" dirty="0"/>
+              <a:t> 적당히 늘리는 것이 유리</a:t>
+            </a:r>
+          </a:p>
+        </p:txBody>
+      </p:sp>
+      <p:pic>
+        <p:nvPicPr>
+          <p:cNvPr id="6" name="그림 5">
+            <a:extLst>
+              <a:ext uri="{FF2B5EF4-FFF2-40B4-BE49-F238E27FC236}">
+                <a16:creationId xmlns:a16="http://schemas.microsoft.com/office/drawing/2014/main" id="{37B9D199-C71D-E84C-80C0-590A882A6A48}"/>
+              </a:ext>
+            </a:extLst>
+          </p:cNvPr>
+          <p:cNvPicPr>
+            <a:picLocks noChangeAspect="1"/>
+          </p:cNvPicPr>
+          <p:nvPr/>
+        </p:nvPicPr>
+        <p:blipFill>
+          <a:blip r:embed="rId2"/>
+          <a:stretch>
+            <a:fillRect/>
+          </a:stretch>
+        </p:blipFill>
+        <p:spPr>
+          <a:xfrm>
+            <a:off x="1786834" y="3623527"/>
             <a:ext cx="4001934" cy="3240000"/>
           </a:xfrm>
           <a:prstGeom prst="rect">
@@ -5076,10 +5410,10 @@
       </p:pic>
       <p:pic>
         <p:nvPicPr>
-          <p:cNvPr id="9" name="그림 8">
-            <a:extLst>
-              <a:ext uri="{FF2B5EF4-FFF2-40B4-BE49-F238E27FC236}">
-                <a16:creationId xmlns:a16="http://schemas.microsoft.com/office/drawing/2014/main" id="{4948B599-FC2A-8FDA-F354-9CCEA84C15A7}"/>
+          <p:cNvPr id="10" name="그림 9">
+            <a:extLst>
+              <a:ext uri="{FF2B5EF4-FFF2-40B4-BE49-F238E27FC236}">
+                <a16:creationId xmlns:a16="http://schemas.microsoft.com/office/drawing/2014/main" id="{FE536E21-202A-9DA2-7AB0-B87074A7C682}"/>
               </a:ext>
             </a:extLst>
           </p:cNvPr>
@@ -5096,8 +5430,8 @@
         </p:blipFill>
         <p:spPr>
           <a:xfrm>
-            <a:off x="6411249" y="3618000"/>
-            <a:ext cx="4001934" cy="3240000"/>
+            <a:off x="6309458" y="3626878"/>
+            <a:ext cx="4101626" cy="3240000"/>
           </a:xfrm>
           <a:prstGeom prst="rect">
             <a:avLst/>
@@ -5107,7 +5441,493 @@
     </p:spTree>
     <p:extLst>
       <p:ext uri="{BB962C8B-B14F-4D97-AF65-F5344CB8AC3E}">
-        <p14:creationId xmlns:p14="http://schemas.microsoft.com/office/powerpoint/2010/main" val="215959230"/>
+        <p14:creationId xmlns:p14="http://schemas.microsoft.com/office/powerpoint/2010/main" val="1548723297"/>
+      </p:ext>
+    </p:extLst>
+  </p:cSld>
+  <p:clrMapOvr>
+    <a:masterClrMapping/>
+  </p:clrMapOvr>
+</p:sld>
+</file>
+
+<file path=ppt/slides/slide9.xml><?xml version="1.0" encoding="utf-8"?>
+<p:sld xmlns:a="http://schemas.openxmlformats.org/drawingml/2006/main" xmlns:r="http://schemas.openxmlformats.org/officeDocument/2006/relationships" xmlns:p="http://schemas.openxmlformats.org/presentationml/2006/main">
+  <p:cSld>
+    <p:spTree>
+      <p:nvGrpSpPr>
+        <p:cNvPr id="1" name="">
+          <a:extLst>
+            <a:ext uri="{FF2B5EF4-FFF2-40B4-BE49-F238E27FC236}">
+              <a16:creationId xmlns:a16="http://schemas.microsoft.com/office/drawing/2014/main" id="{5DD596BA-EEE6-4C8C-03E6-6383221751D7}"/>
+            </a:ext>
+          </a:extLst>
+        </p:cNvPr>
+        <p:cNvGrpSpPr/>
+        <p:nvPr/>
+      </p:nvGrpSpPr>
+      <p:grpSpPr>
+        <a:xfrm>
+          <a:off x="0" y="0"/>
+          <a:ext cx="0" cy="0"/>
+          <a:chOff x="0" y="0"/>
+          <a:chExt cx="0" cy="0"/>
+        </a:xfrm>
+      </p:grpSpPr>
+      <p:pic>
+        <p:nvPicPr>
+          <p:cNvPr id="17" name="그림 16">
+            <a:extLst>
+              <a:ext uri="{FF2B5EF4-FFF2-40B4-BE49-F238E27FC236}">
+                <a16:creationId xmlns:a16="http://schemas.microsoft.com/office/drawing/2014/main" id="{6E1F0EAE-A998-104E-C54C-05BE31241F9F}"/>
+              </a:ext>
+            </a:extLst>
+          </p:cNvPr>
+          <p:cNvPicPr>
+            <a:picLocks noChangeAspect="1"/>
+          </p:cNvPicPr>
+          <p:nvPr/>
+        </p:nvPicPr>
+        <p:blipFill>
+          <a:blip r:embed="rId2"/>
+          <a:stretch>
+            <a:fillRect/>
+          </a:stretch>
+        </p:blipFill>
+        <p:spPr>
+          <a:xfrm>
+            <a:off x="1563" y="3623529"/>
+            <a:ext cx="4001934" cy="3240000"/>
+          </a:xfrm>
+          <a:prstGeom prst="rect">
+            <a:avLst/>
+          </a:prstGeom>
+        </p:spPr>
+      </p:pic>
+      <p:sp>
+        <p:nvSpPr>
+          <p:cNvPr id="2" name="제목 1">
+            <a:extLst>
+              <a:ext uri="{FF2B5EF4-FFF2-40B4-BE49-F238E27FC236}">
+                <a16:creationId xmlns:a16="http://schemas.microsoft.com/office/drawing/2014/main" id="{03BD5D0B-C7B9-EF64-51B3-0711E6FA83E7}"/>
+              </a:ext>
+            </a:extLst>
+          </p:cNvPr>
+          <p:cNvSpPr>
+            <a:spLocks noGrp="1"/>
+          </p:cNvSpPr>
+          <p:nvPr>
+            <p:ph type="title"/>
+          </p:nvPr>
+        </p:nvSpPr>
+        <p:spPr/>
+        <p:txBody>
+          <a:bodyPr/>
+          <a:lstStyle/>
+          <a:p>
+            <a:r>
+              <a:rPr lang="en-US" altLang="ko-KR" dirty="0"/>
+              <a:t>2.2 Neck</a:t>
+            </a:r>
+            <a:r>
+              <a:rPr lang="ko-KR" altLang="en-US" dirty="0"/>
+              <a:t>에서 </a:t>
+            </a:r>
+            <a:r>
+              <a:rPr lang="en-US" altLang="ko-KR" dirty="0"/>
+              <a:t>C2f vs C3 vs C3G</a:t>
+            </a:r>
+            <a:endParaRPr lang="ko-KR" altLang="en-US" dirty="0"/>
+          </a:p>
+        </p:txBody>
+      </p:sp>
+      <p:sp>
+        <p:nvSpPr>
+          <p:cNvPr id="3" name="내용 개체 틀 2">
+            <a:extLst>
+              <a:ext uri="{FF2B5EF4-FFF2-40B4-BE49-F238E27FC236}">
+                <a16:creationId xmlns:a16="http://schemas.microsoft.com/office/drawing/2014/main" id="{E2A9AA81-ADF4-9E20-BD0C-E30E84A59D01}"/>
+              </a:ext>
+            </a:extLst>
+          </p:cNvPr>
+          <p:cNvSpPr>
+            <a:spLocks noGrp="1"/>
+          </p:cNvSpPr>
+          <p:nvPr>
+            <p:ph idx="1"/>
+          </p:nvPr>
+        </p:nvSpPr>
+        <p:spPr>
+          <a:xfrm>
+            <a:off x="838199" y="1426127"/>
+            <a:ext cx="11022367" cy="4351338"/>
+          </a:xfrm>
+        </p:spPr>
+        <p:txBody>
+          <a:bodyPr>
+            <a:normAutofit/>
+          </a:bodyPr>
+          <a:lstStyle/>
+          <a:p>
+            <a:r>
+              <a:rPr lang="ko-KR" altLang="en-US" sz="2400" dirty="0"/>
+              <a:t>목적 </a:t>
+            </a:r>
+            <a:r>
+              <a:rPr lang="en-US" altLang="ko-KR" sz="2400" dirty="0"/>
+              <a:t>: </a:t>
+            </a:r>
+            <a:r>
+              <a:rPr lang="ko-KR" altLang="en-US" sz="2400" dirty="0"/>
+              <a:t>경량화의 관점에서 </a:t>
+            </a:r>
+            <a:r>
+              <a:rPr lang="en-US" altLang="ko-KR" sz="2400" dirty="0"/>
+              <a:t>C2f,</a:t>
+            </a:r>
+            <a:r>
+              <a:rPr lang="ko-KR" altLang="en-US" sz="2400" dirty="0"/>
+              <a:t> </a:t>
+            </a:r>
+            <a:r>
+              <a:rPr lang="en-US" altLang="ko-KR" sz="2400" dirty="0"/>
+              <a:t>C3,</a:t>
+            </a:r>
+            <a:r>
+              <a:rPr lang="ko-KR" altLang="en-US" sz="2400" dirty="0"/>
+              <a:t> </a:t>
+            </a:r>
+            <a:r>
+              <a:rPr lang="en-US" altLang="ko-KR" sz="2400" dirty="0"/>
+              <a:t>C3G</a:t>
+            </a:r>
+            <a:r>
+              <a:rPr lang="ko-KR" altLang="en-US" sz="2400" dirty="0"/>
+              <a:t>의 성능을 비교</a:t>
+            </a:r>
+            <a:endParaRPr lang="en-US" altLang="ko-KR" sz="2400" dirty="0"/>
+          </a:p>
+          <a:p>
+            <a:r>
+              <a:rPr lang="ko-KR" altLang="en-US" sz="2400" dirty="0"/>
+              <a:t>결과 </a:t>
+            </a:r>
+            <a:r>
+              <a:rPr lang="en-US" altLang="ko-KR" sz="2400" dirty="0"/>
+              <a:t>: n</a:t>
+            </a:r>
+            <a:r>
+              <a:rPr lang="ko-KR" altLang="en-US" sz="2400" dirty="0"/>
+              <a:t>모델에서는 경량화시 </a:t>
+            </a:r>
+            <a:r>
+              <a:rPr lang="en-US" altLang="ko-KR" sz="2400" dirty="0"/>
+              <a:t>FPS</a:t>
+            </a:r>
+            <a:r>
+              <a:rPr lang="ko-KR" altLang="en-US" sz="2400" dirty="0"/>
+              <a:t>가 너무 높아져 비교가 무의미</a:t>
+            </a:r>
+            <a:br>
+              <a:rPr lang="en-US" altLang="ko-KR" sz="2400" dirty="0"/>
+            </a:br>
+            <a:r>
+              <a:rPr lang="en-US" altLang="ko-KR" sz="2400" dirty="0"/>
+              <a:t>	                   </a:t>
+            </a:r>
+            <a:r>
+              <a:rPr lang="ko-KR" altLang="en-US" sz="2400" dirty="0" err="1"/>
+              <a:t>보존율</a:t>
+            </a:r>
+            <a:r>
+              <a:rPr lang="ko-KR" altLang="en-US" sz="2400" dirty="0"/>
+              <a:t> </a:t>
+            </a:r>
+            <a:r>
+              <a:rPr lang="en-US" altLang="ko-KR" sz="2400" dirty="0"/>
+              <a:t>: C2f &gt; C3 &gt; C3G</a:t>
+            </a:r>
+            <a:br>
+              <a:rPr lang="en-US" altLang="ko-KR" sz="2400" dirty="0"/>
+            </a:br>
+            <a:r>
+              <a:rPr lang="en-US" altLang="ko-KR" sz="2400" dirty="0"/>
+              <a:t>	  s</a:t>
+            </a:r>
+            <a:r>
+              <a:rPr lang="ko-KR" altLang="en-US" sz="2400" dirty="0"/>
+              <a:t>모델에서는 </a:t>
+            </a:r>
+            <a:r>
+              <a:rPr lang="en-US" altLang="ko-KR" sz="2400" dirty="0" err="1"/>
+              <a:t>GConv</a:t>
+            </a:r>
+            <a:r>
+              <a:rPr lang="en-US" altLang="ko-KR" sz="2400" dirty="0"/>
+              <a:t>, C3G</a:t>
+            </a:r>
+            <a:r>
+              <a:rPr lang="ko-KR" altLang="en-US" sz="2400" dirty="0"/>
+              <a:t>를 사용한 모델이 가장 우수</a:t>
+            </a:r>
+            <a:endParaRPr lang="en-US" altLang="ko-KR" sz="2400" dirty="0"/>
+          </a:p>
+          <a:p>
+            <a:r>
+              <a:rPr lang="ko-KR" altLang="en-US" sz="2400" dirty="0"/>
+              <a:t>인사이트 </a:t>
+            </a:r>
+            <a:r>
+              <a:rPr lang="en-US" altLang="ko-KR" sz="2400" dirty="0"/>
+              <a:t>: gc_c3g</a:t>
+            </a:r>
+            <a:r>
+              <a:rPr lang="ko-KR" altLang="en-US" sz="2400" dirty="0"/>
+              <a:t>를 기반으로 </a:t>
+            </a:r>
+            <a:r>
+              <a:rPr lang="en-US" altLang="ko-KR" sz="2400" dirty="0" err="1"/>
+              <a:t>BackBone</a:t>
+            </a:r>
+            <a:r>
+              <a:rPr lang="en-US" altLang="ko-KR" sz="2400" dirty="0"/>
+              <a:t> </a:t>
+            </a:r>
+            <a:r>
+              <a:rPr lang="ko-KR" altLang="en-US" sz="2400" dirty="0" err="1"/>
+              <a:t>반복수를</a:t>
+            </a:r>
+            <a:r>
+              <a:rPr lang="ko-KR" altLang="en-US" sz="2400" dirty="0"/>
+              <a:t> 변경</a:t>
+            </a:r>
+          </a:p>
+        </p:txBody>
+      </p:sp>
+      <p:pic>
+        <p:nvPicPr>
+          <p:cNvPr id="8" name="그림 7">
+            <a:extLst>
+              <a:ext uri="{FF2B5EF4-FFF2-40B4-BE49-F238E27FC236}">
+                <a16:creationId xmlns:a16="http://schemas.microsoft.com/office/drawing/2014/main" id="{3D5176B7-4E8E-FAAB-44D3-F648C6760A91}"/>
+              </a:ext>
+            </a:extLst>
+          </p:cNvPr>
+          <p:cNvPicPr>
+            <a:picLocks noChangeAspect="1"/>
+          </p:cNvPicPr>
+          <p:nvPr/>
+        </p:nvPicPr>
+        <p:blipFill>
+          <a:blip r:embed="rId3"/>
+          <a:stretch>
+            <a:fillRect/>
+          </a:stretch>
+        </p:blipFill>
+        <p:spPr>
+          <a:xfrm>
+            <a:off x="8084601" y="3626878"/>
+            <a:ext cx="4101626" cy="3240000"/>
+          </a:xfrm>
+          <a:prstGeom prst="rect">
+            <a:avLst/>
+          </a:prstGeom>
+        </p:spPr>
+      </p:pic>
+      <p:pic>
+        <p:nvPicPr>
+          <p:cNvPr id="11" name="그림 10">
+            <a:extLst>
+              <a:ext uri="{FF2B5EF4-FFF2-40B4-BE49-F238E27FC236}">
+                <a16:creationId xmlns:a16="http://schemas.microsoft.com/office/drawing/2014/main" id="{755A9FF7-0600-6716-F137-F8732ADE95B1}"/>
+              </a:ext>
+            </a:extLst>
+          </p:cNvPr>
+          <p:cNvPicPr>
+            <a:picLocks noChangeAspect="1"/>
+          </p:cNvPicPr>
+          <p:nvPr/>
+        </p:nvPicPr>
+        <p:blipFill>
+          <a:blip r:embed="rId4"/>
+          <a:stretch>
+            <a:fillRect/>
+          </a:stretch>
+        </p:blipFill>
+        <p:spPr>
+          <a:xfrm>
+            <a:off x="4071966" y="3618000"/>
+            <a:ext cx="4066022" cy="3240000"/>
+          </a:xfrm>
+          <a:prstGeom prst="rect">
+            <a:avLst/>
+          </a:prstGeom>
+        </p:spPr>
+      </p:pic>
+      <p:sp>
+        <p:nvSpPr>
+          <p:cNvPr id="12" name="TextBox 11">
+            <a:extLst>
+              <a:ext uri="{FF2B5EF4-FFF2-40B4-BE49-F238E27FC236}">
+                <a16:creationId xmlns:a16="http://schemas.microsoft.com/office/drawing/2014/main" id="{DE85EBCF-8795-3EA9-9D9E-93B36AC0242E}"/>
+              </a:ext>
+            </a:extLst>
+          </p:cNvPr>
+          <p:cNvSpPr txBox="1"/>
+          <p:nvPr/>
+        </p:nvSpPr>
+        <p:spPr>
+          <a:xfrm>
+            <a:off x="4600213" y="6486891"/>
+            <a:ext cx="1784412" cy="276999"/>
+          </a:xfrm>
+          <a:prstGeom prst="rect">
+            <a:avLst/>
+          </a:prstGeom>
+          <a:noFill/>
+        </p:spPr>
+        <p:txBody>
+          <a:bodyPr wrap="square" rtlCol="0">
+            <a:spAutoFit/>
+          </a:bodyPr>
+          <a:lstStyle/>
+          <a:p>
+            <a:r>
+              <a:rPr lang="en-US" altLang="ko-KR" sz="1200" dirty="0"/>
+              <a:t>v8n_p2</a:t>
+            </a:r>
+            <a:endParaRPr lang="ko-KR" altLang="en-US" sz="1200" dirty="0"/>
+          </a:p>
+        </p:txBody>
+      </p:sp>
+      <p:sp>
+        <p:nvSpPr>
+          <p:cNvPr id="13" name="TextBox 12">
+            <a:extLst>
+              <a:ext uri="{FF2B5EF4-FFF2-40B4-BE49-F238E27FC236}">
+                <a16:creationId xmlns:a16="http://schemas.microsoft.com/office/drawing/2014/main" id="{9FC001DA-8BFD-92BD-01FB-0FF09169CEC4}"/>
+              </a:ext>
+            </a:extLst>
+          </p:cNvPr>
+          <p:cNvSpPr txBox="1"/>
+          <p:nvPr/>
+        </p:nvSpPr>
+        <p:spPr>
+          <a:xfrm>
+            <a:off x="8674976" y="6488370"/>
+            <a:ext cx="1784412" cy="276999"/>
+          </a:xfrm>
+          <a:prstGeom prst="rect">
+            <a:avLst/>
+          </a:prstGeom>
+          <a:noFill/>
+        </p:spPr>
+        <p:txBody>
+          <a:bodyPr wrap="square" rtlCol="0">
+            <a:spAutoFit/>
+          </a:bodyPr>
+          <a:lstStyle/>
+          <a:p>
+            <a:r>
+              <a:rPr lang="en-US" altLang="ko-KR" sz="1200" dirty="0"/>
+              <a:t>v8s_p2</a:t>
+            </a:r>
+            <a:endParaRPr lang="ko-KR" altLang="en-US" sz="1200" dirty="0"/>
+          </a:p>
+        </p:txBody>
+      </p:sp>
+      <p:sp>
+        <p:nvSpPr>
+          <p:cNvPr id="18" name="TextBox 17">
+            <a:extLst>
+              <a:ext uri="{FF2B5EF4-FFF2-40B4-BE49-F238E27FC236}">
+                <a16:creationId xmlns:a16="http://schemas.microsoft.com/office/drawing/2014/main" id="{03537C3E-DA08-32DF-9B3A-48648C822B50}"/>
+              </a:ext>
+            </a:extLst>
+          </p:cNvPr>
+          <p:cNvSpPr txBox="1"/>
+          <p:nvPr/>
+        </p:nvSpPr>
+        <p:spPr>
+          <a:xfrm>
+            <a:off x="464692" y="6497246"/>
+            <a:ext cx="1784412" cy="276999"/>
+          </a:xfrm>
+          <a:prstGeom prst="rect">
+            <a:avLst/>
+          </a:prstGeom>
+          <a:noFill/>
+        </p:spPr>
+        <p:txBody>
+          <a:bodyPr wrap="square" rtlCol="0">
+            <a:spAutoFit/>
+          </a:bodyPr>
+          <a:lstStyle/>
+          <a:p>
+            <a:r>
+              <a:rPr lang="en-US" altLang="ko-KR" sz="1200" dirty="0"/>
+              <a:t>v8n_p2</a:t>
+            </a:r>
+            <a:endParaRPr lang="ko-KR" altLang="en-US" sz="1200" dirty="0"/>
+          </a:p>
+        </p:txBody>
+      </p:sp>
+      <p:sp>
+        <p:nvSpPr>
+          <p:cNvPr id="19" name="직사각형 18">
+            <a:extLst>
+              <a:ext uri="{FF2B5EF4-FFF2-40B4-BE49-F238E27FC236}">
+                <a16:creationId xmlns:a16="http://schemas.microsoft.com/office/drawing/2014/main" id="{3FB453C6-10D1-EE29-C6F1-B6ECE9D7C424}"/>
+              </a:ext>
+            </a:extLst>
+          </p:cNvPr>
+          <p:cNvSpPr/>
+          <p:nvPr/>
+        </p:nvSpPr>
+        <p:spPr>
+          <a:xfrm>
+            <a:off x="10901780" y="4252404"/>
+            <a:ext cx="568170" cy="2511486"/>
+          </a:xfrm>
+          <a:prstGeom prst="rect">
+            <a:avLst/>
+          </a:prstGeom>
+          <a:noFill/>
+          <a:ln w="50800">
+            <a:solidFill>
+              <a:srgbClr val="FF0000"/>
+            </a:solidFill>
+          </a:ln>
+        </p:spPr>
+        <p:style>
+          <a:lnRef idx="2">
+            <a:schemeClr val="accent1">
+              <a:shade val="15000"/>
+            </a:schemeClr>
+          </a:lnRef>
+          <a:fillRef idx="1">
+            <a:schemeClr val="accent1"/>
+          </a:fillRef>
+          <a:effectRef idx="0">
+            <a:schemeClr val="accent1"/>
+          </a:effectRef>
+          <a:fontRef idx="minor">
+            <a:schemeClr val="lt1"/>
+          </a:fontRef>
+        </p:style>
+        <p:txBody>
+          <a:bodyPr rtlCol="0" anchor="ctr"/>
+          <a:lstStyle/>
+          <a:p>
+            <a:pPr algn="ctr"/>
+            <a:endParaRPr lang="ko-KR" altLang="en-US"/>
+          </a:p>
+        </p:txBody>
+      </p:sp>
+    </p:spTree>
+    <p:extLst>
+      <p:ext uri="{BB962C8B-B14F-4D97-AF65-F5344CB8AC3E}">
+        <p14:creationId xmlns:p14="http://schemas.microsoft.com/office/powerpoint/2010/main" val="103912730"/>
       </p:ext>
     </p:extLst>
   </p:cSld>

--- a/11.25.pptx
+++ b/11.25.pptx
@@ -14,6 +14,11 @@
     <p:sldId id="265" r:id="rId8"/>
     <p:sldId id="266" r:id="rId9"/>
     <p:sldId id="267" r:id="rId10"/>
+    <p:sldId id="268" r:id="rId11"/>
+    <p:sldId id="269" r:id="rId12"/>
+    <p:sldId id="270" r:id="rId13"/>
+    <p:sldId id="271" r:id="rId14"/>
+    <p:sldId id="272" r:id="rId15"/>
   </p:sldIdLst>
   <p:sldSz cx="12192000" cy="6858000"/>
   <p:notesSz cx="6858000" cy="9144000"/>
@@ -126,6 +131,11 @@
             <p14:sldId id="265"/>
             <p14:sldId id="266"/>
             <p14:sldId id="267"/>
+            <p14:sldId id="268"/>
+            <p14:sldId id="269"/>
+            <p14:sldId id="270"/>
+            <p14:sldId id="271"/>
+            <p14:sldId id="272"/>
           </p14:sldIdLst>
         </p14:section>
       </p14:sectionLst>
@@ -3577,6 +3587,3894 @@
 </p:sld>
 </file>
 
+<file path=ppt/slides/slide10.xml><?xml version="1.0" encoding="utf-8"?>
+<p:sld xmlns:a="http://schemas.openxmlformats.org/drawingml/2006/main" xmlns:r="http://schemas.openxmlformats.org/officeDocument/2006/relationships" xmlns:p="http://schemas.openxmlformats.org/presentationml/2006/main">
+  <p:cSld>
+    <p:spTree>
+      <p:nvGrpSpPr>
+        <p:cNvPr id="1" name="">
+          <a:extLst>
+            <a:ext uri="{FF2B5EF4-FFF2-40B4-BE49-F238E27FC236}">
+              <a16:creationId xmlns:a16="http://schemas.microsoft.com/office/drawing/2014/main" id="{1CD96649-A29F-CF4D-061E-4621220F72F8}"/>
+            </a:ext>
+          </a:extLst>
+        </p:cNvPr>
+        <p:cNvGrpSpPr/>
+        <p:nvPr/>
+      </p:nvGrpSpPr>
+      <p:grpSpPr>
+        <a:xfrm>
+          <a:off x="0" y="0"/>
+          <a:ext cx="0" cy="0"/>
+          <a:chOff x="0" y="0"/>
+          <a:chExt cx="0" cy="0"/>
+        </a:xfrm>
+      </p:grpSpPr>
+      <p:sp>
+        <p:nvSpPr>
+          <p:cNvPr id="2" name="제목 1">
+            <a:extLst>
+              <a:ext uri="{FF2B5EF4-FFF2-40B4-BE49-F238E27FC236}">
+                <a16:creationId xmlns:a16="http://schemas.microsoft.com/office/drawing/2014/main" id="{870D1E38-D490-45E3-352D-BDACA39FE8AF}"/>
+              </a:ext>
+            </a:extLst>
+          </p:cNvPr>
+          <p:cNvSpPr>
+            <a:spLocks noGrp="1"/>
+          </p:cNvSpPr>
+          <p:nvPr>
+            <p:ph type="title"/>
+          </p:nvPr>
+        </p:nvSpPr>
+        <p:spPr/>
+        <p:txBody>
+          <a:bodyPr/>
+          <a:lstStyle/>
+          <a:p>
+            <a:r>
+              <a:rPr lang="en-US" altLang="ko-KR" dirty="0"/>
+              <a:t>3.1 </a:t>
+            </a:r>
+            <a:r>
+              <a:rPr lang="ko-KR" altLang="en-US" dirty="0"/>
+              <a:t>활성화 함수에 따른 양자화 손실 분석</a:t>
+            </a:r>
+          </a:p>
+        </p:txBody>
+      </p:sp>
+      <p:pic>
+        <p:nvPicPr>
+          <p:cNvPr id="4" name="내용 개체 틀 3" descr="텍스트, 스크린샷, 멀티미디어 소프트웨어, 그래픽 소프트웨어이(가) 표시된 사진&#10;&#10;자동 생성된 설명">
+            <a:extLst>
+              <a:ext uri="{FF2B5EF4-FFF2-40B4-BE49-F238E27FC236}">
+                <a16:creationId xmlns:a16="http://schemas.microsoft.com/office/drawing/2014/main" id="{63178E59-E296-CAED-7FC8-B3CADA0D895E}"/>
+              </a:ext>
+            </a:extLst>
+          </p:cNvPr>
+          <p:cNvPicPr>
+            <a:picLocks noGrp="1" noChangeAspect="1"/>
+          </p:cNvPicPr>
+          <p:nvPr>
+            <p:ph idx="1"/>
+          </p:nvPr>
+        </p:nvPicPr>
+        <p:blipFill>
+          <a:blip r:embed="rId2"/>
+          <a:stretch>
+            <a:fillRect/>
+          </a:stretch>
+        </p:blipFill>
+        <p:spPr>
+          <a:xfrm>
+            <a:off x="756117" y="1857837"/>
+            <a:ext cx="7218809" cy="4351338"/>
+          </a:xfrm>
+          <a:prstGeom prst="rect">
+            <a:avLst/>
+          </a:prstGeom>
+        </p:spPr>
+      </p:pic>
+      <p:sp>
+        <p:nvSpPr>
+          <p:cNvPr id="7" name="TextBox 6">
+            <a:extLst>
+              <a:ext uri="{FF2B5EF4-FFF2-40B4-BE49-F238E27FC236}">
+                <a16:creationId xmlns:a16="http://schemas.microsoft.com/office/drawing/2014/main" id="{E8C99D6B-BA82-A08E-FAFD-3214A170841A}"/>
+              </a:ext>
+            </a:extLst>
+          </p:cNvPr>
+          <p:cNvSpPr txBox="1"/>
+          <p:nvPr/>
+        </p:nvSpPr>
+        <p:spPr>
+          <a:xfrm>
+            <a:off x="8232057" y="3156343"/>
+            <a:ext cx="3684640" cy="1754326"/>
+          </a:xfrm>
+          <a:prstGeom prst="rect">
+            <a:avLst/>
+          </a:prstGeom>
+          <a:noFill/>
+        </p:spPr>
+        <p:txBody>
+          <a:bodyPr wrap="square">
+            <a:spAutoFit/>
+          </a:bodyPr>
+          <a:lstStyle/>
+          <a:p>
+            <a:r>
+              <a:rPr lang="en-US" altLang="ko-KR" dirty="0"/>
+              <a:t>Maximum Relative Error</a:t>
+            </a:r>
+            <a:r>
+              <a:rPr lang="ko-KR" altLang="en-US" dirty="0"/>
+              <a:t>를 성능 평가 지표로 사용</a:t>
+            </a:r>
+            <a:endParaRPr lang="en-US" altLang="ko-KR" dirty="0"/>
+          </a:p>
+          <a:p>
+            <a:endParaRPr lang="en-US" altLang="ko-KR" dirty="0"/>
+          </a:p>
+          <a:p>
+            <a:r>
+              <a:rPr lang="ko-KR" altLang="en-US" dirty="0"/>
+              <a:t>일부 </a:t>
+            </a:r>
+            <a:r>
+              <a:rPr lang="en-US" altLang="ko-KR" dirty="0" err="1"/>
+              <a:t>SiLU</a:t>
+            </a:r>
+            <a:r>
+              <a:rPr lang="ko-KR" altLang="en-US" dirty="0"/>
+              <a:t> </a:t>
+            </a:r>
+            <a:r>
+              <a:rPr lang="ko-KR" altLang="en-US" dirty="0" err="1"/>
+              <a:t>함수들에서</a:t>
+            </a:r>
+            <a:r>
+              <a:rPr lang="ko-KR" altLang="en-US" dirty="0"/>
+              <a:t> 높은 에러를 발견</a:t>
+            </a:r>
+            <a:r>
+              <a:rPr lang="en-US" altLang="ko-KR" dirty="0"/>
+              <a:t>.</a:t>
+            </a:r>
+          </a:p>
+          <a:p>
+            <a:endParaRPr lang="ko-KR" altLang="en-US" dirty="0"/>
+          </a:p>
+        </p:txBody>
+      </p:sp>
+    </p:spTree>
+    <p:extLst>
+      <p:ext uri="{BB962C8B-B14F-4D97-AF65-F5344CB8AC3E}">
+        <p14:creationId xmlns:p14="http://schemas.microsoft.com/office/powerpoint/2010/main" val="1388281386"/>
+      </p:ext>
+    </p:extLst>
+  </p:cSld>
+  <p:clrMapOvr>
+    <a:masterClrMapping/>
+  </p:clrMapOvr>
+</p:sld>
+</file>
+
+<file path=ppt/slides/slide11.xml><?xml version="1.0" encoding="utf-8"?>
+<p:sld xmlns:a="http://schemas.openxmlformats.org/drawingml/2006/main" xmlns:r="http://schemas.openxmlformats.org/officeDocument/2006/relationships" xmlns:p="http://schemas.openxmlformats.org/presentationml/2006/main">
+  <p:cSld>
+    <p:spTree>
+      <p:nvGrpSpPr>
+        <p:cNvPr id="1" name="">
+          <a:extLst>
+            <a:ext uri="{FF2B5EF4-FFF2-40B4-BE49-F238E27FC236}">
+              <a16:creationId xmlns:a16="http://schemas.microsoft.com/office/drawing/2014/main" id="{8DB37986-F11E-5122-27AC-696AC68669DC}"/>
+            </a:ext>
+          </a:extLst>
+        </p:cNvPr>
+        <p:cNvGrpSpPr/>
+        <p:nvPr/>
+      </p:nvGrpSpPr>
+      <p:grpSpPr>
+        <a:xfrm>
+          <a:off x="0" y="0"/>
+          <a:ext cx="0" cy="0"/>
+          <a:chOff x="0" y="0"/>
+          <a:chExt cx="0" cy="0"/>
+        </a:xfrm>
+      </p:grpSpPr>
+      <p:sp>
+        <p:nvSpPr>
+          <p:cNvPr id="2" name="제목 1">
+            <a:extLst>
+              <a:ext uri="{FF2B5EF4-FFF2-40B4-BE49-F238E27FC236}">
+                <a16:creationId xmlns:a16="http://schemas.microsoft.com/office/drawing/2014/main" id="{109AD4BD-F6C4-94C1-C0B7-2E1C015EA57F}"/>
+              </a:ext>
+            </a:extLst>
+          </p:cNvPr>
+          <p:cNvSpPr>
+            <a:spLocks noGrp="1"/>
+          </p:cNvSpPr>
+          <p:nvPr>
+            <p:ph type="title"/>
+          </p:nvPr>
+        </p:nvSpPr>
+        <p:spPr/>
+        <p:txBody>
+          <a:bodyPr/>
+          <a:lstStyle/>
+          <a:p>
+            <a:r>
+              <a:rPr lang="en-US" altLang="ko-KR" dirty="0"/>
+              <a:t>3.1.1 </a:t>
+            </a:r>
+            <a:r>
+              <a:rPr lang="en-US" altLang="ko-KR" dirty="0" err="1"/>
+              <a:t>SiLU</a:t>
+            </a:r>
+            <a:r>
+              <a:rPr lang="en-US" altLang="ko-KR" dirty="0"/>
+              <a:t>, </a:t>
+            </a:r>
+            <a:r>
+              <a:rPr lang="en-US" altLang="ko-KR" dirty="0" err="1"/>
+              <a:t>ReLU</a:t>
+            </a:r>
+            <a:r>
+              <a:rPr lang="en-US" altLang="ko-KR" dirty="0"/>
+              <a:t> </a:t>
+            </a:r>
+            <a:r>
+              <a:rPr lang="ko-KR" altLang="en-US" dirty="0"/>
+              <a:t>함수 분석</a:t>
+            </a:r>
+          </a:p>
+        </p:txBody>
+      </p:sp>
+      <p:sp>
+        <p:nvSpPr>
+          <p:cNvPr id="5" name="내용 개체 틀 4">
+            <a:extLst>
+              <a:ext uri="{FF2B5EF4-FFF2-40B4-BE49-F238E27FC236}">
+                <a16:creationId xmlns:a16="http://schemas.microsoft.com/office/drawing/2014/main" id="{C97ECB3C-0757-465B-7B8C-7354C9E81E33}"/>
+              </a:ext>
+            </a:extLst>
+          </p:cNvPr>
+          <p:cNvSpPr>
+            <a:spLocks noGrp="1"/>
+          </p:cNvSpPr>
+          <p:nvPr>
+            <p:ph idx="1"/>
+          </p:nvPr>
+        </p:nvSpPr>
+        <p:spPr/>
+        <p:txBody>
+          <a:bodyPr>
+            <a:normAutofit/>
+          </a:bodyPr>
+          <a:lstStyle/>
+          <a:p>
+            <a:r>
+              <a:rPr lang="ko-KR" altLang="en-US" sz="2000" dirty="0"/>
+              <a:t>가설 </a:t>
+            </a:r>
+            <a:r>
+              <a:rPr lang="en-US" altLang="ko-KR" sz="2000" dirty="0"/>
+              <a:t>: </a:t>
+            </a:r>
+            <a:r>
+              <a:rPr lang="en-US" altLang="ko-KR" sz="2000" dirty="0" err="1"/>
+              <a:t>SiLU</a:t>
+            </a:r>
+            <a:r>
+              <a:rPr lang="en-US" altLang="ko-KR" sz="2000" dirty="0"/>
+              <a:t> </a:t>
+            </a:r>
+            <a:r>
+              <a:rPr lang="ko-KR" altLang="en-US" sz="2000" dirty="0"/>
+              <a:t>함수에서 </a:t>
+            </a:r>
+            <a:r>
+              <a:rPr lang="en-US" altLang="ko-KR" sz="2000" dirty="0"/>
+              <a:t>‘</a:t>
+            </a:r>
+            <a:r>
+              <a:rPr lang="ko-KR" altLang="en-US" sz="2000" dirty="0"/>
+              <a:t>나눗셈</a:t>
+            </a:r>
+            <a:r>
+              <a:rPr lang="en-US" altLang="ko-KR" sz="2000" dirty="0"/>
+              <a:t>’</a:t>
+            </a:r>
+            <a:r>
+              <a:rPr lang="ko-KR" altLang="en-US" sz="2000" dirty="0"/>
+              <a:t>과 </a:t>
+            </a:r>
+            <a:r>
+              <a:rPr lang="en-US" altLang="ko-KR" sz="2000" dirty="0"/>
+              <a:t>‘</a:t>
+            </a:r>
+            <a:r>
+              <a:rPr lang="ko-KR" altLang="en-US" sz="2000" dirty="0"/>
+              <a:t>지수</a:t>
+            </a:r>
+            <a:r>
+              <a:rPr lang="en-US" altLang="ko-KR" sz="2000" dirty="0"/>
+              <a:t>’</a:t>
+            </a:r>
+            <a:r>
+              <a:rPr lang="ko-KR" altLang="en-US" sz="2000" dirty="0"/>
+              <a:t> 연산에서 양자화 에러가 크게 발생할 것이다</a:t>
+            </a:r>
+            <a:r>
+              <a:rPr lang="en-US" altLang="ko-KR" sz="2000" dirty="0"/>
+              <a:t>.</a:t>
+            </a:r>
+          </a:p>
+          <a:p>
+            <a:r>
+              <a:rPr lang="ko-KR" altLang="en-US" sz="2000" dirty="0"/>
+              <a:t>결과</a:t>
+            </a:r>
+            <a:r>
+              <a:rPr lang="en-US" altLang="ko-KR" sz="2000" dirty="0"/>
+              <a:t>1</a:t>
+            </a:r>
+            <a:r>
+              <a:rPr lang="ko-KR" altLang="en-US" sz="2000" dirty="0"/>
+              <a:t> </a:t>
+            </a:r>
+            <a:r>
+              <a:rPr lang="en-US" altLang="ko-KR" sz="2000" dirty="0"/>
+              <a:t>: v8n </a:t>
+            </a:r>
+            <a:r>
+              <a:rPr lang="ko-KR" altLang="en-US" sz="2000" dirty="0"/>
+              <a:t>모델 </a:t>
+            </a:r>
+            <a:r>
+              <a:rPr lang="en-US" altLang="ko-KR" sz="2000" dirty="0"/>
+              <a:t>-&gt; </a:t>
+            </a:r>
+            <a:r>
+              <a:rPr lang="en-US" altLang="ko-KR" sz="2000" dirty="0" err="1"/>
+              <a:t>SiLU</a:t>
+            </a:r>
+            <a:r>
+              <a:rPr lang="en-US" altLang="ko-KR" sz="2000" dirty="0"/>
+              <a:t>(0.3222) &lt; </a:t>
+            </a:r>
+            <a:r>
+              <a:rPr lang="en-US" altLang="ko-KR" sz="2000" dirty="0" err="1"/>
+              <a:t>ReLU</a:t>
+            </a:r>
+            <a:r>
+              <a:rPr lang="en-US" altLang="ko-KR" sz="2000" dirty="0"/>
+              <a:t>(0.32991)</a:t>
+            </a:r>
+          </a:p>
+          <a:p>
+            <a:r>
+              <a:rPr lang="ko-KR" altLang="en-US" sz="2000" dirty="0"/>
+              <a:t>결론 </a:t>
+            </a:r>
+            <a:r>
+              <a:rPr lang="en-US" altLang="ko-KR" sz="2000" dirty="0"/>
+              <a:t>: ReLU6</a:t>
+            </a:r>
+            <a:r>
+              <a:rPr lang="ko-KR" altLang="en-US" sz="2000" dirty="0"/>
+              <a:t>를 사용하여 상한선을 정하여 실험</a:t>
+            </a:r>
+            <a:endParaRPr lang="en-US" altLang="ko-KR" sz="2000" dirty="0"/>
+          </a:p>
+          <a:p>
+            <a:r>
+              <a:rPr lang="ko-KR" altLang="en-US" sz="2000" dirty="0"/>
+              <a:t>인사이트 </a:t>
+            </a:r>
+            <a:r>
+              <a:rPr lang="en-US" altLang="ko-KR" sz="2000" dirty="0"/>
+              <a:t>: </a:t>
+            </a:r>
+            <a:r>
+              <a:rPr lang="en-US" altLang="ko-KR" sz="2000" dirty="0" err="1"/>
+              <a:t>ReLU</a:t>
+            </a:r>
+            <a:r>
+              <a:rPr lang="ko-KR" altLang="en-US" sz="2000" dirty="0"/>
+              <a:t>의 연산이 </a:t>
+            </a:r>
+            <a:r>
+              <a:rPr lang="en-US" altLang="ko-KR" sz="2000" dirty="0" err="1"/>
+              <a:t>SiLU</a:t>
+            </a:r>
+            <a:r>
+              <a:rPr lang="ko-KR" altLang="en-US" sz="2000" dirty="0"/>
+              <a:t>에</a:t>
+            </a:r>
+            <a:r>
+              <a:rPr lang="en-US" altLang="ko-KR" sz="2000" dirty="0"/>
+              <a:t> </a:t>
+            </a:r>
+            <a:r>
+              <a:rPr lang="ko-KR" altLang="en-US" sz="2000" dirty="0"/>
+              <a:t>비해 </a:t>
+            </a:r>
+            <a:r>
+              <a:rPr lang="en-US" altLang="ko-KR" sz="2000" dirty="0"/>
+              <a:t>NPU </a:t>
+            </a:r>
+            <a:r>
+              <a:rPr lang="ko-KR" altLang="en-US" sz="2000" dirty="0"/>
+              <a:t>연산에 더 친화적이다</a:t>
+            </a:r>
+            <a:r>
+              <a:rPr lang="en-US" altLang="ko-KR" sz="2000" dirty="0"/>
+              <a:t>.</a:t>
+            </a:r>
+            <a:endParaRPr lang="ko-KR" altLang="en-US" sz="2000" dirty="0"/>
+          </a:p>
+        </p:txBody>
+      </p:sp>
+      <p:pic>
+        <p:nvPicPr>
+          <p:cNvPr id="8" name="그림 7" descr="라인, 도표, 그래프이(가) 표시된 사진&#10;&#10;자동 생성된 설명">
+            <a:extLst>
+              <a:ext uri="{FF2B5EF4-FFF2-40B4-BE49-F238E27FC236}">
+                <a16:creationId xmlns:a16="http://schemas.microsoft.com/office/drawing/2014/main" id="{49A89FFA-DA88-C006-B6E4-C8D64003D2B5}"/>
+              </a:ext>
+            </a:extLst>
+          </p:cNvPr>
+          <p:cNvPicPr>
+            <a:picLocks noChangeAspect="1"/>
+          </p:cNvPicPr>
+          <p:nvPr/>
+        </p:nvPicPr>
+        <p:blipFill>
+          <a:blip r:embed="rId2">
+            <a:extLst>
+              <a:ext uri="{28A0092B-C50C-407E-A947-70E740481C1C}">
+                <a14:useLocalDpi xmlns:a14="http://schemas.microsoft.com/office/drawing/2010/main" val="0"/>
+              </a:ext>
+            </a:extLst>
+          </a:blip>
+          <a:srcRect t="5666" r="7744"/>
+          <a:stretch/>
+        </p:blipFill>
+        <p:spPr bwMode="auto">
+          <a:xfrm>
+            <a:off x="6096000" y="3916163"/>
+            <a:ext cx="3541928" cy="2716559"/>
+          </a:xfrm>
+          <a:prstGeom prst="rect">
+            <a:avLst/>
+          </a:prstGeom>
+          <a:noFill/>
+          <a:ln>
+            <a:noFill/>
+          </a:ln>
+        </p:spPr>
+      </p:pic>
+      <p:pic>
+        <p:nvPicPr>
+          <p:cNvPr id="9" name="그림 8" descr="라인, 도표, 그래프이(가) 표시된 사진&#10;&#10;자동 생성된 설명">
+            <a:extLst>
+              <a:ext uri="{FF2B5EF4-FFF2-40B4-BE49-F238E27FC236}">
+                <a16:creationId xmlns:a16="http://schemas.microsoft.com/office/drawing/2014/main" id="{D41DA70F-A16A-D109-5CC9-BFB8119152CD}"/>
+              </a:ext>
+            </a:extLst>
+          </p:cNvPr>
+          <p:cNvPicPr>
+            <a:picLocks noChangeAspect="1"/>
+          </p:cNvPicPr>
+          <p:nvPr/>
+        </p:nvPicPr>
+        <p:blipFill>
+          <a:blip r:embed="rId3">
+            <a:extLst>
+              <a:ext uri="{28A0092B-C50C-407E-A947-70E740481C1C}">
+                <a14:useLocalDpi xmlns:a14="http://schemas.microsoft.com/office/drawing/2010/main" val="0"/>
+              </a:ext>
+            </a:extLst>
+          </a:blip>
+          <a:srcRect/>
+          <a:stretch>
+            <a:fillRect/>
+          </a:stretch>
+        </p:blipFill>
+        <p:spPr bwMode="auto">
+          <a:xfrm>
+            <a:off x="2256790" y="3752997"/>
+            <a:ext cx="3839210" cy="2879725"/>
+          </a:xfrm>
+          <a:prstGeom prst="rect">
+            <a:avLst/>
+          </a:prstGeom>
+          <a:noFill/>
+          <a:ln>
+            <a:noFill/>
+          </a:ln>
+        </p:spPr>
+      </p:pic>
+    </p:spTree>
+    <p:extLst>
+      <p:ext uri="{BB962C8B-B14F-4D97-AF65-F5344CB8AC3E}">
+        <p14:creationId xmlns:p14="http://schemas.microsoft.com/office/powerpoint/2010/main" val="4287649350"/>
+      </p:ext>
+    </p:extLst>
+  </p:cSld>
+  <p:clrMapOvr>
+    <a:masterClrMapping/>
+  </p:clrMapOvr>
+</p:sld>
+</file>
+
+<file path=ppt/slides/slide12.xml><?xml version="1.0" encoding="utf-8"?>
+<p:sld xmlns:a="http://schemas.openxmlformats.org/drawingml/2006/main" xmlns:r="http://schemas.openxmlformats.org/officeDocument/2006/relationships" xmlns:p="http://schemas.openxmlformats.org/presentationml/2006/main">
+  <p:cSld>
+    <p:spTree>
+      <p:nvGrpSpPr>
+        <p:cNvPr id="1" name="">
+          <a:extLst>
+            <a:ext uri="{FF2B5EF4-FFF2-40B4-BE49-F238E27FC236}">
+              <a16:creationId xmlns:a16="http://schemas.microsoft.com/office/drawing/2014/main" id="{E330974A-A846-0E9B-1B27-A5723C4FA569}"/>
+            </a:ext>
+          </a:extLst>
+        </p:cNvPr>
+        <p:cNvGrpSpPr/>
+        <p:nvPr/>
+      </p:nvGrpSpPr>
+      <p:grpSpPr>
+        <a:xfrm>
+          <a:off x="0" y="0"/>
+          <a:ext cx="0" cy="0"/>
+          <a:chOff x="0" y="0"/>
+          <a:chExt cx="0" cy="0"/>
+        </a:xfrm>
+      </p:grpSpPr>
+      <p:sp>
+        <p:nvSpPr>
+          <p:cNvPr id="2" name="제목 1">
+            <a:extLst>
+              <a:ext uri="{FF2B5EF4-FFF2-40B4-BE49-F238E27FC236}">
+                <a16:creationId xmlns:a16="http://schemas.microsoft.com/office/drawing/2014/main" id="{FEBAD31E-ED3B-28AD-5E47-DA90A45FB78E}"/>
+              </a:ext>
+            </a:extLst>
+          </p:cNvPr>
+          <p:cNvSpPr>
+            <a:spLocks noGrp="1"/>
+          </p:cNvSpPr>
+          <p:nvPr>
+            <p:ph type="title"/>
+          </p:nvPr>
+        </p:nvSpPr>
+        <p:spPr/>
+        <p:txBody>
+          <a:bodyPr/>
+          <a:lstStyle/>
+          <a:p>
+            <a:r>
+              <a:rPr lang="en-US" altLang="ko-KR" dirty="0"/>
+              <a:t>3.1.2 </a:t>
+            </a:r>
+            <a:r>
+              <a:rPr lang="en-US" altLang="ko-KR" dirty="0" err="1"/>
+              <a:t>ReLU</a:t>
+            </a:r>
+            <a:r>
+              <a:rPr lang="en-US" altLang="ko-KR" dirty="0"/>
+              <a:t>, ReLU6 </a:t>
+            </a:r>
+            <a:r>
+              <a:rPr lang="ko-KR" altLang="en-US" dirty="0"/>
+              <a:t>함수 분석</a:t>
+            </a:r>
+          </a:p>
+        </p:txBody>
+      </p:sp>
+      <p:sp>
+        <p:nvSpPr>
+          <p:cNvPr id="5" name="내용 개체 틀 4">
+            <a:extLst>
+              <a:ext uri="{FF2B5EF4-FFF2-40B4-BE49-F238E27FC236}">
+                <a16:creationId xmlns:a16="http://schemas.microsoft.com/office/drawing/2014/main" id="{2247A4B3-10EC-B0CD-DBE0-3D3426E5F840}"/>
+              </a:ext>
+            </a:extLst>
+          </p:cNvPr>
+          <p:cNvSpPr>
+            <a:spLocks noGrp="1"/>
+          </p:cNvSpPr>
+          <p:nvPr>
+            <p:ph idx="1"/>
+          </p:nvPr>
+        </p:nvSpPr>
+        <p:spPr/>
+        <p:txBody>
+          <a:bodyPr>
+            <a:normAutofit/>
+          </a:bodyPr>
+          <a:lstStyle/>
+          <a:p>
+            <a:r>
+              <a:rPr lang="ko-KR" altLang="en-US" sz="2000" dirty="0"/>
+              <a:t>가설</a:t>
+            </a:r>
+            <a:r>
+              <a:rPr lang="en-US" altLang="ko-KR" sz="2000" dirty="0"/>
+              <a:t> : </a:t>
+            </a:r>
+            <a:r>
+              <a:rPr lang="en-US" altLang="ko-KR" sz="2000" dirty="0" err="1"/>
+              <a:t>ReLU</a:t>
+            </a:r>
+            <a:r>
+              <a:rPr lang="ko-KR" altLang="en-US" sz="2000" dirty="0"/>
+              <a:t>의 양수 범위에서 이상치가 끼치는 악영향을 방지할 것이다</a:t>
+            </a:r>
+            <a:r>
+              <a:rPr lang="en-US" altLang="ko-KR" sz="2000" dirty="0"/>
+              <a:t>.</a:t>
+            </a:r>
+          </a:p>
+          <a:p>
+            <a:r>
+              <a:rPr lang="ko-KR" altLang="en-US" sz="2000" dirty="0"/>
+              <a:t>결과</a:t>
+            </a:r>
+            <a:r>
+              <a:rPr lang="en-US" altLang="ko-KR" sz="2000" dirty="0"/>
+              <a:t>1</a:t>
+            </a:r>
+            <a:r>
+              <a:rPr lang="ko-KR" altLang="en-US" sz="2000" dirty="0"/>
+              <a:t> </a:t>
+            </a:r>
+            <a:r>
+              <a:rPr lang="en-US" altLang="ko-KR" sz="2000" dirty="0"/>
+              <a:t>: v8n </a:t>
+            </a:r>
+            <a:r>
+              <a:rPr lang="ko-KR" altLang="en-US" sz="2000" dirty="0"/>
+              <a:t>모델 </a:t>
+            </a:r>
+            <a:r>
+              <a:rPr lang="en-US" altLang="ko-KR" sz="2000" dirty="0"/>
+              <a:t>-&gt; </a:t>
+            </a:r>
+            <a:r>
+              <a:rPr lang="en-US" altLang="ko-KR" sz="2000" dirty="0" err="1"/>
+              <a:t>ReLU</a:t>
+            </a:r>
+            <a:r>
+              <a:rPr lang="en-US" altLang="ko-KR" sz="2000" dirty="0"/>
+              <a:t>(0.32991) &gt; ReLU6(Quantization Error</a:t>
+            </a:r>
+            <a:r>
+              <a:rPr lang="ko-KR" altLang="en-US" sz="2000" dirty="0"/>
+              <a:t>↑</a:t>
+            </a:r>
+            <a:r>
+              <a:rPr lang="en-US" altLang="ko-KR" sz="2000" dirty="0"/>
+              <a:t>)</a:t>
+            </a:r>
+          </a:p>
+          <a:p>
+            <a:r>
+              <a:rPr lang="ko-KR" altLang="en-US" sz="2000" dirty="0"/>
+              <a:t>결론 </a:t>
+            </a:r>
+            <a:r>
+              <a:rPr lang="en-US" altLang="ko-KR" sz="2000" dirty="0"/>
+              <a:t>: </a:t>
+            </a:r>
+            <a:r>
+              <a:rPr lang="ko-KR" altLang="en-US" sz="2000" dirty="0"/>
+              <a:t>양수</a:t>
+            </a:r>
+            <a:r>
+              <a:rPr lang="en-US" altLang="ko-KR" sz="2000" dirty="0"/>
+              <a:t>, </a:t>
+            </a:r>
+            <a:r>
+              <a:rPr lang="ko-KR" altLang="en-US" sz="2000" dirty="0"/>
+              <a:t>음수 영역에 범위 제한이 없는 </a:t>
+            </a:r>
+            <a:r>
+              <a:rPr lang="en-US" altLang="ko-KR" sz="2000" dirty="0"/>
+              <a:t>Leaky </a:t>
+            </a:r>
+            <a:r>
+              <a:rPr lang="en-US" altLang="ko-KR" sz="2000" dirty="0" err="1"/>
+              <a:t>ReLU</a:t>
+            </a:r>
+            <a:r>
+              <a:rPr lang="ko-KR" altLang="en-US" sz="2000" dirty="0"/>
+              <a:t>를 사용하여 실험</a:t>
+            </a:r>
+            <a:endParaRPr lang="en-US" altLang="ko-KR" sz="2000" dirty="0"/>
+          </a:p>
+          <a:p>
+            <a:r>
+              <a:rPr lang="ko-KR" altLang="en-US" sz="2000" dirty="0"/>
+              <a:t>인사이트 </a:t>
+            </a:r>
+            <a:r>
+              <a:rPr lang="en-US" altLang="ko-KR" sz="2000" dirty="0"/>
+              <a:t>: </a:t>
+            </a:r>
+            <a:r>
+              <a:rPr lang="ko-KR" altLang="en-US" sz="2000" dirty="0"/>
+              <a:t>표현 범위가 한정적이기 때문에 </a:t>
+            </a:r>
+            <a:r>
+              <a:rPr lang="ko-KR" altLang="en-US" sz="2000" dirty="0" err="1"/>
+              <a:t>바운딩</a:t>
+            </a:r>
+            <a:r>
+              <a:rPr lang="ko-KR" altLang="en-US" sz="2000" dirty="0"/>
+              <a:t> 박스 에러가 높았을 것이다</a:t>
+            </a:r>
+            <a:r>
+              <a:rPr lang="en-US" altLang="ko-KR" sz="2000" dirty="0"/>
+              <a:t>.</a:t>
+            </a:r>
+            <a:endParaRPr lang="ko-KR" altLang="en-US" sz="2000" dirty="0"/>
+          </a:p>
+        </p:txBody>
+      </p:sp>
+      <p:pic>
+        <p:nvPicPr>
+          <p:cNvPr id="8" name="그림 7" descr="라인, 도표, 그래프이(가) 표시된 사진&#10;&#10;자동 생성된 설명">
+            <a:extLst>
+              <a:ext uri="{FF2B5EF4-FFF2-40B4-BE49-F238E27FC236}">
+                <a16:creationId xmlns:a16="http://schemas.microsoft.com/office/drawing/2014/main" id="{137C0663-3B5A-7433-427C-E30721860363}"/>
+              </a:ext>
+            </a:extLst>
+          </p:cNvPr>
+          <p:cNvPicPr>
+            <a:picLocks noChangeAspect="1"/>
+          </p:cNvPicPr>
+          <p:nvPr/>
+        </p:nvPicPr>
+        <p:blipFill>
+          <a:blip r:embed="rId2">
+            <a:extLst>
+              <a:ext uri="{28A0092B-C50C-407E-A947-70E740481C1C}">
+                <a14:useLocalDpi xmlns:a14="http://schemas.microsoft.com/office/drawing/2010/main" val="0"/>
+              </a:ext>
+            </a:extLst>
+          </a:blip>
+          <a:srcRect t="5666" r="7744"/>
+          <a:stretch/>
+        </p:blipFill>
+        <p:spPr bwMode="auto">
+          <a:xfrm>
+            <a:off x="2219775" y="3916163"/>
+            <a:ext cx="3541928" cy="2716559"/>
+          </a:xfrm>
+          <a:prstGeom prst="rect">
+            <a:avLst/>
+          </a:prstGeom>
+          <a:noFill/>
+          <a:ln>
+            <a:noFill/>
+          </a:ln>
+        </p:spPr>
+      </p:pic>
+      <p:pic>
+        <p:nvPicPr>
+          <p:cNvPr id="3" name="그림 2" descr="라인, 도표, 그래프, 텍스트이(가) 표시된 사진&#10;&#10;자동 생성된 설명">
+            <a:extLst>
+              <a:ext uri="{FF2B5EF4-FFF2-40B4-BE49-F238E27FC236}">
+                <a16:creationId xmlns:a16="http://schemas.microsoft.com/office/drawing/2014/main" id="{F65EDBA1-07E7-2CA2-49B7-7BA3B8322A65}"/>
+              </a:ext>
+            </a:extLst>
+          </p:cNvPr>
+          <p:cNvPicPr>
+            <a:picLocks noChangeAspect="1"/>
+          </p:cNvPicPr>
+          <p:nvPr/>
+        </p:nvPicPr>
+        <p:blipFill>
+          <a:blip r:embed="rId3">
+            <a:extLst>
+              <a:ext uri="{28A0092B-C50C-407E-A947-70E740481C1C}">
+                <a14:useLocalDpi xmlns:a14="http://schemas.microsoft.com/office/drawing/2010/main" val="0"/>
+              </a:ext>
+            </a:extLst>
+          </a:blip>
+          <a:srcRect/>
+          <a:stretch>
+            <a:fillRect/>
+          </a:stretch>
+        </p:blipFill>
+        <p:spPr bwMode="auto">
+          <a:xfrm>
+            <a:off x="6096000" y="3752997"/>
+            <a:ext cx="3623600" cy="2718000"/>
+          </a:xfrm>
+          <a:prstGeom prst="rect">
+            <a:avLst/>
+          </a:prstGeom>
+          <a:noFill/>
+          <a:ln>
+            <a:noFill/>
+          </a:ln>
+        </p:spPr>
+      </p:pic>
+    </p:spTree>
+    <p:extLst>
+      <p:ext uri="{BB962C8B-B14F-4D97-AF65-F5344CB8AC3E}">
+        <p14:creationId xmlns:p14="http://schemas.microsoft.com/office/powerpoint/2010/main" val="971230714"/>
+      </p:ext>
+    </p:extLst>
+  </p:cSld>
+  <p:clrMapOvr>
+    <a:masterClrMapping/>
+  </p:clrMapOvr>
+</p:sld>
+</file>
+
+<file path=ppt/slides/slide13.xml><?xml version="1.0" encoding="utf-8"?>
+<p:sld xmlns:a="http://schemas.openxmlformats.org/drawingml/2006/main" xmlns:r="http://schemas.openxmlformats.org/officeDocument/2006/relationships" xmlns:p="http://schemas.openxmlformats.org/presentationml/2006/main">
+  <p:cSld>
+    <p:spTree>
+      <p:nvGrpSpPr>
+        <p:cNvPr id="1" name="">
+          <a:extLst>
+            <a:ext uri="{FF2B5EF4-FFF2-40B4-BE49-F238E27FC236}">
+              <a16:creationId xmlns:a16="http://schemas.microsoft.com/office/drawing/2014/main" id="{3944A424-C09A-DAD8-594F-63FB9D6236EB}"/>
+            </a:ext>
+          </a:extLst>
+        </p:cNvPr>
+        <p:cNvGrpSpPr/>
+        <p:nvPr/>
+      </p:nvGrpSpPr>
+      <p:grpSpPr>
+        <a:xfrm>
+          <a:off x="0" y="0"/>
+          <a:ext cx="0" cy="0"/>
+          <a:chOff x="0" y="0"/>
+          <a:chExt cx="0" cy="0"/>
+        </a:xfrm>
+      </p:grpSpPr>
+      <p:sp>
+        <p:nvSpPr>
+          <p:cNvPr id="2" name="제목 1">
+            <a:extLst>
+              <a:ext uri="{FF2B5EF4-FFF2-40B4-BE49-F238E27FC236}">
+                <a16:creationId xmlns:a16="http://schemas.microsoft.com/office/drawing/2014/main" id="{3A8A2FA9-2811-1E79-D12E-844F78A726BF}"/>
+              </a:ext>
+            </a:extLst>
+          </p:cNvPr>
+          <p:cNvSpPr>
+            <a:spLocks noGrp="1"/>
+          </p:cNvSpPr>
+          <p:nvPr>
+            <p:ph type="title"/>
+          </p:nvPr>
+        </p:nvSpPr>
+        <p:spPr/>
+        <p:txBody>
+          <a:bodyPr/>
+          <a:lstStyle/>
+          <a:p>
+            <a:r>
+              <a:rPr lang="en-US" altLang="ko-KR" dirty="0"/>
+              <a:t>3.1.3 </a:t>
+            </a:r>
+            <a:r>
+              <a:rPr lang="en-US" altLang="ko-KR" dirty="0" err="1"/>
+              <a:t>ReLU</a:t>
+            </a:r>
+            <a:r>
+              <a:rPr lang="en-US" altLang="ko-KR" dirty="0"/>
+              <a:t>, </a:t>
+            </a:r>
+            <a:r>
+              <a:rPr lang="en-US" altLang="ko-KR" dirty="0" err="1"/>
+              <a:t>LeakyReLU</a:t>
+            </a:r>
+            <a:r>
+              <a:rPr lang="en-US" altLang="ko-KR" dirty="0"/>
+              <a:t> </a:t>
+            </a:r>
+            <a:r>
+              <a:rPr lang="ko-KR" altLang="en-US" dirty="0"/>
+              <a:t>함수 분석</a:t>
+            </a:r>
+          </a:p>
+        </p:txBody>
+      </p:sp>
+      <p:sp>
+        <p:nvSpPr>
+          <p:cNvPr id="5" name="내용 개체 틀 4">
+            <a:extLst>
+              <a:ext uri="{FF2B5EF4-FFF2-40B4-BE49-F238E27FC236}">
+                <a16:creationId xmlns:a16="http://schemas.microsoft.com/office/drawing/2014/main" id="{267F7AB0-B725-911C-1A0E-922476292CAD}"/>
+              </a:ext>
+            </a:extLst>
+          </p:cNvPr>
+          <p:cNvSpPr>
+            <a:spLocks noGrp="1"/>
+          </p:cNvSpPr>
+          <p:nvPr>
+            <p:ph idx="1"/>
+          </p:nvPr>
+        </p:nvSpPr>
+        <p:spPr/>
+        <p:txBody>
+          <a:bodyPr>
+            <a:normAutofit/>
+          </a:bodyPr>
+          <a:lstStyle/>
+          <a:p>
+            <a:r>
+              <a:rPr lang="ko-KR" altLang="en-US" sz="2000" dirty="0"/>
+              <a:t>가설</a:t>
+            </a:r>
+            <a:r>
+              <a:rPr lang="en-US" altLang="ko-KR" sz="2000" dirty="0"/>
+              <a:t> : </a:t>
+            </a:r>
+            <a:r>
+              <a:rPr lang="en-US" altLang="ko-KR" sz="2000" dirty="0" err="1"/>
+              <a:t>ReLU</a:t>
+            </a:r>
+            <a:r>
+              <a:rPr lang="ko-KR" altLang="en-US" sz="2000" dirty="0"/>
+              <a:t>의 </a:t>
+            </a:r>
+            <a:r>
+              <a:rPr lang="en-US" altLang="ko-KR" sz="2000" dirty="0"/>
+              <a:t>H/W </a:t>
+            </a:r>
+            <a:r>
+              <a:rPr lang="ko-KR" altLang="en-US" sz="2000" dirty="0"/>
+              <a:t>친화적인 연산과 더불어 음수 영역에서의  정보 보존</a:t>
+            </a:r>
+            <a:endParaRPr lang="en-US" altLang="ko-KR" sz="2000" dirty="0"/>
+          </a:p>
+          <a:p>
+            <a:r>
+              <a:rPr lang="ko-KR" altLang="en-US" sz="2000" dirty="0"/>
+              <a:t>결과 </a:t>
+            </a:r>
+            <a:r>
+              <a:rPr lang="en-US" altLang="ko-KR" sz="2000" dirty="0"/>
+              <a:t>: </a:t>
+            </a:r>
+            <a:r>
+              <a:rPr lang="en-US" altLang="ko-KR" sz="2000" dirty="0" err="1"/>
+              <a:t>aiWare</a:t>
+            </a:r>
+            <a:r>
+              <a:rPr lang="en-US" altLang="ko-KR" sz="2000" dirty="0"/>
+              <a:t> Studio Net Quality</a:t>
+            </a:r>
+            <a:r>
+              <a:rPr lang="ko-KR" altLang="en-US" sz="2000" dirty="0"/>
+              <a:t>에서의 모든 옵션에서의 양자화 에러 폭 감소 </a:t>
+            </a:r>
+            <a:r>
+              <a:rPr lang="en-US" altLang="ko-KR" sz="2000" dirty="0"/>
+              <a:t>(Testing </a:t>
+            </a:r>
+            <a:r>
+              <a:rPr lang="ko-KR" altLang="en-US" sz="2000" dirty="0"/>
+              <a:t>필요</a:t>
+            </a:r>
+            <a:r>
+              <a:rPr lang="en-US" altLang="ko-KR" sz="2000"/>
+              <a:t>)</a:t>
+            </a:r>
+            <a:endParaRPr lang="en-US" altLang="ko-KR" sz="2000" dirty="0"/>
+          </a:p>
+          <a:p>
+            <a:r>
+              <a:rPr lang="ko-KR" altLang="en-US" sz="2000" dirty="0"/>
+              <a:t>인사이트 </a:t>
+            </a:r>
+            <a:r>
+              <a:rPr lang="en-US" altLang="ko-KR" sz="2000" dirty="0"/>
+              <a:t>: </a:t>
+            </a:r>
+            <a:r>
+              <a:rPr lang="ko-KR" altLang="en-US" sz="2000" dirty="0"/>
+              <a:t>음수 영역에서 </a:t>
+            </a:r>
+            <a:r>
+              <a:rPr lang="en-US" altLang="ko-KR" sz="2000" dirty="0"/>
+              <a:t>0</a:t>
+            </a:r>
+            <a:r>
+              <a:rPr lang="ko-KR" altLang="en-US" sz="2000" dirty="0"/>
+              <a:t>으로 </a:t>
+            </a:r>
+            <a:r>
+              <a:rPr lang="en-US" altLang="ko-KR" sz="2000" dirty="0"/>
+              <a:t>Clipping </a:t>
+            </a:r>
+            <a:r>
+              <a:rPr lang="ko-KR" altLang="en-US" sz="2000" dirty="0"/>
+              <a:t>되는 </a:t>
+            </a:r>
+            <a:r>
+              <a:rPr lang="en-US" altLang="ko-KR" sz="2000" dirty="0" err="1"/>
+              <a:t>ReLU</a:t>
+            </a:r>
+            <a:r>
+              <a:rPr lang="ko-KR" altLang="en-US" sz="2000" dirty="0"/>
+              <a:t>와 달리 정보를 보존했기 때문에 </a:t>
+            </a:r>
+            <a:r>
+              <a:rPr lang="en-US" altLang="ko-KR" sz="2000" dirty="0"/>
+              <a:t>Net Quality</a:t>
+            </a:r>
+            <a:r>
+              <a:rPr lang="ko-KR" altLang="en-US" sz="2000" dirty="0"/>
+              <a:t>에서의 양자화 에러폭이 감소</a:t>
+            </a:r>
+          </a:p>
+        </p:txBody>
+      </p:sp>
+      <p:pic>
+        <p:nvPicPr>
+          <p:cNvPr id="8" name="그림 7" descr="라인, 도표, 그래프이(가) 표시된 사진&#10;&#10;자동 생성된 설명">
+            <a:extLst>
+              <a:ext uri="{FF2B5EF4-FFF2-40B4-BE49-F238E27FC236}">
+                <a16:creationId xmlns:a16="http://schemas.microsoft.com/office/drawing/2014/main" id="{2DAC4CC4-1FF3-B87B-6D34-B0281F252036}"/>
+              </a:ext>
+            </a:extLst>
+          </p:cNvPr>
+          <p:cNvPicPr>
+            <a:picLocks noChangeAspect="1"/>
+          </p:cNvPicPr>
+          <p:nvPr/>
+        </p:nvPicPr>
+        <p:blipFill>
+          <a:blip r:embed="rId2">
+            <a:extLst>
+              <a:ext uri="{28A0092B-C50C-407E-A947-70E740481C1C}">
+                <a14:useLocalDpi xmlns:a14="http://schemas.microsoft.com/office/drawing/2010/main" val="0"/>
+              </a:ext>
+            </a:extLst>
+          </a:blip>
+          <a:srcRect t="5666" r="7744"/>
+          <a:stretch/>
+        </p:blipFill>
+        <p:spPr bwMode="auto">
+          <a:xfrm>
+            <a:off x="2219775" y="3916163"/>
+            <a:ext cx="3541928" cy="2716559"/>
+          </a:xfrm>
+          <a:prstGeom prst="rect">
+            <a:avLst/>
+          </a:prstGeom>
+          <a:noFill/>
+          <a:ln>
+            <a:noFill/>
+          </a:ln>
+        </p:spPr>
+      </p:pic>
+      <p:pic>
+        <p:nvPicPr>
+          <p:cNvPr id="2050" name="Picture 2">
+            <a:extLst>
+              <a:ext uri="{FF2B5EF4-FFF2-40B4-BE49-F238E27FC236}">
+                <a16:creationId xmlns:a16="http://schemas.microsoft.com/office/drawing/2014/main" id="{43581749-B82E-3711-3FF5-84FF073D486F}"/>
+              </a:ext>
+            </a:extLst>
+          </p:cNvPr>
+          <p:cNvPicPr>
+            <a:picLocks noChangeAspect="1" noChangeArrowheads="1"/>
+          </p:cNvPicPr>
+          <p:nvPr/>
+        </p:nvPicPr>
+        <p:blipFill>
+          <a:blip r:embed="rId3">
+            <a:extLst>
+              <a:ext uri="{28A0092B-C50C-407E-A947-70E740481C1C}">
+                <a14:useLocalDpi xmlns:a14="http://schemas.microsoft.com/office/drawing/2010/main" val="0"/>
+              </a:ext>
+            </a:extLst>
+          </a:blip>
+          <a:srcRect/>
+          <a:stretch>
+            <a:fillRect/>
+          </a:stretch>
+        </p:blipFill>
+        <p:spPr bwMode="auto">
+          <a:xfrm>
+            <a:off x="6132225" y="3752722"/>
+            <a:ext cx="3840000" cy="2880000"/>
+          </a:xfrm>
+          <a:prstGeom prst="rect">
+            <a:avLst/>
+          </a:prstGeom>
+          <a:noFill/>
+          <a:extLst>
+            <a:ext uri="{909E8E84-426E-40DD-AFC4-6F175D3DCCD1}">
+              <a14:hiddenFill xmlns:a14="http://schemas.microsoft.com/office/drawing/2010/main">
+                <a:solidFill>
+                  <a:srgbClr val="FFFFFF"/>
+                </a:solidFill>
+              </a14:hiddenFill>
+            </a:ext>
+          </a:extLst>
+        </p:spPr>
+      </p:pic>
+    </p:spTree>
+    <p:extLst>
+      <p:ext uri="{BB962C8B-B14F-4D97-AF65-F5344CB8AC3E}">
+        <p14:creationId xmlns:p14="http://schemas.microsoft.com/office/powerpoint/2010/main" val="1247880041"/>
+      </p:ext>
+    </p:extLst>
+  </p:cSld>
+  <p:clrMapOvr>
+    <a:masterClrMapping/>
+  </p:clrMapOvr>
+</p:sld>
+</file>
+
+<file path=ppt/slides/slide14.xml><?xml version="1.0" encoding="utf-8"?>
+<p:sld xmlns:a="http://schemas.openxmlformats.org/drawingml/2006/main" xmlns:r="http://schemas.openxmlformats.org/officeDocument/2006/relationships" xmlns:p="http://schemas.openxmlformats.org/presentationml/2006/main">
+  <p:cSld>
+    <p:spTree>
+      <p:nvGrpSpPr>
+        <p:cNvPr id="1" name="">
+          <a:extLst>
+            <a:ext uri="{FF2B5EF4-FFF2-40B4-BE49-F238E27FC236}">
+              <a16:creationId xmlns:a16="http://schemas.microsoft.com/office/drawing/2014/main" id="{651529C3-940E-DE22-A54A-DAFB8951C9C2}"/>
+            </a:ext>
+          </a:extLst>
+        </p:cNvPr>
+        <p:cNvGrpSpPr/>
+        <p:nvPr/>
+      </p:nvGrpSpPr>
+      <p:grpSpPr>
+        <a:xfrm>
+          <a:off x="0" y="0"/>
+          <a:ext cx="0" cy="0"/>
+          <a:chOff x="0" y="0"/>
+          <a:chExt cx="0" cy="0"/>
+        </a:xfrm>
+      </p:grpSpPr>
+      <p:sp>
+        <p:nvSpPr>
+          <p:cNvPr id="2" name="제목 1">
+            <a:extLst>
+              <a:ext uri="{FF2B5EF4-FFF2-40B4-BE49-F238E27FC236}">
+                <a16:creationId xmlns:a16="http://schemas.microsoft.com/office/drawing/2014/main" id="{A7862CB7-60E6-94AD-6B64-1A8E1430379E}"/>
+              </a:ext>
+            </a:extLst>
+          </p:cNvPr>
+          <p:cNvSpPr>
+            <a:spLocks noGrp="1"/>
+          </p:cNvSpPr>
+          <p:nvPr>
+            <p:ph type="title"/>
+          </p:nvPr>
+        </p:nvSpPr>
+        <p:spPr/>
+        <p:txBody>
+          <a:bodyPr/>
+          <a:lstStyle/>
+          <a:p>
+            <a:r>
+              <a:rPr lang="en-US" altLang="ko-KR" dirty="0"/>
+              <a:t>3.2 </a:t>
+            </a:r>
+            <a:r>
+              <a:rPr lang="ko-KR" altLang="en-US" dirty="0"/>
+              <a:t>레이어별 </a:t>
+            </a:r>
+            <a:r>
+              <a:rPr lang="en-US" altLang="ko-KR" dirty="0"/>
+              <a:t>Range Rescale</a:t>
+            </a:r>
+            <a:endParaRPr lang="ko-KR" altLang="en-US" dirty="0"/>
+          </a:p>
+        </p:txBody>
+      </p:sp>
+      <p:sp>
+        <p:nvSpPr>
+          <p:cNvPr id="10" name="Rectangle 5">
+            <a:extLst>
+              <a:ext uri="{FF2B5EF4-FFF2-40B4-BE49-F238E27FC236}">
+                <a16:creationId xmlns:a16="http://schemas.microsoft.com/office/drawing/2014/main" id="{CCAFBBE1-52E4-50FE-7854-D7597836BF67}"/>
+              </a:ext>
+            </a:extLst>
+          </p:cNvPr>
+          <p:cNvSpPr>
+            <a:spLocks noGrp="1" noChangeArrowheads="1"/>
+          </p:cNvSpPr>
+          <p:nvPr>
+            <p:ph idx="1"/>
+          </p:nvPr>
+        </p:nvSpPr>
+        <p:spPr bwMode="auto">
+          <a:xfrm>
+            <a:off x="1620520" y="2714397"/>
+            <a:ext cx="3320845" cy="3093154"/>
+          </a:xfrm>
+          <a:prstGeom prst="rect">
+            <a:avLst/>
+          </a:prstGeom>
+          <a:noFill/>
+          <a:ln>
+            <a:noFill/>
+          </a:ln>
+          <a:effectLst/>
+          <a:extLst>
+            <a:ext uri="{909E8E84-426E-40DD-AFC4-6F175D3DCCD1}">
+              <a14:hiddenFill xmlns:a14="http://schemas.microsoft.com/office/drawing/2010/main">
+                <a:solidFill>
+                  <a:schemeClr val="accent1"/>
+                </a:solidFill>
+              </a14:hiddenFill>
+            </a:ext>
+            <a:ext uri="{91240B29-F687-4F45-9708-019B960494DF}">
+              <a14:hiddenLine xmlns:a14="http://schemas.microsoft.com/office/drawing/2010/main" w="9525">
+                <a:solidFill>
+                  <a:schemeClr val="tx1"/>
+                </a:solidFill>
+                <a:miter lim="800000"/>
+                <a:headEnd/>
+                <a:tailEnd/>
+              </a14:hiddenLine>
+            </a:ext>
+            <a:ext uri="{AF507438-7753-43E0-B8FC-AC1667EBCBE1}">
+              <a14:hiddenEffects xmlns:a14="http://schemas.microsoft.com/office/drawing/2010/main">
+                <a:effectLst>
+                  <a:outerShdw dist="35921" dir="2700000" algn="ctr" rotWithShape="0">
+                    <a:schemeClr val="bg2"/>
+                  </a:outerShdw>
+                </a:effectLst>
+              </a14:hiddenEffects>
+            </a:ext>
+          </a:extLst>
+        </p:spPr>
+        <p:txBody>
+          <a:bodyPr vert="horz" wrap="square" lIns="91440" tIns="45720" rIns="91440" bIns="45720" numCol="1" anchor="ctr" anchorCtr="0" compatLnSpc="1">
+            <a:prstTxWarp prst="textNoShape">
+              <a:avLst/>
+            </a:prstTxWarp>
+            <a:spAutoFit/>
+          </a:bodyPr>
+          <a:lstStyle/>
+          <a:p>
+            <a:pPr marL="0" marR="0" lvl="0" indent="0" algn="l" defTabSz="914400" rtl="0" eaLnBrk="0" fontAlgn="base" latinLnBrk="0" hangingPunct="0">
+              <a:lnSpc>
+                <a:spcPct val="100000"/>
+              </a:lnSpc>
+              <a:spcBef>
+                <a:spcPct val="0"/>
+              </a:spcBef>
+              <a:spcAft>
+                <a:spcPct val="0"/>
+              </a:spcAft>
+              <a:buClrTx/>
+              <a:buSzTx/>
+              <a:buNone/>
+              <a:tabLst/>
+            </a:pPr>
+            <a:r>
+              <a:rPr lang="ko-KR" altLang="en-US" sz="1500" dirty="0">
+                <a:latin typeface="Arial Unicode MS"/>
+              </a:rPr>
+              <a:t>예시</a:t>
+            </a:r>
+            <a:r>
+              <a:rPr lang="en-US" altLang="ko-KR" sz="1500" dirty="0">
+                <a:latin typeface="Arial Unicode MS"/>
+              </a:rPr>
+              <a:t>)</a:t>
+            </a:r>
+          </a:p>
+          <a:p>
+            <a:pPr marL="0" marR="0" lvl="0" indent="0" algn="l" defTabSz="914400" rtl="0" eaLnBrk="0" fontAlgn="base" latinLnBrk="0" hangingPunct="0">
+              <a:lnSpc>
+                <a:spcPct val="100000"/>
+              </a:lnSpc>
+              <a:spcBef>
+                <a:spcPct val="0"/>
+              </a:spcBef>
+              <a:spcAft>
+                <a:spcPct val="0"/>
+              </a:spcAft>
+              <a:buClrTx/>
+              <a:buSzTx/>
+              <a:buNone/>
+              <a:tabLst/>
+            </a:pPr>
+            <a:endParaRPr kumimoji="0" lang="en-US" altLang="ko-KR" sz="1500" b="0" i="0" u="none" strike="noStrike" cap="none" normalizeH="0" baseline="0" dirty="0">
+              <a:ln>
+                <a:noFill/>
+              </a:ln>
+              <a:solidFill>
+                <a:schemeClr val="tx1"/>
+              </a:solidFill>
+              <a:effectLst/>
+              <a:latin typeface="Arial Unicode MS"/>
+            </a:endParaRPr>
+          </a:p>
+          <a:p>
+            <a:pPr marL="457200" lvl="1" indent="0" eaLnBrk="0" fontAlgn="base" latinLnBrk="0" hangingPunct="0">
+              <a:lnSpc>
+                <a:spcPct val="100000"/>
+              </a:lnSpc>
+              <a:spcBef>
+                <a:spcPct val="0"/>
+              </a:spcBef>
+              <a:spcAft>
+                <a:spcPct val="0"/>
+              </a:spcAft>
+              <a:buNone/>
+            </a:pPr>
+            <a:r>
+              <a:rPr kumimoji="0" lang="ko-KR" altLang="ko-KR" sz="1500" b="0" i="0" u="none" strike="noStrike" cap="none" normalizeH="0" baseline="0" dirty="0">
+                <a:ln>
+                  <a:noFill/>
+                </a:ln>
+                <a:solidFill>
+                  <a:schemeClr val="tx1"/>
+                </a:solidFill>
+                <a:effectLst/>
+                <a:latin typeface="Arial Unicode MS"/>
+              </a:rPr>
+              <a:t>conv1</a:t>
+            </a:r>
+            <a:r>
+              <a:rPr kumimoji="0" lang="ko-KR" altLang="ko-KR" sz="1500" b="0" i="0" u="none" strike="noStrike" cap="none" normalizeH="0" baseline="0" dirty="0">
+                <a:ln>
+                  <a:noFill/>
+                </a:ln>
+                <a:solidFill>
+                  <a:schemeClr val="tx1"/>
+                </a:solidFill>
+                <a:effectLst/>
+              </a:rPr>
+              <a:t>: </a:t>
+            </a:r>
+            <a:r>
+              <a:rPr kumimoji="0" lang="ko-KR" altLang="ko-KR" sz="1500" b="0" i="0" u="none" strike="noStrike" cap="none" normalizeH="0" baseline="0" dirty="0">
+                <a:ln>
+                  <a:noFill/>
+                </a:ln>
+                <a:solidFill>
+                  <a:schemeClr val="tx1"/>
+                </a:solidFill>
+                <a:effectLst/>
+                <a:latin typeface="Arial" panose="020B0604020202020204" pitchFamily="34" charset="0"/>
+              </a:rPr>
+              <a:t>[−78.80,70.43]</a:t>
+            </a:r>
+            <a:endParaRPr kumimoji="0" lang="en-US" altLang="ko-KR" sz="1500" b="0" i="0" u="none" strike="noStrike" cap="none" normalizeH="0" baseline="0" dirty="0">
+              <a:ln>
+                <a:noFill/>
+              </a:ln>
+              <a:solidFill>
+                <a:schemeClr val="tx1"/>
+              </a:solidFill>
+              <a:effectLst/>
+              <a:latin typeface="Arial" panose="020B0604020202020204" pitchFamily="34" charset="0"/>
+            </a:endParaRPr>
+          </a:p>
+          <a:p>
+            <a:pPr marL="457200" lvl="1" indent="0" eaLnBrk="0" fontAlgn="base" latinLnBrk="0" hangingPunct="0">
+              <a:lnSpc>
+                <a:spcPct val="100000"/>
+              </a:lnSpc>
+              <a:spcBef>
+                <a:spcPct val="0"/>
+              </a:spcBef>
+              <a:spcAft>
+                <a:spcPct val="0"/>
+              </a:spcAft>
+              <a:buNone/>
+            </a:pPr>
+            <a:endParaRPr kumimoji="0" lang="ko-KR" altLang="ko-KR" sz="1500" b="0" i="0" u="none" strike="noStrike" cap="none" normalizeH="0" baseline="0" dirty="0">
+              <a:ln>
+                <a:noFill/>
+              </a:ln>
+              <a:solidFill>
+                <a:schemeClr val="tx1"/>
+              </a:solidFill>
+              <a:effectLst/>
+              <a:latin typeface="Arial" panose="020B0604020202020204" pitchFamily="34" charset="0"/>
+            </a:endParaRPr>
+          </a:p>
+          <a:p>
+            <a:pPr marL="457200" lvl="1" indent="0" eaLnBrk="0" fontAlgn="base" latinLnBrk="0" hangingPunct="0">
+              <a:lnSpc>
+                <a:spcPct val="100000"/>
+              </a:lnSpc>
+              <a:spcBef>
+                <a:spcPct val="0"/>
+              </a:spcBef>
+              <a:spcAft>
+                <a:spcPct val="0"/>
+              </a:spcAft>
+              <a:buNone/>
+            </a:pPr>
+            <a:r>
+              <a:rPr kumimoji="0" lang="ko-KR" altLang="ko-KR" sz="1500" b="0" i="0" u="none" strike="noStrike" cap="none" normalizeH="0" baseline="0" dirty="0">
+                <a:ln>
+                  <a:noFill/>
+                </a:ln>
+                <a:solidFill>
+                  <a:schemeClr val="tx1"/>
+                </a:solidFill>
+                <a:effectLst/>
+                <a:latin typeface="Arial Unicode MS"/>
+              </a:rPr>
+              <a:t>mul1</a:t>
+            </a:r>
+            <a:r>
+              <a:rPr kumimoji="0" lang="ko-KR" altLang="ko-KR" sz="1500" b="0" i="0" u="none" strike="noStrike" cap="none" normalizeH="0" baseline="0" dirty="0">
+                <a:ln>
+                  <a:noFill/>
+                </a:ln>
+                <a:solidFill>
+                  <a:schemeClr val="tx1"/>
+                </a:solidFill>
+                <a:effectLst/>
+              </a:rPr>
+              <a:t>: </a:t>
+            </a:r>
+            <a:r>
+              <a:rPr kumimoji="0" lang="ko-KR" altLang="ko-KR" sz="1500" b="0" i="0" u="none" strike="noStrike" cap="none" normalizeH="0" baseline="0" dirty="0">
+                <a:ln>
+                  <a:noFill/>
+                </a:ln>
+                <a:solidFill>
+                  <a:schemeClr val="tx1"/>
+                </a:solidFill>
+                <a:effectLst/>
+                <a:latin typeface="Arial" panose="020B0604020202020204" pitchFamily="34" charset="0"/>
+              </a:rPr>
+              <a:t>[−0.278,70.43]</a:t>
+            </a:r>
+            <a:endParaRPr kumimoji="0" lang="en-US" altLang="ko-KR" sz="1500" b="0" i="0" u="none" strike="noStrike" cap="none" normalizeH="0" baseline="0" dirty="0">
+              <a:ln>
+                <a:noFill/>
+              </a:ln>
+              <a:solidFill>
+                <a:schemeClr val="tx1"/>
+              </a:solidFill>
+              <a:effectLst/>
+              <a:latin typeface="Arial" panose="020B0604020202020204" pitchFamily="34" charset="0"/>
+            </a:endParaRPr>
+          </a:p>
+          <a:p>
+            <a:pPr marL="457200" lvl="1" indent="0" eaLnBrk="0" fontAlgn="base" latinLnBrk="0" hangingPunct="0">
+              <a:lnSpc>
+                <a:spcPct val="100000"/>
+              </a:lnSpc>
+              <a:spcBef>
+                <a:spcPct val="0"/>
+              </a:spcBef>
+              <a:spcAft>
+                <a:spcPct val="0"/>
+              </a:spcAft>
+              <a:buNone/>
+            </a:pPr>
+            <a:endParaRPr kumimoji="0" lang="ko-KR" altLang="ko-KR" sz="1500" b="0" i="0" u="none" strike="noStrike" cap="none" normalizeH="0" baseline="0" dirty="0">
+              <a:ln>
+                <a:noFill/>
+              </a:ln>
+              <a:solidFill>
+                <a:schemeClr val="tx1"/>
+              </a:solidFill>
+              <a:effectLst/>
+              <a:latin typeface="Arial" panose="020B0604020202020204" pitchFamily="34" charset="0"/>
+            </a:endParaRPr>
+          </a:p>
+          <a:p>
+            <a:pPr marL="457200" lvl="1" indent="0" eaLnBrk="0" fontAlgn="base" latinLnBrk="0" hangingPunct="0">
+              <a:lnSpc>
+                <a:spcPct val="100000"/>
+              </a:lnSpc>
+              <a:spcBef>
+                <a:spcPct val="0"/>
+              </a:spcBef>
+              <a:spcAft>
+                <a:spcPct val="0"/>
+              </a:spcAft>
+              <a:buNone/>
+            </a:pPr>
+            <a:r>
+              <a:rPr kumimoji="0" lang="ko-KR" altLang="ko-KR" sz="1500" b="0" i="0" u="none" strike="noStrike" cap="none" normalizeH="0" baseline="0" dirty="0">
+                <a:ln>
+                  <a:noFill/>
+                </a:ln>
+                <a:solidFill>
+                  <a:schemeClr val="tx1"/>
+                </a:solidFill>
+                <a:effectLst/>
+                <a:latin typeface="Arial Unicode MS"/>
+              </a:rPr>
+              <a:t>conv2</a:t>
+            </a:r>
+            <a:r>
+              <a:rPr kumimoji="0" lang="ko-KR" altLang="ko-KR" sz="1500" b="0" i="0" u="none" strike="noStrike" cap="none" normalizeH="0" baseline="0" dirty="0">
+                <a:ln>
+                  <a:noFill/>
+                </a:ln>
+                <a:solidFill>
+                  <a:schemeClr val="tx1"/>
+                </a:solidFill>
+                <a:effectLst/>
+              </a:rPr>
+              <a:t>: </a:t>
+            </a:r>
+            <a:r>
+              <a:rPr kumimoji="0" lang="ko-KR" altLang="ko-KR" sz="1500" b="0" i="0" u="none" strike="noStrike" cap="none" normalizeH="0" baseline="0" dirty="0">
+                <a:ln>
+                  <a:noFill/>
+                </a:ln>
+                <a:solidFill>
+                  <a:schemeClr val="tx1"/>
+                </a:solidFill>
+                <a:effectLst/>
+                <a:latin typeface="Arial" panose="020B0604020202020204" pitchFamily="34" charset="0"/>
+              </a:rPr>
+              <a:t>[−59.08,52.89]</a:t>
+            </a:r>
+          </a:p>
+          <a:p>
+            <a:pPr marL="457200" lvl="1" indent="0" eaLnBrk="0" fontAlgn="base" latinLnBrk="0" hangingPunct="0">
+              <a:lnSpc>
+                <a:spcPct val="100000"/>
+              </a:lnSpc>
+              <a:spcBef>
+                <a:spcPct val="0"/>
+              </a:spcBef>
+              <a:spcAft>
+                <a:spcPct val="0"/>
+              </a:spcAft>
+              <a:buNone/>
+            </a:pPr>
+            <a:endParaRPr kumimoji="0" lang="en-US" altLang="ko-KR" sz="1500" b="0" i="0" u="none" strike="noStrike" cap="none" normalizeH="0" baseline="0" dirty="0">
+              <a:ln>
+                <a:noFill/>
+              </a:ln>
+              <a:solidFill>
+                <a:schemeClr val="tx1"/>
+              </a:solidFill>
+              <a:effectLst/>
+              <a:latin typeface="Arial Unicode MS"/>
+            </a:endParaRPr>
+          </a:p>
+          <a:p>
+            <a:pPr marL="457200" lvl="1" indent="0" eaLnBrk="0" fontAlgn="base" latinLnBrk="0" hangingPunct="0">
+              <a:lnSpc>
+                <a:spcPct val="100000"/>
+              </a:lnSpc>
+              <a:spcBef>
+                <a:spcPct val="0"/>
+              </a:spcBef>
+              <a:spcAft>
+                <a:spcPct val="0"/>
+              </a:spcAft>
+              <a:buNone/>
+            </a:pPr>
+            <a:r>
+              <a:rPr kumimoji="0" lang="ko-KR" altLang="ko-KR" sz="1500" b="0" i="0" u="none" strike="noStrike" cap="none" normalizeH="0" baseline="0" dirty="0">
+                <a:ln>
+                  <a:noFill/>
+                </a:ln>
+                <a:solidFill>
+                  <a:schemeClr val="tx1"/>
+                </a:solidFill>
+                <a:effectLst/>
+                <a:latin typeface="Arial Unicode MS"/>
+              </a:rPr>
+              <a:t>mul2</a:t>
+            </a:r>
+            <a:r>
+              <a:rPr kumimoji="0" lang="ko-KR" altLang="ko-KR" sz="1500" b="0" i="0" u="none" strike="noStrike" cap="none" normalizeH="0" baseline="0" dirty="0">
+                <a:ln>
+                  <a:noFill/>
+                </a:ln>
+                <a:solidFill>
+                  <a:schemeClr val="tx1"/>
+                </a:solidFill>
+                <a:effectLst/>
+              </a:rPr>
+              <a:t>: </a:t>
+            </a:r>
+            <a:r>
+              <a:rPr kumimoji="0" lang="ko-KR" altLang="ko-KR" sz="1500" b="0" i="0" u="none" strike="noStrike" cap="none" normalizeH="0" baseline="0" dirty="0">
+                <a:ln>
+                  <a:noFill/>
+                </a:ln>
+                <a:solidFill>
+                  <a:schemeClr val="tx1"/>
+                </a:solidFill>
+                <a:effectLst/>
+                <a:latin typeface="Arial" panose="020B0604020202020204" pitchFamily="34" charset="0"/>
+              </a:rPr>
+              <a:t>[−0.278,52.89]</a:t>
+            </a:r>
+          </a:p>
+          <a:p>
+            <a:pPr marL="457200" lvl="1" indent="0" eaLnBrk="0" fontAlgn="base" latinLnBrk="0" hangingPunct="0">
+              <a:lnSpc>
+                <a:spcPct val="100000"/>
+              </a:lnSpc>
+              <a:spcBef>
+                <a:spcPct val="0"/>
+              </a:spcBef>
+              <a:spcAft>
+                <a:spcPct val="0"/>
+              </a:spcAft>
+              <a:buNone/>
+            </a:pPr>
+            <a:endParaRPr kumimoji="0" lang="en-US" altLang="ko-KR" sz="1500" b="0" i="0" u="none" strike="noStrike" cap="none" normalizeH="0" baseline="0" dirty="0">
+              <a:ln>
+                <a:noFill/>
+              </a:ln>
+              <a:solidFill>
+                <a:schemeClr val="tx1"/>
+              </a:solidFill>
+              <a:effectLst/>
+              <a:latin typeface="Arial Unicode MS"/>
+            </a:endParaRPr>
+          </a:p>
+          <a:p>
+            <a:pPr marL="457200" lvl="1" indent="0" eaLnBrk="0" fontAlgn="base" latinLnBrk="0" hangingPunct="0">
+              <a:lnSpc>
+                <a:spcPct val="100000"/>
+              </a:lnSpc>
+              <a:spcBef>
+                <a:spcPct val="0"/>
+              </a:spcBef>
+              <a:spcAft>
+                <a:spcPct val="0"/>
+              </a:spcAft>
+              <a:buNone/>
+            </a:pPr>
+            <a:r>
+              <a:rPr kumimoji="0" lang="ko-KR" altLang="ko-KR" sz="1500" b="0" i="0" u="none" strike="noStrike" cap="none" normalizeH="0" baseline="0" dirty="0">
+                <a:ln>
+                  <a:noFill/>
+                </a:ln>
+                <a:solidFill>
+                  <a:schemeClr val="tx1"/>
+                </a:solidFill>
+                <a:effectLst/>
+                <a:latin typeface="Arial Unicode MS"/>
+              </a:rPr>
+              <a:t>conv3</a:t>
+            </a:r>
+            <a:r>
+              <a:rPr kumimoji="0" lang="ko-KR" altLang="ko-KR" sz="1500" b="0" i="0" u="none" strike="noStrike" cap="none" normalizeH="0" baseline="0" dirty="0">
+                <a:ln>
+                  <a:noFill/>
+                </a:ln>
+                <a:solidFill>
+                  <a:schemeClr val="tx1"/>
+                </a:solidFill>
+                <a:effectLst/>
+              </a:rPr>
+              <a:t>: </a:t>
+            </a:r>
+            <a:r>
+              <a:rPr kumimoji="0" lang="ko-KR" altLang="ko-KR" sz="1500" b="0" i="0" u="none" strike="noStrike" cap="none" normalizeH="0" baseline="0" dirty="0">
+                <a:ln>
+                  <a:noFill/>
+                </a:ln>
+                <a:solidFill>
+                  <a:schemeClr val="tx1"/>
+                </a:solidFill>
+                <a:effectLst/>
+                <a:latin typeface="Arial" panose="020B0604020202020204" pitchFamily="34" charset="0"/>
+              </a:rPr>
+              <a:t>[−36.87,21.35]</a:t>
+            </a:r>
+          </a:p>
+          <a:p>
+            <a:pPr marL="457200" lvl="1" indent="0" eaLnBrk="0" fontAlgn="base" latinLnBrk="0" hangingPunct="0">
+              <a:lnSpc>
+                <a:spcPct val="100000"/>
+              </a:lnSpc>
+              <a:spcBef>
+                <a:spcPct val="0"/>
+              </a:spcBef>
+              <a:spcAft>
+                <a:spcPct val="0"/>
+              </a:spcAft>
+              <a:buNone/>
+            </a:pPr>
+            <a:endParaRPr kumimoji="0" lang="en-US" altLang="ko-KR" sz="1500" b="0" i="0" u="none" strike="noStrike" cap="none" normalizeH="0" baseline="0" dirty="0">
+              <a:ln>
+                <a:noFill/>
+              </a:ln>
+              <a:solidFill>
+                <a:schemeClr val="tx1"/>
+              </a:solidFill>
+              <a:effectLst/>
+              <a:latin typeface="Arial Unicode MS"/>
+            </a:endParaRPr>
+          </a:p>
+          <a:p>
+            <a:pPr marL="457200" lvl="1" indent="0" eaLnBrk="0" fontAlgn="base" latinLnBrk="0" hangingPunct="0">
+              <a:lnSpc>
+                <a:spcPct val="100000"/>
+              </a:lnSpc>
+              <a:spcBef>
+                <a:spcPct val="0"/>
+              </a:spcBef>
+              <a:spcAft>
+                <a:spcPct val="0"/>
+              </a:spcAft>
+              <a:buNone/>
+            </a:pPr>
+            <a:r>
+              <a:rPr kumimoji="0" lang="ko-KR" altLang="ko-KR" sz="1500" b="0" i="0" u="none" strike="noStrike" cap="none" normalizeH="0" baseline="0" dirty="0">
+                <a:ln>
+                  <a:noFill/>
+                </a:ln>
+                <a:solidFill>
+                  <a:schemeClr val="tx1"/>
+                </a:solidFill>
+                <a:effectLst/>
+                <a:latin typeface="Arial Unicode MS"/>
+              </a:rPr>
+              <a:t>mul3</a:t>
+            </a:r>
+            <a:r>
+              <a:rPr kumimoji="0" lang="ko-KR" altLang="ko-KR" sz="1500" b="0" i="0" u="none" strike="noStrike" cap="none" normalizeH="0" baseline="0" dirty="0">
+                <a:ln>
+                  <a:noFill/>
+                </a:ln>
+                <a:solidFill>
+                  <a:schemeClr val="tx1"/>
+                </a:solidFill>
+                <a:effectLst/>
+              </a:rPr>
+              <a:t>: </a:t>
+            </a:r>
+            <a:r>
+              <a:rPr kumimoji="0" lang="ko-KR" altLang="ko-KR" sz="1500" b="0" i="0" u="none" strike="noStrike" cap="none" normalizeH="0" baseline="0" dirty="0">
+                <a:ln>
+                  <a:noFill/>
+                </a:ln>
+                <a:solidFill>
+                  <a:schemeClr val="tx1"/>
+                </a:solidFill>
+                <a:effectLst/>
+                <a:latin typeface="Arial" panose="020B0604020202020204" pitchFamily="34" charset="0"/>
+              </a:rPr>
+              <a:t>[−0.278,21.35]</a:t>
+            </a:r>
+          </a:p>
+        </p:txBody>
+      </p:sp>
+      <p:cxnSp>
+        <p:nvCxnSpPr>
+          <p:cNvPr id="12" name="직선 화살표 연결선 11">
+            <a:extLst>
+              <a:ext uri="{FF2B5EF4-FFF2-40B4-BE49-F238E27FC236}">
+                <a16:creationId xmlns:a16="http://schemas.microsoft.com/office/drawing/2014/main" id="{D8242A7F-5993-A75E-358F-7F2C2D0DE75A}"/>
+              </a:ext>
+            </a:extLst>
+          </p:cNvPr>
+          <p:cNvCxnSpPr>
+            <a:cxnSpLocks/>
+          </p:cNvCxnSpPr>
+          <p:nvPr/>
+        </p:nvCxnSpPr>
+        <p:spPr>
+          <a:xfrm>
+            <a:off x="4142310" y="3368450"/>
+            <a:ext cx="462116" cy="0"/>
+          </a:xfrm>
+          <a:prstGeom prst="straightConnector1">
+            <a:avLst/>
+          </a:prstGeom>
+          <a:ln>
+            <a:tailEnd type="triangle"/>
+          </a:ln>
+        </p:spPr>
+        <p:style>
+          <a:lnRef idx="1">
+            <a:schemeClr val="accent1"/>
+          </a:lnRef>
+          <a:fillRef idx="0">
+            <a:schemeClr val="accent1"/>
+          </a:fillRef>
+          <a:effectRef idx="0">
+            <a:schemeClr val="accent1"/>
+          </a:effectRef>
+          <a:fontRef idx="minor">
+            <a:schemeClr val="tx1"/>
+          </a:fontRef>
+        </p:style>
+      </p:cxnSp>
+      <p:sp>
+        <p:nvSpPr>
+          <p:cNvPr id="13" name="Rectangle 5">
+            <a:extLst>
+              <a:ext uri="{FF2B5EF4-FFF2-40B4-BE49-F238E27FC236}">
+                <a16:creationId xmlns:a16="http://schemas.microsoft.com/office/drawing/2014/main" id="{37896E78-3C01-ED6C-DFA7-7754170B981D}"/>
+              </a:ext>
+            </a:extLst>
+          </p:cNvPr>
+          <p:cNvSpPr txBox="1">
+            <a:spLocks noChangeArrowheads="1"/>
+          </p:cNvSpPr>
+          <p:nvPr/>
+        </p:nvSpPr>
+        <p:spPr bwMode="auto">
+          <a:xfrm>
+            <a:off x="4373368" y="3223254"/>
+            <a:ext cx="3436621" cy="2631490"/>
+          </a:xfrm>
+          <a:prstGeom prst="rect">
+            <a:avLst/>
+          </a:prstGeom>
+          <a:noFill/>
+          <a:ln>
+            <a:noFill/>
+          </a:ln>
+          <a:effectLst/>
+          <a:extLst>
+            <a:ext uri="{909E8E84-426E-40DD-AFC4-6F175D3DCCD1}">
+              <a14:hiddenFill xmlns:a14="http://schemas.microsoft.com/office/drawing/2010/main">
+                <a:solidFill>
+                  <a:schemeClr val="accent1"/>
+                </a:solidFill>
+              </a14:hiddenFill>
+            </a:ext>
+            <a:ext uri="{91240B29-F687-4F45-9708-019B960494DF}">
+              <a14:hiddenLine xmlns:a14="http://schemas.microsoft.com/office/drawing/2010/main" w="9525">
+                <a:solidFill>
+                  <a:schemeClr val="tx1"/>
+                </a:solidFill>
+                <a:miter lim="800000"/>
+                <a:headEnd/>
+                <a:tailEnd/>
+              </a14:hiddenLine>
+            </a:ext>
+            <a:ext uri="{AF507438-7753-43E0-B8FC-AC1667EBCBE1}">
+              <a14:hiddenEffects xmlns:a14="http://schemas.microsoft.com/office/drawing/2010/main">
+                <a:effectLst>
+                  <a:outerShdw dist="35921" dir="2700000" algn="ctr" rotWithShape="0">
+                    <a:schemeClr val="bg2"/>
+                  </a:outerShdw>
+                </a:effectLst>
+              </a14:hiddenEffects>
+            </a:ext>
+          </a:extLst>
+        </p:spPr>
+        <p:txBody>
+          <a:bodyPr vert="horz" wrap="square" lIns="91440" tIns="45720" rIns="91440" bIns="45720" numCol="1" rtlCol="0" anchor="ctr" anchorCtr="0" compatLnSpc="1">
+            <a:prstTxWarp prst="textNoShape">
+              <a:avLst/>
+            </a:prstTxWarp>
+            <a:spAutoFit/>
+          </a:bodyPr>
+          <a:lstStyle>
+            <a:lvl1pPr marL="228600" indent="-228600" algn="l" defTabSz="914400" rtl="0" eaLnBrk="1" latinLnBrk="1" hangingPunct="1">
+              <a:lnSpc>
+                <a:spcPct val="90000"/>
+              </a:lnSpc>
+              <a:spcBef>
+                <a:spcPts val="1000"/>
+              </a:spcBef>
+              <a:buFont typeface="Arial" panose="020B0604020202020204" pitchFamily="34" charset="0"/>
+              <a:buChar char="•"/>
+              <a:defRPr sz="2800" kern="1200">
+                <a:solidFill>
+                  <a:schemeClr val="tx1"/>
+                </a:solidFill>
+                <a:latin typeface="+mn-lt"/>
+                <a:ea typeface="+mn-ea"/>
+                <a:cs typeface="+mn-cs"/>
+              </a:defRPr>
+            </a:lvl1pPr>
+            <a:lvl2pPr marL="685800" indent="-228600" algn="l" defTabSz="914400" rtl="0" eaLnBrk="1" latinLnBrk="1" hangingPunct="1">
+              <a:lnSpc>
+                <a:spcPct val="90000"/>
+              </a:lnSpc>
+              <a:spcBef>
+                <a:spcPts val="500"/>
+              </a:spcBef>
+              <a:buFont typeface="Arial" panose="020B0604020202020204" pitchFamily="34" charset="0"/>
+              <a:buChar char="•"/>
+              <a:defRPr sz="2400" kern="1200">
+                <a:solidFill>
+                  <a:schemeClr val="tx1"/>
+                </a:solidFill>
+                <a:latin typeface="+mn-lt"/>
+                <a:ea typeface="+mn-ea"/>
+                <a:cs typeface="+mn-cs"/>
+              </a:defRPr>
+            </a:lvl2pPr>
+            <a:lvl3pPr marL="1143000" indent="-228600" algn="l" defTabSz="914400" rtl="0" eaLnBrk="1" latinLnBrk="1" hangingPunct="1">
+              <a:lnSpc>
+                <a:spcPct val="90000"/>
+              </a:lnSpc>
+              <a:spcBef>
+                <a:spcPts val="500"/>
+              </a:spcBef>
+              <a:buFont typeface="Arial" panose="020B0604020202020204" pitchFamily="34" charset="0"/>
+              <a:buChar char="•"/>
+              <a:defRPr sz="2000" kern="1200">
+                <a:solidFill>
+                  <a:schemeClr val="tx1"/>
+                </a:solidFill>
+                <a:latin typeface="+mn-lt"/>
+                <a:ea typeface="+mn-ea"/>
+                <a:cs typeface="+mn-cs"/>
+              </a:defRPr>
+            </a:lvl3pPr>
+            <a:lvl4pPr marL="1600200" indent="-228600" algn="l" defTabSz="914400" rtl="0" eaLnBrk="1" latinLnBrk="1" hangingPunct="1">
+              <a:lnSpc>
+                <a:spcPct val="90000"/>
+              </a:lnSpc>
+              <a:spcBef>
+                <a:spcPts val="500"/>
+              </a:spcBef>
+              <a:buFont typeface="Arial" panose="020B0604020202020204" pitchFamily="34" charset="0"/>
+              <a:buChar char="•"/>
+              <a:defRPr sz="1800" kern="1200">
+                <a:solidFill>
+                  <a:schemeClr val="tx1"/>
+                </a:solidFill>
+                <a:latin typeface="+mn-lt"/>
+                <a:ea typeface="+mn-ea"/>
+                <a:cs typeface="+mn-cs"/>
+              </a:defRPr>
+            </a:lvl4pPr>
+            <a:lvl5pPr marL="2057400" indent="-228600" algn="l" defTabSz="914400" rtl="0" eaLnBrk="1" latinLnBrk="1" hangingPunct="1">
+              <a:lnSpc>
+                <a:spcPct val="90000"/>
+              </a:lnSpc>
+              <a:spcBef>
+                <a:spcPts val="500"/>
+              </a:spcBef>
+              <a:buFont typeface="Arial" panose="020B0604020202020204" pitchFamily="34" charset="0"/>
+              <a:buChar char="•"/>
+              <a:defRPr sz="1800" kern="1200">
+                <a:solidFill>
+                  <a:schemeClr val="tx1"/>
+                </a:solidFill>
+                <a:latin typeface="+mn-lt"/>
+                <a:ea typeface="+mn-ea"/>
+                <a:cs typeface="+mn-cs"/>
+              </a:defRPr>
+            </a:lvl5pPr>
+            <a:lvl6pPr marL="2514600" indent="-228600" algn="l" defTabSz="914400" rtl="0" eaLnBrk="1" latinLnBrk="1" hangingPunct="1">
+              <a:lnSpc>
+                <a:spcPct val="90000"/>
+              </a:lnSpc>
+              <a:spcBef>
+                <a:spcPts val="500"/>
+              </a:spcBef>
+              <a:buFont typeface="Arial" panose="020B0604020202020204" pitchFamily="34" charset="0"/>
+              <a:buChar char="•"/>
+              <a:defRPr sz="1800" kern="1200">
+                <a:solidFill>
+                  <a:schemeClr val="tx1"/>
+                </a:solidFill>
+                <a:latin typeface="+mn-lt"/>
+                <a:ea typeface="+mn-ea"/>
+                <a:cs typeface="+mn-cs"/>
+              </a:defRPr>
+            </a:lvl6pPr>
+            <a:lvl7pPr marL="2971800" indent="-228600" algn="l" defTabSz="914400" rtl="0" eaLnBrk="1" latinLnBrk="1" hangingPunct="1">
+              <a:lnSpc>
+                <a:spcPct val="90000"/>
+              </a:lnSpc>
+              <a:spcBef>
+                <a:spcPts val="500"/>
+              </a:spcBef>
+              <a:buFont typeface="Arial" panose="020B0604020202020204" pitchFamily="34" charset="0"/>
+              <a:buChar char="•"/>
+              <a:defRPr sz="1800" kern="1200">
+                <a:solidFill>
+                  <a:schemeClr val="tx1"/>
+                </a:solidFill>
+                <a:latin typeface="+mn-lt"/>
+                <a:ea typeface="+mn-ea"/>
+                <a:cs typeface="+mn-cs"/>
+              </a:defRPr>
+            </a:lvl7pPr>
+            <a:lvl8pPr marL="3429000" indent="-228600" algn="l" defTabSz="914400" rtl="0" eaLnBrk="1" latinLnBrk="1" hangingPunct="1">
+              <a:lnSpc>
+                <a:spcPct val="90000"/>
+              </a:lnSpc>
+              <a:spcBef>
+                <a:spcPts val="500"/>
+              </a:spcBef>
+              <a:buFont typeface="Arial" panose="020B0604020202020204" pitchFamily="34" charset="0"/>
+              <a:buChar char="•"/>
+              <a:defRPr sz="1800" kern="1200">
+                <a:solidFill>
+                  <a:schemeClr val="tx1"/>
+                </a:solidFill>
+                <a:latin typeface="+mn-lt"/>
+                <a:ea typeface="+mn-ea"/>
+                <a:cs typeface="+mn-cs"/>
+              </a:defRPr>
+            </a:lvl8pPr>
+            <a:lvl9pPr marL="3886200" indent="-228600" algn="l" defTabSz="914400" rtl="0" eaLnBrk="1" latinLnBrk="1" hangingPunct="1">
+              <a:lnSpc>
+                <a:spcPct val="90000"/>
+              </a:lnSpc>
+              <a:spcBef>
+                <a:spcPts val="500"/>
+              </a:spcBef>
+              <a:buFont typeface="Arial" panose="020B0604020202020204" pitchFamily="34" charset="0"/>
+              <a:buChar char="•"/>
+              <a:defRPr sz="1800" kern="1200">
+                <a:solidFill>
+                  <a:schemeClr val="tx1"/>
+                </a:solidFill>
+                <a:latin typeface="+mn-lt"/>
+                <a:ea typeface="+mn-ea"/>
+                <a:cs typeface="+mn-cs"/>
+              </a:defRPr>
+            </a:lvl9pPr>
+          </a:lstStyle>
+          <a:p>
+            <a:pPr marL="457200" lvl="1" indent="0" eaLnBrk="0" fontAlgn="base" latinLnBrk="0" hangingPunct="0">
+              <a:lnSpc>
+                <a:spcPct val="100000"/>
+              </a:lnSpc>
+              <a:spcBef>
+                <a:spcPct val="0"/>
+              </a:spcBef>
+              <a:spcAft>
+                <a:spcPct val="0"/>
+              </a:spcAft>
+              <a:buFont typeface="Arial" panose="020B0604020202020204" pitchFamily="34" charset="0"/>
+              <a:buNone/>
+            </a:pPr>
+            <a:r>
+              <a:rPr lang="en-US" altLang="ko-KR" sz="1500" dirty="0">
+                <a:latin typeface="Arial" panose="020B0604020202020204" pitchFamily="34" charset="0"/>
+              </a:rPr>
+              <a:t>Range : [-78.80, 70.43]</a:t>
+            </a:r>
+          </a:p>
+          <a:p>
+            <a:pPr marL="457200" lvl="1" indent="0" eaLnBrk="0" fontAlgn="base" latinLnBrk="0" hangingPunct="0">
+              <a:lnSpc>
+                <a:spcPct val="100000"/>
+              </a:lnSpc>
+              <a:spcBef>
+                <a:spcPct val="0"/>
+              </a:spcBef>
+              <a:spcAft>
+                <a:spcPct val="0"/>
+              </a:spcAft>
+              <a:buFont typeface="Arial" panose="020B0604020202020204" pitchFamily="34" charset="0"/>
+              <a:buNone/>
+            </a:pPr>
+            <a:endParaRPr lang="ko-KR" altLang="ko-KR" sz="1500" dirty="0">
+              <a:latin typeface="Arial" panose="020B0604020202020204" pitchFamily="34" charset="0"/>
+            </a:endParaRPr>
+          </a:p>
+          <a:p>
+            <a:pPr marL="457200" lvl="1" indent="0" eaLnBrk="0" fontAlgn="base" latinLnBrk="0" hangingPunct="0">
+              <a:lnSpc>
+                <a:spcPct val="100000"/>
+              </a:lnSpc>
+              <a:spcBef>
+                <a:spcPct val="0"/>
+              </a:spcBef>
+              <a:spcAft>
+                <a:spcPct val="0"/>
+              </a:spcAft>
+              <a:buFont typeface="Arial" panose="020B0604020202020204" pitchFamily="34" charset="0"/>
+              <a:buNone/>
+            </a:pPr>
+            <a:r>
+              <a:rPr lang="en-US" altLang="ko-KR" sz="1500" dirty="0">
+                <a:latin typeface="Arial Unicode MS"/>
+              </a:rPr>
+              <a:t>Rescaling </a:t>
+            </a:r>
+            <a:r>
+              <a:rPr lang="ko-KR" altLang="ko-KR" sz="1500" dirty="0"/>
+              <a:t>: </a:t>
+            </a:r>
+            <a:r>
+              <a:rPr lang="en-US" altLang="ko-KR" sz="1500" dirty="0">
+                <a:latin typeface="Arial" panose="020B0604020202020204" pitchFamily="34" charset="0"/>
+              </a:rPr>
+              <a:t>[-78.80, 70.43]</a:t>
+            </a:r>
+          </a:p>
+          <a:p>
+            <a:pPr marL="457200" lvl="1" indent="0" eaLnBrk="0" fontAlgn="base" latinLnBrk="0" hangingPunct="0">
+              <a:lnSpc>
+                <a:spcPct val="100000"/>
+              </a:lnSpc>
+              <a:spcBef>
+                <a:spcPct val="0"/>
+              </a:spcBef>
+              <a:spcAft>
+                <a:spcPct val="0"/>
+              </a:spcAft>
+              <a:buFont typeface="Arial" panose="020B0604020202020204" pitchFamily="34" charset="0"/>
+              <a:buNone/>
+            </a:pPr>
+            <a:endParaRPr lang="ko-KR" altLang="ko-KR" sz="1500" dirty="0">
+              <a:latin typeface="Arial" panose="020B0604020202020204" pitchFamily="34" charset="0"/>
+            </a:endParaRPr>
+          </a:p>
+          <a:p>
+            <a:pPr marL="457200" lvl="1" indent="0" eaLnBrk="0" fontAlgn="base" latinLnBrk="0" hangingPunct="0">
+              <a:lnSpc>
+                <a:spcPct val="100000"/>
+              </a:lnSpc>
+              <a:spcBef>
+                <a:spcPct val="0"/>
+              </a:spcBef>
+              <a:spcAft>
+                <a:spcPct val="0"/>
+              </a:spcAft>
+              <a:buNone/>
+            </a:pPr>
+            <a:r>
+              <a:rPr lang="en-US" altLang="ko-KR" sz="1500" dirty="0">
+                <a:latin typeface="Arial Unicode MS"/>
+              </a:rPr>
+              <a:t>Rescaling </a:t>
+            </a:r>
+            <a:r>
+              <a:rPr lang="ko-KR" altLang="ko-KR" sz="1500" dirty="0"/>
+              <a:t>: </a:t>
+            </a:r>
+            <a:r>
+              <a:rPr lang="en-US" altLang="ko-KR" sz="1500" dirty="0">
+                <a:latin typeface="Arial" panose="020B0604020202020204" pitchFamily="34" charset="0"/>
+              </a:rPr>
+              <a:t>[-78.80, 70.43]</a:t>
+            </a:r>
+          </a:p>
+          <a:p>
+            <a:pPr marL="457200" lvl="1" indent="0" eaLnBrk="0" fontAlgn="base" latinLnBrk="0" hangingPunct="0">
+              <a:lnSpc>
+                <a:spcPct val="100000"/>
+              </a:lnSpc>
+              <a:spcBef>
+                <a:spcPct val="0"/>
+              </a:spcBef>
+              <a:spcAft>
+                <a:spcPct val="0"/>
+              </a:spcAft>
+              <a:buFont typeface="Arial" panose="020B0604020202020204" pitchFamily="34" charset="0"/>
+              <a:buNone/>
+            </a:pPr>
+            <a:endParaRPr lang="en-US" altLang="ko-KR" sz="1500" dirty="0">
+              <a:latin typeface="Arial Unicode MS"/>
+            </a:endParaRPr>
+          </a:p>
+          <a:p>
+            <a:pPr marL="457200" lvl="1" indent="0" eaLnBrk="0" fontAlgn="base" latinLnBrk="0" hangingPunct="0">
+              <a:lnSpc>
+                <a:spcPct val="100000"/>
+              </a:lnSpc>
+              <a:spcBef>
+                <a:spcPct val="0"/>
+              </a:spcBef>
+              <a:spcAft>
+                <a:spcPct val="0"/>
+              </a:spcAft>
+              <a:buNone/>
+            </a:pPr>
+            <a:r>
+              <a:rPr lang="en-US" altLang="ko-KR" sz="1500" dirty="0">
+                <a:latin typeface="Arial Unicode MS"/>
+              </a:rPr>
+              <a:t>Rescaling </a:t>
+            </a:r>
+            <a:r>
+              <a:rPr lang="ko-KR" altLang="ko-KR" sz="1500" dirty="0"/>
+              <a:t>: </a:t>
+            </a:r>
+            <a:r>
+              <a:rPr lang="en-US" altLang="ko-KR" sz="1500" dirty="0">
+                <a:latin typeface="Arial" panose="020B0604020202020204" pitchFamily="34" charset="0"/>
+              </a:rPr>
+              <a:t>[-78.80, 70.43]</a:t>
+            </a:r>
+          </a:p>
+          <a:p>
+            <a:pPr marL="457200" lvl="1" indent="0" eaLnBrk="0" fontAlgn="base" latinLnBrk="0" hangingPunct="0">
+              <a:lnSpc>
+                <a:spcPct val="100000"/>
+              </a:lnSpc>
+              <a:spcBef>
+                <a:spcPct val="0"/>
+              </a:spcBef>
+              <a:spcAft>
+                <a:spcPct val="0"/>
+              </a:spcAft>
+              <a:buFont typeface="Arial" panose="020B0604020202020204" pitchFamily="34" charset="0"/>
+              <a:buNone/>
+            </a:pPr>
+            <a:endParaRPr lang="en-US" altLang="ko-KR" sz="1500" dirty="0">
+              <a:latin typeface="Arial Unicode MS"/>
+            </a:endParaRPr>
+          </a:p>
+          <a:p>
+            <a:pPr marL="457200" lvl="1" indent="0" eaLnBrk="0" fontAlgn="base" latinLnBrk="0" hangingPunct="0">
+              <a:lnSpc>
+                <a:spcPct val="100000"/>
+              </a:lnSpc>
+              <a:spcBef>
+                <a:spcPct val="0"/>
+              </a:spcBef>
+              <a:spcAft>
+                <a:spcPct val="0"/>
+              </a:spcAft>
+              <a:buNone/>
+            </a:pPr>
+            <a:r>
+              <a:rPr lang="en-US" altLang="ko-KR" sz="1500" dirty="0">
+                <a:latin typeface="Arial Unicode MS"/>
+              </a:rPr>
+              <a:t>Rescaling </a:t>
+            </a:r>
+            <a:r>
+              <a:rPr lang="ko-KR" altLang="ko-KR" sz="1500" dirty="0"/>
+              <a:t>: </a:t>
+            </a:r>
+            <a:r>
+              <a:rPr lang="en-US" altLang="ko-KR" sz="1500" dirty="0">
+                <a:latin typeface="Arial" panose="020B0604020202020204" pitchFamily="34" charset="0"/>
+              </a:rPr>
+              <a:t>[-78.80, 70.43]</a:t>
+            </a:r>
+          </a:p>
+          <a:p>
+            <a:pPr marL="457200" lvl="1" indent="0" eaLnBrk="0" fontAlgn="base" latinLnBrk="0" hangingPunct="0">
+              <a:lnSpc>
+                <a:spcPct val="100000"/>
+              </a:lnSpc>
+              <a:spcBef>
+                <a:spcPct val="0"/>
+              </a:spcBef>
+              <a:spcAft>
+                <a:spcPct val="0"/>
+              </a:spcAft>
+              <a:buFont typeface="Arial" panose="020B0604020202020204" pitchFamily="34" charset="0"/>
+              <a:buNone/>
+            </a:pPr>
+            <a:endParaRPr lang="en-US" altLang="ko-KR" sz="1500" dirty="0">
+              <a:latin typeface="Arial Unicode MS"/>
+            </a:endParaRPr>
+          </a:p>
+          <a:p>
+            <a:pPr marL="457200" lvl="1" indent="0" eaLnBrk="0" fontAlgn="base" latinLnBrk="0" hangingPunct="0">
+              <a:lnSpc>
+                <a:spcPct val="100000"/>
+              </a:lnSpc>
+              <a:spcBef>
+                <a:spcPct val="0"/>
+              </a:spcBef>
+              <a:spcAft>
+                <a:spcPct val="0"/>
+              </a:spcAft>
+              <a:buNone/>
+            </a:pPr>
+            <a:r>
+              <a:rPr lang="en-US" altLang="ko-KR" sz="1500" dirty="0">
+                <a:latin typeface="Arial Unicode MS"/>
+              </a:rPr>
+              <a:t>Rescaling </a:t>
+            </a:r>
+            <a:r>
+              <a:rPr lang="ko-KR" altLang="ko-KR" sz="1500" dirty="0"/>
+              <a:t>: </a:t>
+            </a:r>
+            <a:r>
+              <a:rPr lang="en-US" altLang="ko-KR" sz="1500" dirty="0">
+                <a:latin typeface="Arial" panose="020B0604020202020204" pitchFamily="34" charset="0"/>
+              </a:rPr>
+              <a:t>[-78.80, 70.43]</a:t>
+            </a:r>
+          </a:p>
+        </p:txBody>
+      </p:sp>
+      <p:cxnSp>
+        <p:nvCxnSpPr>
+          <p:cNvPr id="39" name="직선 화살표 연결선 38">
+            <a:extLst>
+              <a:ext uri="{FF2B5EF4-FFF2-40B4-BE49-F238E27FC236}">
+                <a16:creationId xmlns:a16="http://schemas.microsoft.com/office/drawing/2014/main" id="{D0F6FFA1-FF27-6965-647F-5AC3501E803A}"/>
+              </a:ext>
+            </a:extLst>
+          </p:cNvPr>
+          <p:cNvCxnSpPr>
+            <a:cxnSpLocks/>
+          </p:cNvCxnSpPr>
+          <p:nvPr/>
+        </p:nvCxnSpPr>
+        <p:spPr>
+          <a:xfrm>
+            <a:off x="4142310" y="3845560"/>
+            <a:ext cx="462116" cy="0"/>
+          </a:xfrm>
+          <a:prstGeom prst="straightConnector1">
+            <a:avLst/>
+          </a:prstGeom>
+          <a:ln>
+            <a:tailEnd type="triangle"/>
+          </a:ln>
+        </p:spPr>
+        <p:style>
+          <a:lnRef idx="1">
+            <a:schemeClr val="accent1"/>
+          </a:lnRef>
+          <a:fillRef idx="0">
+            <a:schemeClr val="accent1"/>
+          </a:fillRef>
+          <a:effectRef idx="0">
+            <a:schemeClr val="accent1"/>
+          </a:effectRef>
+          <a:fontRef idx="minor">
+            <a:schemeClr val="tx1"/>
+          </a:fontRef>
+        </p:style>
+      </p:cxnSp>
+      <p:cxnSp>
+        <p:nvCxnSpPr>
+          <p:cNvPr id="40" name="직선 화살표 연결선 39">
+            <a:extLst>
+              <a:ext uri="{FF2B5EF4-FFF2-40B4-BE49-F238E27FC236}">
+                <a16:creationId xmlns:a16="http://schemas.microsoft.com/office/drawing/2014/main" id="{F8A9E448-DDF1-0FA0-CE26-6E847384C1B6}"/>
+              </a:ext>
+            </a:extLst>
+          </p:cNvPr>
+          <p:cNvCxnSpPr>
+            <a:cxnSpLocks/>
+          </p:cNvCxnSpPr>
+          <p:nvPr/>
+        </p:nvCxnSpPr>
+        <p:spPr>
+          <a:xfrm>
+            <a:off x="4142310" y="4275230"/>
+            <a:ext cx="462116" cy="0"/>
+          </a:xfrm>
+          <a:prstGeom prst="straightConnector1">
+            <a:avLst/>
+          </a:prstGeom>
+          <a:ln>
+            <a:tailEnd type="triangle"/>
+          </a:ln>
+        </p:spPr>
+        <p:style>
+          <a:lnRef idx="1">
+            <a:schemeClr val="accent1"/>
+          </a:lnRef>
+          <a:fillRef idx="0">
+            <a:schemeClr val="accent1"/>
+          </a:fillRef>
+          <a:effectRef idx="0">
+            <a:schemeClr val="accent1"/>
+          </a:effectRef>
+          <a:fontRef idx="minor">
+            <a:schemeClr val="tx1"/>
+          </a:fontRef>
+        </p:style>
+      </p:cxnSp>
+      <p:cxnSp>
+        <p:nvCxnSpPr>
+          <p:cNvPr id="41" name="직선 화살표 연결선 40">
+            <a:extLst>
+              <a:ext uri="{FF2B5EF4-FFF2-40B4-BE49-F238E27FC236}">
+                <a16:creationId xmlns:a16="http://schemas.microsoft.com/office/drawing/2014/main" id="{792D1C59-DC0C-A3FE-E250-67C0802150B6}"/>
+              </a:ext>
+            </a:extLst>
+          </p:cNvPr>
+          <p:cNvCxnSpPr>
+            <a:cxnSpLocks/>
+          </p:cNvCxnSpPr>
+          <p:nvPr/>
+        </p:nvCxnSpPr>
+        <p:spPr>
+          <a:xfrm>
+            <a:off x="4142310" y="4747670"/>
+            <a:ext cx="462116" cy="0"/>
+          </a:xfrm>
+          <a:prstGeom prst="straightConnector1">
+            <a:avLst/>
+          </a:prstGeom>
+          <a:ln>
+            <a:tailEnd type="triangle"/>
+          </a:ln>
+        </p:spPr>
+        <p:style>
+          <a:lnRef idx="1">
+            <a:schemeClr val="accent1"/>
+          </a:lnRef>
+          <a:fillRef idx="0">
+            <a:schemeClr val="accent1"/>
+          </a:fillRef>
+          <a:effectRef idx="0">
+            <a:schemeClr val="accent1"/>
+          </a:effectRef>
+          <a:fontRef idx="minor">
+            <a:schemeClr val="tx1"/>
+          </a:fontRef>
+        </p:style>
+      </p:cxnSp>
+      <p:cxnSp>
+        <p:nvCxnSpPr>
+          <p:cNvPr id="42" name="직선 화살표 연결선 41">
+            <a:extLst>
+              <a:ext uri="{FF2B5EF4-FFF2-40B4-BE49-F238E27FC236}">
+                <a16:creationId xmlns:a16="http://schemas.microsoft.com/office/drawing/2014/main" id="{722D33E2-5885-06D5-AE43-B1549D37BEC3}"/>
+              </a:ext>
+            </a:extLst>
+          </p:cNvPr>
+          <p:cNvCxnSpPr>
+            <a:cxnSpLocks/>
+          </p:cNvCxnSpPr>
+          <p:nvPr/>
+        </p:nvCxnSpPr>
+        <p:spPr>
+          <a:xfrm>
+            <a:off x="4142310" y="5227730"/>
+            <a:ext cx="462116" cy="0"/>
+          </a:xfrm>
+          <a:prstGeom prst="straightConnector1">
+            <a:avLst/>
+          </a:prstGeom>
+          <a:ln>
+            <a:tailEnd type="triangle"/>
+          </a:ln>
+        </p:spPr>
+        <p:style>
+          <a:lnRef idx="1">
+            <a:schemeClr val="accent1"/>
+          </a:lnRef>
+          <a:fillRef idx="0">
+            <a:schemeClr val="accent1"/>
+          </a:fillRef>
+          <a:effectRef idx="0">
+            <a:schemeClr val="accent1"/>
+          </a:effectRef>
+          <a:fontRef idx="minor">
+            <a:schemeClr val="tx1"/>
+          </a:fontRef>
+        </p:style>
+      </p:cxnSp>
+      <p:cxnSp>
+        <p:nvCxnSpPr>
+          <p:cNvPr id="43" name="직선 화살표 연결선 42">
+            <a:extLst>
+              <a:ext uri="{FF2B5EF4-FFF2-40B4-BE49-F238E27FC236}">
+                <a16:creationId xmlns:a16="http://schemas.microsoft.com/office/drawing/2014/main" id="{4674E5D7-254B-E9F7-B2D1-A15A475C6D59}"/>
+              </a:ext>
+            </a:extLst>
+          </p:cNvPr>
+          <p:cNvCxnSpPr>
+            <a:cxnSpLocks/>
+          </p:cNvCxnSpPr>
+          <p:nvPr/>
+        </p:nvCxnSpPr>
+        <p:spPr>
+          <a:xfrm>
+            <a:off x="4142310" y="5669690"/>
+            <a:ext cx="462116" cy="0"/>
+          </a:xfrm>
+          <a:prstGeom prst="straightConnector1">
+            <a:avLst/>
+          </a:prstGeom>
+          <a:ln>
+            <a:tailEnd type="triangle"/>
+          </a:ln>
+        </p:spPr>
+        <p:style>
+          <a:lnRef idx="1">
+            <a:schemeClr val="accent1"/>
+          </a:lnRef>
+          <a:fillRef idx="0">
+            <a:schemeClr val="accent1"/>
+          </a:fillRef>
+          <a:effectRef idx="0">
+            <a:schemeClr val="accent1"/>
+          </a:effectRef>
+          <a:fontRef idx="minor">
+            <a:schemeClr val="tx1"/>
+          </a:fontRef>
+        </p:style>
+      </p:cxnSp>
+      <p:cxnSp>
+        <p:nvCxnSpPr>
+          <p:cNvPr id="44" name="직선 화살표 연결선 43">
+            <a:extLst>
+              <a:ext uri="{FF2B5EF4-FFF2-40B4-BE49-F238E27FC236}">
+                <a16:creationId xmlns:a16="http://schemas.microsoft.com/office/drawing/2014/main" id="{08184B4B-0DB5-4185-47FC-0919F8F29E82}"/>
+              </a:ext>
+            </a:extLst>
+          </p:cNvPr>
+          <p:cNvCxnSpPr>
+            <a:cxnSpLocks/>
+          </p:cNvCxnSpPr>
+          <p:nvPr/>
+        </p:nvCxnSpPr>
+        <p:spPr>
+          <a:xfrm>
+            <a:off x="7347873" y="3444650"/>
+            <a:ext cx="462116" cy="0"/>
+          </a:xfrm>
+          <a:prstGeom prst="straightConnector1">
+            <a:avLst/>
+          </a:prstGeom>
+          <a:ln>
+            <a:tailEnd type="triangle"/>
+          </a:ln>
+        </p:spPr>
+        <p:style>
+          <a:lnRef idx="1">
+            <a:schemeClr val="accent1"/>
+          </a:lnRef>
+          <a:fillRef idx="0">
+            <a:schemeClr val="accent1"/>
+          </a:fillRef>
+          <a:effectRef idx="0">
+            <a:schemeClr val="accent1"/>
+          </a:effectRef>
+          <a:fontRef idx="minor">
+            <a:schemeClr val="tx1"/>
+          </a:fontRef>
+        </p:style>
+      </p:cxnSp>
+      <p:cxnSp>
+        <p:nvCxnSpPr>
+          <p:cNvPr id="45" name="직선 화살표 연결선 44">
+            <a:extLst>
+              <a:ext uri="{FF2B5EF4-FFF2-40B4-BE49-F238E27FC236}">
+                <a16:creationId xmlns:a16="http://schemas.microsoft.com/office/drawing/2014/main" id="{0100C5F1-34E4-B35E-7405-FA09467CB312}"/>
+              </a:ext>
+            </a:extLst>
+          </p:cNvPr>
+          <p:cNvCxnSpPr>
+            <a:cxnSpLocks/>
+          </p:cNvCxnSpPr>
+          <p:nvPr/>
+        </p:nvCxnSpPr>
+        <p:spPr>
+          <a:xfrm>
+            <a:off x="7382532" y="3901850"/>
+            <a:ext cx="462116" cy="0"/>
+          </a:xfrm>
+          <a:prstGeom prst="straightConnector1">
+            <a:avLst/>
+          </a:prstGeom>
+          <a:ln>
+            <a:tailEnd type="triangle"/>
+          </a:ln>
+        </p:spPr>
+        <p:style>
+          <a:lnRef idx="1">
+            <a:schemeClr val="accent1"/>
+          </a:lnRef>
+          <a:fillRef idx="0">
+            <a:schemeClr val="accent1"/>
+          </a:fillRef>
+          <a:effectRef idx="0">
+            <a:schemeClr val="accent1"/>
+          </a:effectRef>
+          <a:fontRef idx="minor">
+            <a:schemeClr val="tx1"/>
+          </a:fontRef>
+        </p:style>
+      </p:cxnSp>
+      <p:cxnSp>
+        <p:nvCxnSpPr>
+          <p:cNvPr id="46" name="직선 화살표 연결선 45">
+            <a:extLst>
+              <a:ext uri="{FF2B5EF4-FFF2-40B4-BE49-F238E27FC236}">
+                <a16:creationId xmlns:a16="http://schemas.microsoft.com/office/drawing/2014/main" id="{284B8E8D-54B0-143C-A98B-F3B2C9A3A53D}"/>
+              </a:ext>
+            </a:extLst>
+          </p:cNvPr>
+          <p:cNvCxnSpPr>
+            <a:cxnSpLocks/>
+          </p:cNvCxnSpPr>
+          <p:nvPr/>
+        </p:nvCxnSpPr>
+        <p:spPr>
+          <a:xfrm>
+            <a:off x="7382532" y="4343810"/>
+            <a:ext cx="462116" cy="0"/>
+          </a:xfrm>
+          <a:prstGeom prst="straightConnector1">
+            <a:avLst/>
+          </a:prstGeom>
+          <a:ln>
+            <a:tailEnd type="triangle"/>
+          </a:ln>
+        </p:spPr>
+        <p:style>
+          <a:lnRef idx="1">
+            <a:schemeClr val="accent1"/>
+          </a:lnRef>
+          <a:fillRef idx="0">
+            <a:schemeClr val="accent1"/>
+          </a:fillRef>
+          <a:effectRef idx="0">
+            <a:schemeClr val="accent1"/>
+          </a:effectRef>
+          <a:fontRef idx="minor">
+            <a:schemeClr val="tx1"/>
+          </a:fontRef>
+        </p:style>
+      </p:cxnSp>
+      <p:cxnSp>
+        <p:nvCxnSpPr>
+          <p:cNvPr id="47" name="직선 화살표 연결선 46">
+            <a:extLst>
+              <a:ext uri="{FF2B5EF4-FFF2-40B4-BE49-F238E27FC236}">
+                <a16:creationId xmlns:a16="http://schemas.microsoft.com/office/drawing/2014/main" id="{B38732E3-DA4A-3614-6BEB-3EF9665AA647}"/>
+              </a:ext>
+            </a:extLst>
+          </p:cNvPr>
+          <p:cNvCxnSpPr>
+            <a:cxnSpLocks/>
+          </p:cNvCxnSpPr>
+          <p:nvPr/>
+        </p:nvCxnSpPr>
+        <p:spPr>
+          <a:xfrm>
+            <a:off x="7382532" y="4831490"/>
+            <a:ext cx="462116" cy="0"/>
+          </a:xfrm>
+          <a:prstGeom prst="straightConnector1">
+            <a:avLst/>
+          </a:prstGeom>
+          <a:ln>
+            <a:tailEnd type="triangle"/>
+          </a:ln>
+        </p:spPr>
+        <p:style>
+          <a:lnRef idx="1">
+            <a:schemeClr val="accent1"/>
+          </a:lnRef>
+          <a:fillRef idx="0">
+            <a:schemeClr val="accent1"/>
+          </a:fillRef>
+          <a:effectRef idx="0">
+            <a:schemeClr val="accent1"/>
+          </a:effectRef>
+          <a:fontRef idx="minor">
+            <a:schemeClr val="tx1"/>
+          </a:fontRef>
+        </p:style>
+      </p:cxnSp>
+      <p:cxnSp>
+        <p:nvCxnSpPr>
+          <p:cNvPr id="48" name="직선 화살표 연결선 47">
+            <a:extLst>
+              <a:ext uri="{FF2B5EF4-FFF2-40B4-BE49-F238E27FC236}">
+                <a16:creationId xmlns:a16="http://schemas.microsoft.com/office/drawing/2014/main" id="{C21D34B0-3AE0-322D-CDB9-A08DBDB05DED}"/>
+              </a:ext>
+            </a:extLst>
+          </p:cNvPr>
+          <p:cNvCxnSpPr>
+            <a:cxnSpLocks/>
+          </p:cNvCxnSpPr>
+          <p:nvPr/>
+        </p:nvCxnSpPr>
+        <p:spPr>
+          <a:xfrm>
+            <a:off x="7382532" y="5227730"/>
+            <a:ext cx="462116" cy="0"/>
+          </a:xfrm>
+          <a:prstGeom prst="straightConnector1">
+            <a:avLst/>
+          </a:prstGeom>
+          <a:ln>
+            <a:tailEnd type="triangle"/>
+          </a:ln>
+        </p:spPr>
+        <p:style>
+          <a:lnRef idx="1">
+            <a:schemeClr val="accent1"/>
+          </a:lnRef>
+          <a:fillRef idx="0">
+            <a:schemeClr val="accent1"/>
+          </a:fillRef>
+          <a:effectRef idx="0">
+            <a:schemeClr val="accent1"/>
+          </a:effectRef>
+          <a:fontRef idx="minor">
+            <a:schemeClr val="tx1"/>
+          </a:fontRef>
+        </p:style>
+      </p:cxnSp>
+      <p:cxnSp>
+        <p:nvCxnSpPr>
+          <p:cNvPr id="49" name="직선 화살표 연결선 48">
+            <a:extLst>
+              <a:ext uri="{FF2B5EF4-FFF2-40B4-BE49-F238E27FC236}">
+                <a16:creationId xmlns:a16="http://schemas.microsoft.com/office/drawing/2014/main" id="{18A1C0DB-B657-3420-169E-645C0467BC8A}"/>
+              </a:ext>
+            </a:extLst>
+          </p:cNvPr>
+          <p:cNvCxnSpPr>
+            <a:cxnSpLocks/>
+          </p:cNvCxnSpPr>
+          <p:nvPr/>
+        </p:nvCxnSpPr>
+        <p:spPr>
+          <a:xfrm>
+            <a:off x="7382532" y="5687880"/>
+            <a:ext cx="462116" cy="0"/>
+          </a:xfrm>
+          <a:prstGeom prst="straightConnector1">
+            <a:avLst/>
+          </a:prstGeom>
+          <a:ln>
+            <a:tailEnd type="triangle"/>
+          </a:ln>
+        </p:spPr>
+        <p:style>
+          <a:lnRef idx="1">
+            <a:schemeClr val="accent1"/>
+          </a:lnRef>
+          <a:fillRef idx="0">
+            <a:schemeClr val="accent1"/>
+          </a:fillRef>
+          <a:effectRef idx="0">
+            <a:schemeClr val="accent1"/>
+          </a:effectRef>
+          <a:fontRef idx="minor">
+            <a:schemeClr val="tx1"/>
+          </a:fontRef>
+        </p:style>
+      </p:cxnSp>
+      <p:sp>
+        <p:nvSpPr>
+          <p:cNvPr id="51" name="TextBox 50">
+            <a:extLst>
+              <a:ext uri="{FF2B5EF4-FFF2-40B4-BE49-F238E27FC236}">
+                <a16:creationId xmlns:a16="http://schemas.microsoft.com/office/drawing/2014/main" id="{D1974138-64E8-6379-9130-CE8F2E5DCA6D}"/>
+              </a:ext>
+            </a:extLst>
+          </p:cNvPr>
+          <p:cNvSpPr txBox="1"/>
+          <p:nvPr/>
+        </p:nvSpPr>
+        <p:spPr>
+          <a:xfrm>
+            <a:off x="6685302" y="3048411"/>
+            <a:ext cx="1394460" cy="246221"/>
+          </a:xfrm>
+          <a:prstGeom prst="rect">
+            <a:avLst/>
+          </a:prstGeom>
+          <a:noFill/>
+        </p:spPr>
+        <p:txBody>
+          <a:bodyPr wrap="square">
+            <a:spAutoFit/>
+          </a:bodyPr>
+          <a:lstStyle/>
+          <a:p>
+            <a:pPr marL="457200" lvl="1" indent="0" eaLnBrk="0" fontAlgn="base" latinLnBrk="0" hangingPunct="0">
+              <a:lnSpc>
+                <a:spcPct val="100000"/>
+              </a:lnSpc>
+              <a:spcBef>
+                <a:spcPct val="0"/>
+              </a:spcBef>
+              <a:spcAft>
+                <a:spcPct val="0"/>
+              </a:spcAft>
+              <a:buFont typeface="Arial" panose="020B0604020202020204" pitchFamily="34" charset="0"/>
+              <a:buNone/>
+            </a:pPr>
+            <a:r>
+              <a:rPr lang="en-US" altLang="ko-KR" sz="1000" dirty="0">
+                <a:latin typeface="Arial" panose="020B0604020202020204" pitchFamily="34" charset="0"/>
+              </a:rPr>
+              <a:t>Quantization</a:t>
+            </a:r>
+          </a:p>
+        </p:txBody>
+      </p:sp>
+      <p:sp>
+        <p:nvSpPr>
+          <p:cNvPr id="54" name="TextBox 53">
+            <a:extLst>
+              <a:ext uri="{FF2B5EF4-FFF2-40B4-BE49-F238E27FC236}">
+                <a16:creationId xmlns:a16="http://schemas.microsoft.com/office/drawing/2014/main" id="{8EEDD8A5-A9A8-8654-5191-7F637554E69F}"/>
+              </a:ext>
+            </a:extLst>
+          </p:cNvPr>
+          <p:cNvSpPr txBox="1"/>
+          <p:nvPr/>
+        </p:nvSpPr>
+        <p:spPr>
+          <a:xfrm>
+            <a:off x="3625225" y="2898261"/>
+            <a:ext cx="1394460" cy="400110"/>
+          </a:xfrm>
+          <a:prstGeom prst="rect">
+            <a:avLst/>
+          </a:prstGeom>
+          <a:noFill/>
+        </p:spPr>
+        <p:txBody>
+          <a:bodyPr wrap="square">
+            <a:spAutoFit/>
+          </a:bodyPr>
+          <a:lstStyle/>
+          <a:p>
+            <a:pPr marL="457200" lvl="1" indent="0" eaLnBrk="0" fontAlgn="base" latinLnBrk="0" hangingPunct="0">
+              <a:lnSpc>
+                <a:spcPct val="100000"/>
+              </a:lnSpc>
+              <a:spcBef>
+                <a:spcPct val="0"/>
+              </a:spcBef>
+              <a:spcAft>
+                <a:spcPct val="0"/>
+              </a:spcAft>
+              <a:buFont typeface="Arial" panose="020B0604020202020204" pitchFamily="34" charset="0"/>
+              <a:buNone/>
+            </a:pPr>
+            <a:r>
+              <a:rPr lang="en-US" altLang="ko-KR" sz="1000" dirty="0">
+                <a:latin typeface="Arial" panose="020B0604020202020204" pitchFamily="34" charset="0"/>
+              </a:rPr>
+              <a:t>Range Rescale</a:t>
+            </a:r>
+          </a:p>
+        </p:txBody>
+      </p:sp>
+      <p:sp>
+        <p:nvSpPr>
+          <p:cNvPr id="55" name="Rectangle 5">
+            <a:extLst>
+              <a:ext uri="{FF2B5EF4-FFF2-40B4-BE49-F238E27FC236}">
+                <a16:creationId xmlns:a16="http://schemas.microsoft.com/office/drawing/2014/main" id="{F196C7E4-8148-A8AF-8E2A-BC746E6E071B}"/>
+              </a:ext>
+            </a:extLst>
+          </p:cNvPr>
+          <p:cNvSpPr txBox="1">
+            <a:spLocks noChangeArrowheads="1"/>
+          </p:cNvSpPr>
+          <p:nvPr/>
+        </p:nvSpPr>
+        <p:spPr bwMode="auto">
+          <a:xfrm>
+            <a:off x="7463155" y="3223254"/>
+            <a:ext cx="2142695" cy="2631490"/>
+          </a:xfrm>
+          <a:prstGeom prst="rect">
+            <a:avLst/>
+          </a:prstGeom>
+          <a:noFill/>
+          <a:ln>
+            <a:noFill/>
+          </a:ln>
+          <a:effectLst/>
+          <a:extLst>
+            <a:ext uri="{909E8E84-426E-40DD-AFC4-6F175D3DCCD1}">
+              <a14:hiddenFill xmlns:a14="http://schemas.microsoft.com/office/drawing/2010/main">
+                <a:solidFill>
+                  <a:schemeClr val="accent1"/>
+                </a:solidFill>
+              </a14:hiddenFill>
+            </a:ext>
+            <a:ext uri="{91240B29-F687-4F45-9708-019B960494DF}">
+              <a14:hiddenLine xmlns:a14="http://schemas.microsoft.com/office/drawing/2010/main" w="9525">
+                <a:solidFill>
+                  <a:schemeClr val="tx1"/>
+                </a:solidFill>
+                <a:miter lim="800000"/>
+                <a:headEnd/>
+                <a:tailEnd/>
+              </a14:hiddenLine>
+            </a:ext>
+            <a:ext uri="{AF507438-7753-43E0-B8FC-AC1667EBCBE1}">
+              <a14:hiddenEffects xmlns:a14="http://schemas.microsoft.com/office/drawing/2010/main">
+                <a:effectLst>
+                  <a:outerShdw dist="35921" dir="2700000" algn="ctr" rotWithShape="0">
+                    <a:schemeClr val="bg2"/>
+                  </a:outerShdw>
+                </a:effectLst>
+              </a14:hiddenEffects>
+            </a:ext>
+          </a:extLst>
+        </p:spPr>
+        <p:txBody>
+          <a:bodyPr vert="horz" wrap="square" lIns="91440" tIns="45720" rIns="91440" bIns="45720" numCol="1" rtlCol="0" anchor="ctr" anchorCtr="0" compatLnSpc="1">
+            <a:prstTxWarp prst="textNoShape">
+              <a:avLst/>
+            </a:prstTxWarp>
+            <a:spAutoFit/>
+          </a:bodyPr>
+          <a:lstStyle>
+            <a:lvl1pPr marL="228600" indent="-228600" algn="l" defTabSz="914400" rtl="0" eaLnBrk="1" latinLnBrk="1" hangingPunct="1">
+              <a:lnSpc>
+                <a:spcPct val="90000"/>
+              </a:lnSpc>
+              <a:spcBef>
+                <a:spcPts val="1000"/>
+              </a:spcBef>
+              <a:buFont typeface="Arial" panose="020B0604020202020204" pitchFamily="34" charset="0"/>
+              <a:buChar char="•"/>
+              <a:defRPr sz="2800" kern="1200">
+                <a:solidFill>
+                  <a:schemeClr val="tx1"/>
+                </a:solidFill>
+                <a:latin typeface="+mn-lt"/>
+                <a:ea typeface="+mn-ea"/>
+                <a:cs typeface="+mn-cs"/>
+              </a:defRPr>
+            </a:lvl1pPr>
+            <a:lvl2pPr marL="685800" indent="-228600" algn="l" defTabSz="914400" rtl="0" eaLnBrk="1" latinLnBrk="1" hangingPunct="1">
+              <a:lnSpc>
+                <a:spcPct val="90000"/>
+              </a:lnSpc>
+              <a:spcBef>
+                <a:spcPts val="500"/>
+              </a:spcBef>
+              <a:buFont typeface="Arial" panose="020B0604020202020204" pitchFamily="34" charset="0"/>
+              <a:buChar char="•"/>
+              <a:defRPr sz="2400" kern="1200">
+                <a:solidFill>
+                  <a:schemeClr val="tx1"/>
+                </a:solidFill>
+                <a:latin typeface="+mn-lt"/>
+                <a:ea typeface="+mn-ea"/>
+                <a:cs typeface="+mn-cs"/>
+              </a:defRPr>
+            </a:lvl2pPr>
+            <a:lvl3pPr marL="1143000" indent="-228600" algn="l" defTabSz="914400" rtl="0" eaLnBrk="1" latinLnBrk="1" hangingPunct="1">
+              <a:lnSpc>
+                <a:spcPct val="90000"/>
+              </a:lnSpc>
+              <a:spcBef>
+                <a:spcPts val="500"/>
+              </a:spcBef>
+              <a:buFont typeface="Arial" panose="020B0604020202020204" pitchFamily="34" charset="0"/>
+              <a:buChar char="•"/>
+              <a:defRPr sz="2000" kern="1200">
+                <a:solidFill>
+                  <a:schemeClr val="tx1"/>
+                </a:solidFill>
+                <a:latin typeface="+mn-lt"/>
+                <a:ea typeface="+mn-ea"/>
+                <a:cs typeface="+mn-cs"/>
+              </a:defRPr>
+            </a:lvl3pPr>
+            <a:lvl4pPr marL="1600200" indent="-228600" algn="l" defTabSz="914400" rtl="0" eaLnBrk="1" latinLnBrk="1" hangingPunct="1">
+              <a:lnSpc>
+                <a:spcPct val="90000"/>
+              </a:lnSpc>
+              <a:spcBef>
+                <a:spcPts val="500"/>
+              </a:spcBef>
+              <a:buFont typeface="Arial" panose="020B0604020202020204" pitchFamily="34" charset="0"/>
+              <a:buChar char="•"/>
+              <a:defRPr sz="1800" kern="1200">
+                <a:solidFill>
+                  <a:schemeClr val="tx1"/>
+                </a:solidFill>
+                <a:latin typeface="+mn-lt"/>
+                <a:ea typeface="+mn-ea"/>
+                <a:cs typeface="+mn-cs"/>
+              </a:defRPr>
+            </a:lvl4pPr>
+            <a:lvl5pPr marL="2057400" indent="-228600" algn="l" defTabSz="914400" rtl="0" eaLnBrk="1" latinLnBrk="1" hangingPunct="1">
+              <a:lnSpc>
+                <a:spcPct val="90000"/>
+              </a:lnSpc>
+              <a:spcBef>
+                <a:spcPts val="500"/>
+              </a:spcBef>
+              <a:buFont typeface="Arial" panose="020B0604020202020204" pitchFamily="34" charset="0"/>
+              <a:buChar char="•"/>
+              <a:defRPr sz="1800" kern="1200">
+                <a:solidFill>
+                  <a:schemeClr val="tx1"/>
+                </a:solidFill>
+                <a:latin typeface="+mn-lt"/>
+                <a:ea typeface="+mn-ea"/>
+                <a:cs typeface="+mn-cs"/>
+              </a:defRPr>
+            </a:lvl5pPr>
+            <a:lvl6pPr marL="2514600" indent="-228600" algn="l" defTabSz="914400" rtl="0" eaLnBrk="1" latinLnBrk="1" hangingPunct="1">
+              <a:lnSpc>
+                <a:spcPct val="90000"/>
+              </a:lnSpc>
+              <a:spcBef>
+                <a:spcPts val="500"/>
+              </a:spcBef>
+              <a:buFont typeface="Arial" panose="020B0604020202020204" pitchFamily="34" charset="0"/>
+              <a:buChar char="•"/>
+              <a:defRPr sz="1800" kern="1200">
+                <a:solidFill>
+                  <a:schemeClr val="tx1"/>
+                </a:solidFill>
+                <a:latin typeface="+mn-lt"/>
+                <a:ea typeface="+mn-ea"/>
+                <a:cs typeface="+mn-cs"/>
+              </a:defRPr>
+            </a:lvl6pPr>
+            <a:lvl7pPr marL="2971800" indent="-228600" algn="l" defTabSz="914400" rtl="0" eaLnBrk="1" latinLnBrk="1" hangingPunct="1">
+              <a:lnSpc>
+                <a:spcPct val="90000"/>
+              </a:lnSpc>
+              <a:spcBef>
+                <a:spcPts val="500"/>
+              </a:spcBef>
+              <a:buFont typeface="Arial" panose="020B0604020202020204" pitchFamily="34" charset="0"/>
+              <a:buChar char="•"/>
+              <a:defRPr sz="1800" kern="1200">
+                <a:solidFill>
+                  <a:schemeClr val="tx1"/>
+                </a:solidFill>
+                <a:latin typeface="+mn-lt"/>
+                <a:ea typeface="+mn-ea"/>
+                <a:cs typeface="+mn-cs"/>
+              </a:defRPr>
+            </a:lvl7pPr>
+            <a:lvl8pPr marL="3429000" indent="-228600" algn="l" defTabSz="914400" rtl="0" eaLnBrk="1" latinLnBrk="1" hangingPunct="1">
+              <a:lnSpc>
+                <a:spcPct val="90000"/>
+              </a:lnSpc>
+              <a:spcBef>
+                <a:spcPts val="500"/>
+              </a:spcBef>
+              <a:buFont typeface="Arial" panose="020B0604020202020204" pitchFamily="34" charset="0"/>
+              <a:buChar char="•"/>
+              <a:defRPr sz="1800" kern="1200">
+                <a:solidFill>
+                  <a:schemeClr val="tx1"/>
+                </a:solidFill>
+                <a:latin typeface="+mn-lt"/>
+                <a:ea typeface="+mn-ea"/>
+                <a:cs typeface="+mn-cs"/>
+              </a:defRPr>
+            </a:lvl8pPr>
+            <a:lvl9pPr marL="3886200" indent="-228600" algn="l" defTabSz="914400" rtl="0" eaLnBrk="1" latinLnBrk="1" hangingPunct="1">
+              <a:lnSpc>
+                <a:spcPct val="90000"/>
+              </a:lnSpc>
+              <a:spcBef>
+                <a:spcPts val="500"/>
+              </a:spcBef>
+              <a:buFont typeface="Arial" panose="020B0604020202020204" pitchFamily="34" charset="0"/>
+              <a:buChar char="•"/>
+              <a:defRPr sz="1800" kern="1200">
+                <a:solidFill>
+                  <a:schemeClr val="tx1"/>
+                </a:solidFill>
+                <a:latin typeface="+mn-lt"/>
+                <a:ea typeface="+mn-ea"/>
+                <a:cs typeface="+mn-cs"/>
+              </a:defRPr>
+            </a:lvl9pPr>
+          </a:lstStyle>
+          <a:p>
+            <a:pPr marL="457200" lvl="1" indent="0" eaLnBrk="0" fontAlgn="base" latinLnBrk="0" hangingPunct="0">
+              <a:lnSpc>
+                <a:spcPct val="100000"/>
+              </a:lnSpc>
+              <a:spcBef>
+                <a:spcPct val="0"/>
+              </a:spcBef>
+              <a:spcAft>
+                <a:spcPct val="0"/>
+              </a:spcAft>
+              <a:buFont typeface="Arial" panose="020B0604020202020204" pitchFamily="34" charset="0"/>
+              <a:buNone/>
+            </a:pPr>
+            <a:r>
+              <a:rPr lang="en-US" altLang="ko-KR" sz="1500" dirty="0"/>
+              <a:t>[−128,127]</a:t>
+            </a:r>
+            <a:endParaRPr lang="en-US" altLang="ko-KR" sz="1500" dirty="0">
+              <a:latin typeface="Arial" panose="020B0604020202020204" pitchFamily="34" charset="0"/>
+            </a:endParaRPr>
+          </a:p>
+          <a:p>
+            <a:pPr marL="457200" lvl="1" indent="0" eaLnBrk="0" fontAlgn="base" latinLnBrk="0" hangingPunct="0">
+              <a:lnSpc>
+                <a:spcPct val="100000"/>
+              </a:lnSpc>
+              <a:spcBef>
+                <a:spcPct val="0"/>
+              </a:spcBef>
+              <a:spcAft>
+                <a:spcPct val="0"/>
+              </a:spcAft>
+              <a:buFont typeface="Arial" panose="020B0604020202020204" pitchFamily="34" charset="0"/>
+              <a:buNone/>
+            </a:pPr>
+            <a:endParaRPr lang="ko-KR" altLang="ko-KR" sz="1500" dirty="0">
+              <a:latin typeface="Arial" panose="020B0604020202020204" pitchFamily="34" charset="0"/>
+            </a:endParaRPr>
+          </a:p>
+          <a:p>
+            <a:pPr marL="457200" lvl="1" indent="0" eaLnBrk="0" fontAlgn="base" latinLnBrk="0" hangingPunct="0">
+              <a:lnSpc>
+                <a:spcPct val="100000"/>
+              </a:lnSpc>
+              <a:spcBef>
+                <a:spcPct val="0"/>
+              </a:spcBef>
+              <a:spcAft>
+                <a:spcPct val="0"/>
+              </a:spcAft>
+              <a:buFont typeface="Arial" panose="020B0604020202020204" pitchFamily="34" charset="0"/>
+              <a:buNone/>
+            </a:pPr>
+            <a:r>
+              <a:rPr lang="en-US" altLang="ko-KR" sz="1500" dirty="0"/>
+              <a:t>[−128,127]</a:t>
+            </a:r>
+            <a:endParaRPr lang="en-US" altLang="ko-KR" sz="1500" dirty="0">
+              <a:latin typeface="Arial" panose="020B0604020202020204" pitchFamily="34" charset="0"/>
+            </a:endParaRPr>
+          </a:p>
+          <a:p>
+            <a:pPr marL="457200" lvl="1" indent="0" eaLnBrk="0" fontAlgn="base" latinLnBrk="0" hangingPunct="0">
+              <a:lnSpc>
+                <a:spcPct val="100000"/>
+              </a:lnSpc>
+              <a:spcBef>
+                <a:spcPct val="0"/>
+              </a:spcBef>
+              <a:spcAft>
+                <a:spcPct val="0"/>
+              </a:spcAft>
+              <a:buFont typeface="Arial" panose="020B0604020202020204" pitchFamily="34" charset="0"/>
+              <a:buNone/>
+            </a:pPr>
+            <a:endParaRPr lang="ko-KR" altLang="ko-KR" sz="1500" dirty="0">
+              <a:latin typeface="Arial" panose="020B0604020202020204" pitchFamily="34" charset="0"/>
+            </a:endParaRPr>
+          </a:p>
+          <a:p>
+            <a:pPr marL="457200" lvl="1" indent="0" eaLnBrk="0" fontAlgn="base" latinLnBrk="0" hangingPunct="0">
+              <a:lnSpc>
+                <a:spcPct val="100000"/>
+              </a:lnSpc>
+              <a:spcBef>
+                <a:spcPct val="0"/>
+              </a:spcBef>
+              <a:spcAft>
+                <a:spcPct val="0"/>
+              </a:spcAft>
+              <a:buFont typeface="Arial" panose="020B0604020202020204" pitchFamily="34" charset="0"/>
+              <a:buNone/>
+            </a:pPr>
+            <a:r>
+              <a:rPr lang="en-US" altLang="ko-KR" sz="1500" dirty="0"/>
+              <a:t>[−128,127]</a:t>
+            </a:r>
+            <a:endParaRPr lang="en-US" altLang="ko-KR" sz="1500" dirty="0">
+              <a:latin typeface="Arial" panose="020B0604020202020204" pitchFamily="34" charset="0"/>
+            </a:endParaRPr>
+          </a:p>
+          <a:p>
+            <a:pPr marL="457200" lvl="1" indent="0" eaLnBrk="0" fontAlgn="base" latinLnBrk="0" hangingPunct="0">
+              <a:lnSpc>
+                <a:spcPct val="100000"/>
+              </a:lnSpc>
+              <a:spcBef>
+                <a:spcPct val="0"/>
+              </a:spcBef>
+              <a:spcAft>
+                <a:spcPct val="0"/>
+              </a:spcAft>
+              <a:buFont typeface="Arial" panose="020B0604020202020204" pitchFamily="34" charset="0"/>
+              <a:buNone/>
+            </a:pPr>
+            <a:endParaRPr lang="en-US" altLang="ko-KR" sz="1500" dirty="0">
+              <a:latin typeface="Arial Unicode MS"/>
+            </a:endParaRPr>
+          </a:p>
+          <a:p>
+            <a:pPr marL="457200" lvl="1" indent="0" eaLnBrk="0" fontAlgn="base" latinLnBrk="0" hangingPunct="0">
+              <a:lnSpc>
+                <a:spcPct val="100000"/>
+              </a:lnSpc>
+              <a:spcBef>
+                <a:spcPct val="0"/>
+              </a:spcBef>
+              <a:spcAft>
+                <a:spcPct val="0"/>
+              </a:spcAft>
+              <a:buFont typeface="Arial" panose="020B0604020202020204" pitchFamily="34" charset="0"/>
+              <a:buNone/>
+            </a:pPr>
+            <a:r>
+              <a:rPr lang="en-US" altLang="ko-KR" sz="1500" dirty="0"/>
+              <a:t>[−128,127]</a:t>
+            </a:r>
+            <a:endParaRPr lang="en-US" altLang="ko-KR" sz="1500" dirty="0">
+              <a:latin typeface="Arial" panose="020B0604020202020204" pitchFamily="34" charset="0"/>
+            </a:endParaRPr>
+          </a:p>
+          <a:p>
+            <a:pPr marL="457200" lvl="1" indent="0" eaLnBrk="0" fontAlgn="base" latinLnBrk="0" hangingPunct="0">
+              <a:lnSpc>
+                <a:spcPct val="100000"/>
+              </a:lnSpc>
+              <a:spcBef>
+                <a:spcPct val="0"/>
+              </a:spcBef>
+              <a:spcAft>
+                <a:spcPct val="0"/>
+              </a:spcAft>
+              <a:buFont typeface="Arial" panose="020B0604020202020204" pitchFamily="34" charset="0"/>
+              <a:buNone/>
+            </a:pPr>
+            <a:endParaRPr lang="en-US" altLang="ko-KR" sz="1500" dirty="0">
+              <a:latin typeface="Arial Unicode MS"/>
+            </a:endParaRPr>
+          </a:p>
+          <a:p>
+            <a:pPr marL="457200" lvl="1" indent="0" eaLnBrk="0" fontAlgn="base" latinLnBrk="0" hangingPunct="0">
+              <a:lnSpc>
+                <a:spcPct val="100000"/>
+              </a:lnSpc>
+              <a:spcBef>
+                <a:spcPct val="0"/>
+              </a:spcBef>
+              <a:spcAft>
+                <a:spcPct val="0"/>
+              </a:spcAft>
+              <a:buFont typeface="Arial" panose="020B0604020202020204" pitchFamily="34" charset="0"/>
+              <a:buNone/>
+            </a:pPr>
+            <a:r>
+              <a:rPr lang="en-US" altLang="ko-KR" sz="1500" dirty="0"/>
+              <a:t>[−128,127]</a:t>
+            </a:r>
+            <a:endParaRPr lang="en-US" altLang="ko-KR" sz="1500" dirty="0">
+              <a:latin typeface="Arial" panose="020B0604020202020204" pitchFamily="34" charset="0"/>
+            </a:endParaRPr>
+          </a:p>
+          <a:p>
+            <a:pPr marL="457200" lvl="1" indent="0" eaLnBrk="0" fontAlgn="base" latinLnBrk="0" hangingPunct="0">
+              <a:lnSpc>
+                <a:spcPct val="100000"/>
+              </a:lnSpc>
+              <a:spcBef>
+                <a:spcPct val="0"/>
+              </a:spcBef>
+              <a:spcAft>
+                <a:spcPct val="0"/>
+              </a:spcAft>
+              <a:buFont typeface="Arial" panose="020B0604020202020204" pitchFamily="34" charset="0"/>
+              <a:buNone/>
+            </a:pPr>
+            <a:endParaRPr lang="en-US" altLang="ko-KR" sz="1500" dirty="0">
+              <a:latin typeface="Arial Unicode MS"/>
+            </a:endParaRPr>
+          </a:p>
+          <a:p>
+            <a:pPr marL="457200" lvl="1" indent="0" eaLnBrk="0" fontAlgn="base" latinLnBrk="0" hangingPunct="0">
+              <a:lnSpc>
+                <a:spcPct val="100000"/>
+              </a:lnSpc>
+              <a:spcBef>
+                <a:spcPct val="0"/>
+              </a:spcBef>
+              <a:spcAft>
+                <a:spcPct val="0"/>
+              </a:spcAft>
+              <a:buFont typeface="Arial" panose="020B0604020202020204" pitchFamily="34" charset="0"/>
+              <a:buNone/>
+            </a:pPr>
+            <a:r>
+              <a:rPr lang="en-US" altLang="ko-KR" sz="1500" dirty="0"/>
+              <a:t>[−128,127]</a:t>
+            </a:r>
+            <a:endParaRPr lang="en-US" altLang="ko-KR" sz="1500" dirty="0">
+              <a:latin typeface="Arial" panose="020B0604020202020204" pitchFamily="34" charset="0"/>
+            </a:endParaRPr>
+          </a:p>
+        </p:txBody>
+      </p:sp>
+      <p:cxnSp>
+        <p:nvCxnSpPr>
+          <p:cNvPr id="56" name="직선 화살표 연결선 55">
+            <a:extLst>
+              <a:ext uri="{FF2B5EF4-FFF2-40B4-BE49-F238E27FC236}">
+                <a16:creationId xmlns:a16="http://schemas.microsoft.com/office/drawing/2014/main" id="{FBC9D903-977F-8919-F4A8-C53AA100715A}"/>
+              </a:ext>
+            </a:extLst>
+          </p:cNvPr>
+          <p:cNvCxnSpPr>
+            <a:cxnSpLocks/>
+          </p:cNvCxnSpPr>
+          <p:nvPr/>
+        </p:nvCxnSpPr>
+        <p:spPr>
+          <a:xfrm>
+            <a:off x="9189698" y="3444650"/>
+            <a:ext cx="462116" cy="0"/>
+          </a:xfrm>
+          <a:prstGeom prst="straightConnector1">
+            <a:avLst/>
+          </a:prstGeom>
+          <a:ln>
+            <a:tailEnd type="triangle"/>
+          </a:ln>
+        </p:spPr>
+        <p:style>
+          <a:lnRef idx="1">
+            <a:schemeClr val="accent1"/>
+          </a:lnRef>
+          <a:fillRef idx="0">
+            <a:schemeClr val="accent1"/>
+          </a:fillRef>
+          <a:effectRef idx="0">
+            <a:schemeClr val="accent1"/>
+          </a:effectRef>
+          <a:fontRef idx="minor">
+            <a:schemeClr val="tx1"/>
+          </a:fontRef>
+        </p:style>
+      </p:cxnSp>
+      <p:cxnSp>
+        <p:nvCxnSpPr>
+          <p:cNvPr id="57" name="직선 화살표 연결선 56">
+            <a:extLst>
+              <a:ext uri="{FF2B5EF4-FFF2-40B4-BE49-F238E27FC236}">
+                <a16:creationId xmlns:a16="http://schemas.microsoft.com/office/drawing/2014/main" id="{BD0E1EAA-0117-D86C-143C-C23477586C48}"/>
+              </a:ext>
+            </a:extLst>
+          </p:cNvPr>
+          <p:cNvCxnSpPr>
+            <a:cxnSpLocks/>
+          </p:cNvCxnSpPr>
+          <p:nvPr/>
+        </p:nvCxnSpPr>
+        <p:spPr>
+          <a:xfrm>
+            <a:off x="9224357" y="3901850"/>
+            <a:ext cx="462116" cy="0"/>
+          </a:xfrm>
+          <a:prstGeom prst="straightConnector1">
+            <a:avLst/>
+          </a:prstGeom>
+          <a:ln>
+            <a:tailEnd type="triangle"/>
+          </a:ln>
+        </p:spPr>
+        <p:style>
+          <a:lnRef idx="1">
+            <a:schemeClr val="accent1"/>
+          </a:lnRef>
+          <a:fillRef idx="0">
+            <a:schemeClr val="accent1"/>
+          </a:fillRef>
+          <a:effectRef idx="0">
+            <a:schemeClr val="accent1"/>
+          </a:effectRef>
+          <a:fontRef idx="minor">
+            <a:schemeClr val="tx1"/>
+          </a:fontRef>
+        </p:style>
+      </p:cxnSp>
+      <p:cxnSp>
+        <p:nvCxnSpPr>
+          <p:cNvPr id="58" name="직선 화살표 연결선 57">
+            <a:extLst>
+              <a:ext uri="{FF2B5EF4-FFF2-40B4-BE49-F238E27FC236}">
+                <a16:creationId xmlns:a16="http://schemas.microsoft.com/office/drawing/2014/main" id="{67966766-8765-7D9C-6372-B1583C57DC24}"/>
+              </a:ext>
+            </a:extLst>
+          </p:cNvPr>
+          <p:cNvCxnSpPr>
+            <a:cxnSpLocks/>
+          </p:cNvCxnSpPr>
+          <p:nvPr/>
+        </p:nvCxnSpPr>
+        <p:spPr>
+          <a:xfrm>
+            <a:off x="9224357" y="4343810"/>
+            <a:ext cx="462116" cy="0"/>
+          </a:xfrm>
+          <a:prstGeom prst="straightConnector1">
+            <a:avLst/>
+          </a:prstGeom>
+          <a:ln>
+            <a:tailEnd type="triangle"/>
+          </a:ln>
+        </p:spPr>
+        <p:style>
+          <a:lnRef idx="1">
+            <a:schemeClr val="accent1"/>
+          </a:lnRef>
+          <a:fillRef idx="0">
+            <a:schemeClr val="accent1"/>
+          </a:fillRef>
+          <a:effectRef idx="0">
+            <a:schemeClr val="accent1"/>
+          </a:effectRef>
+          <a:fontRef idx="minor">
+            <a:schemeClr val="tx1"/>
+          </a:fontRef>
+        </p:style>
+      </p:cxnSp>
+      <p:cxnSp>
+        <p:nvCxnSpPr>
+          <p:cNvPr id="59" name="직선 화살표 연결선 58">
+            <a:extLst>
+              <a:ext uri="{FF2B5EF4-FFF2-40B4-BE49-F238E27FC236}">
+                <a16:creationId xmlns:a16="http://schemas.microsoft.com/office/drawing/2014/main" id="{87879FC9-58EE-1CCE-AE92-3F0DDC7E4487}"/>
+              </a:ext>
+            </a:extLst>
+          </p:cNvPr>
+          <p:cNvCxnSpPr>
+            <a:cxnSpLocks/>
+          </p:cNvCxnSpPr>
+          <p:nvPr/>
+        </p:nvCxnSpPr>
+        <p:spPr>
+          <a:xfrm>
+            <a:off x="9224357" y="4831490"/>
+            <a:ext cx="462116" cy="0"/>
+          </a:xfrm>
+          <a:prstGeom prst="straightConnector1">
+            <a:avLst/>
+          </a:prstGeom>
+          <a:ln>
+            <a:tailEnd type="triangle"/>
+          </a:ln>
+        </p:spPr>
+        <p:style>
+          <a:lnRef idx="1">
+            <a:schemeClr val="accent1"/>
+          </a:lnRef>
+          <a:fillRef idx="0">
+            <a:schemeClr val="accent1"/>
+          </a:fillRef>
+          <a:effectRef idx="0">
+            <a:schemeClr val="accent1"/>
+          </a:effectRef>
+          <a:fontRef idx="minor">
+            <a:schemeClr val="tx1"/>
+          </a:fontRef>
+        </p:style>
+      </p:cxnSp>
+      <p:cxnSp>
+        <p:nvCxnSpPr>
+          <p:cNvPr id="60" name="직선 화살표 연결선 59">
+            <a:extLst>
+              <a:ext uri="{FF2B5EF4-FFF2-40B4-BE49-F238E27FC236}">
+                <a16:creationId xmlns:a16="http://schemas.microsoft.com/office/drawing/2014/main" id="{9188C700-27C8-5D18-D97E-B631028527A5}"/>
+              </a:ext>
+            </a:extLst>
+          </p:cNvPr>
+          <p:cNvCxnSpPr>
+            <a:cxnSpLocks/>
+          </p:cNvCxnSpPr>
+          <p:nvPr/>
+        </p:nvCxnSpPr>
+        <p:spPr>
+          <a:xfrm>
+            <a:off x="9224357" y="5227730"/>
+            <a:ext cx="462116" cy="0"/>
+          </a:xfrm>
+          <a:prstGeom prst="straightConnector1">
+            <a:avLst/>
+          </a:prstGeom>
+          <a:ln>
+            <a:tailEnd type="triangle"/>
+          </a:ln>
+        </p:spPr>
+        <p:style>
+          <a:lnRef idx="1">
+            <a:schemeClr val="accent1"/>
+          </a:lnRef>
+          <a:fillRef idx="0">
+            <a:schemeClr val="accent1"/>
+          </a:fillRef>
+          <a:effectRef idx="0">
+            <a:schemeClr val="accent1"/>
+          </a:effectRef>
+          <a:fontRef idx="minor">
+            <a:schemeClr val="tx1"/>
+          </a:fontRef>
+        </p:style>
+      </p:cxnSp>
+      <p:cxnSp>
+        <p:nvCxnSpPr>
+          <p:cNvPr id="61" name="직선 화살표 연결선 60">
+            <a:extLst>
+              <a:ext uri="{FF2B5EF4-FFF2-40B4-BE49-F238E27FC236}">
+                <a16:creationId xmlns:a16="http://schemas.microsoft.com/office/drawing/2014/main" id="{F27439D2-169C-5A87-8E7B-97643D8AF148}"/>
+              </a:ext>
+            </a:extLst>
+          </p:cNvPr>
+          <p:cNvCxnSpPr>
+            <a:cxnSpLocks/>
+          </p:cNvCxnSpPr>
+          <p:nvPr/>
+        </p:nvCxnSpPr>
+        <p:spPr>
+          <a:xfrm>
+            <a:off x="9224357" y="5687880"/>
+            <a:ext cx="462116" cy="0"/>
+          </a:xfrm>
+          <a:prstGeom prst="straightConnector1">
+            <a:avLst/>
+          </a:prstGeom>
+          <a:ln>
+            <a:tailEnd type="triangle"/>
+          </a:ln>
+        </p:spPr>
+        <p:style>
+          <a:lnRef idx="1">
+            <a:schemeClr val="accent1"/>
+          </a:lnRef>
+          <a:fillRef idx="0">
+            <a:schemeClr val="accent1"/>
+          </a:fillRef>
+          <a:effectRef idx="0">
+            <a:schemeClr val="accent1"/>
+          </a:effectRef>
+          <a:fontRef idx="minor">
+            <a:schemeClr val="tx1"/>
+          </a:fontRef>
+        </p:style>
+      </p:cxnSp>
+      <p:sp>
+        <p:nvSpPr>
+          <p:cNvPr id="62" name="TextBox 61">
+            <a:extLst>
+              <a:ext uri="{FF2B5EF4-FFF2-40B4-BE49-F238E27FC236}">
+                <a16:creationId xmlns:a16="http://schemas.microsoft.com/office/drawing/2014/main" id="{32A60D60-B13F-6130-4B21-DB9D1A162402}"/>
+              </a:ext>
+            </a:extLst>
+          </p:cNvPr>
+          <p:cNvSpPr txBox="1"/>
+          <p:nvPr/>
+        </p:nvSpPr>
+        <p:spPr>
+          <a:xfrm>
+            <a:off x="8476327" y="3048411"/>
+            <a:ext cx="1579858" cy="246221"/>
+          </a:xfrm>
+          <a:prstGeom prst="rect">
+            <a:avLst/>
+          </a:prstGeom>
+          <a:noFill/>
+        </p:spPr>
+        <p:txBody>
+          <a:bodyPr wrap="square">
+            <a:spAutoFit/>
+          </a:bodyPr>
+          <a:lstStyle/>
+          <a:p>
+            <a:pPr marL="457200" lvl="1" indent="0" eaLnBrk="0" fontAlgn="base" latinLnBrk="0" hangingPunct="0">
+              <a:lnSpc>
+                <a:spcPct val="100000"/>
+              </a:lnSpc>
+              <a:spcBef>
+                <a:spcPct val="0"/>
+              </a:spcBef>
+              <a:spcAft>
+                <a:spcPct val="0"/>
+              </a:spcAft>
+              <a:buFont typeface="Arial" panose="020B0604020202020204" pitchFamily="34" charset="0"/>
+              <a:buNone/>
+            </a:pPr>
+            <a:r>
+              <a:rPr lang="en-US" altLang="ko-KR" sz="1000" dirty="0">
+                <a:latin typeface="Arial" panose="020B0604020202020204" pitchFamily="34" charset="0"/>
+              </a:rPr>
+              <a:t>Dequantization</a:t>
+            </a:r>
+          </a:p>
+        </p:txBody>
+      </p:sp>
+      <p:sp>
+        <p:nvSpPr>
+          <p:cNvPr id="63" name="Rectangle 5">
+            <a:extLst>
+              <a:ext uri="{FF2B5EF4-FFF2-40B4-BE49-F238E27FC236}">
+                <a16:creationId xmlns:a16="http://schemas.microsoft.com/office/drawing/2014/main" id="{92A1C745-D01E-63A9-509F-70862054FFA3}"/>
+              </a:ext>
+            </a:extLst>
+          </p:cNvPr>
+          <p:cNvSpPr txBox="1">
+            <a:spLocks noChangeArrowheads="1"/>
+          </p:cNvSpPr>
+          <p:nvPr/>
+        </p:nvSpPr>
+        <p:spPr bwMode="auto">
+          <a:xfrm>
+            <a:off x="838200" y="1824086"/>
+            <a:ext cx="10515600" cy="707886"/>
+          </a:xfrm>
+          <a:prstGeom prst="rect">
+            <a:avLst/>
+          </a:prstGeom>
+          <a:noFill/>
+          <a:ln>
+            <a:noFill/>
+          </a:ln>
+          <a:effectLst/>
+          <a:extLst>
+            <a:ext uri="{909E8E84-426E-40DD-AFC4-6F175D3DCCD1}">
+              <a14:hiddenFill xmlns:a14="http://schemas.microsoft.com/office/drawing/2010/main">
+                <a:solidFill>
+                  <a:schemeClr val="accent1"/>
+                </a:solidFill>
+              </a14:hiddenFill>
+            </a:ext>
+            <a:ext uri="{91240B29-F687-4F45-9708-019B960494DF}">
+              <a14:hiddenLine xmlns:a14="http://schemas.microsoft.com/office/drawing/2010/main" w="9525">
+                <a:solidFill>
+                  <a:schemeClr val="tx1"/>
+                </a:solidFill>
+                <a:miter lim="800000"/>
+                <a:headEnd/>
+                <a:tailEnd/>
+              </a14:hiddenLine>
+            </a:ext>
+            <a:ext uri="{AF507438-7753-43E0-B8FC-AC1667EBCBE1}">
+              <a14:hiddenEffects xmlns:a14="http://schemas.microsoft.com/office/drawing/2010/main">
+                <a:effectLst>
+                  <a:outerShdw dist="35921" dir="2700000" algn="ctr" rotWithShape="0">
+                    <a:schemeClr val="bg2"/>
+                  </a:outerShdw>
+                </a:effectLst>
+              </a14:hiddenEffects>
+            </a:ext>
+          </a:extLst>
+        </p:spPr>
+        <p:txBody>
+          <a:bodyPr vert="horz" wrap="square" lIns="91440" tIns="45720" rIns="91440" bIns="45720" numCol="1" rtlCol="0" anchor="ctr" anchorCtr="0" compatLnSpc="1">
+            <a:prstTxWarp prst="textNoShape">
+              <a:avLst/>
+            </a:prstTxWarp>
+            <a:spAutoFit/>
+          </a:bodyPr>
+          <a:lstStyle>
+            <a:lvl1pPr marL="228600" indent="-228600" algn="l" defTabSz="914400" rtl="0" eaLnBrk="1" latinLnBrk="1" hangingPunct="1">
+              <a:lnSpc>
+                <a:spcPct val="90000"/>
+              </a:lnSpc>
+              <a:spcBef>
+                <a:spcPts val="1000"/>
+              </a:spcBef>
+              <a:buFont typeface="Arial" panose="020B0604020202020204" pitchFamily="34" charset="0"/>
+              <a:buChar char="•"/>
+              <a:defRPr sz="2800" kern="1200">
+                <a:solidFill>
+                  <a:schemeClr val="tx1"/>
+                </a:solidFill>
+                <a:latin typeface="+mn-lt"/>
+                <a:ea typeface="+mn-ea"/>
+                <a:cs typeface="+mn-cs"/>
+              </a:defRPr>
+            </a:lvl1pPr>
+            <a:lvl2pPr marL="685800" indent="-228600" algn="l" defTabSz="914400" rtl="0" eaLnBrk="1" latinLnBrk="1" hangingPunct="1">
+              <a:lnSpc>
+                <a:spcPct val="90000"/>
+              </a:lnSpc>
+              <a:spcBef>
+                <a:spcPts val="500"/>
+              </a:spcBef>
+              <a:buFont typeface="Arial" panose="020B0604020202020204" pitchFamily="34" charset="0"/>
+              <a:buChar char="•"/>
+              <a:defRPr sz="2400" kern="1200">
+                <a:solidFill>
+                  <a:schemeClr val="tx1"/>
+                </a:solidFill>
+                <a:latin typeface="+mn-lt"/>
+                <a:ea typeface="+mn-ea"/>
+                <a:cs typeface="+mn-cs"/>
+              </a:defRPr>
+            </a:lvl2pPr>
+            <a:lvl3pPr marL="1143000" indent="-228600" algn="l" defTabSz="914400" rtl="0" eaLnBrk="1" latinLnBrk="1" hangingPunct="1">
+              <a:lnSpc>
+                <a:spcPct val="90000"/>
+              </a:lnSpc>
+              <a:spcBef>
+                <a:spcPts val="500"/>
+              </a:spcBef>
+              <a:buFont typeface="Arial" panose="020B0604020202020204" pitchFamily="34" charset="0"/>
+              <a:buChar char="•"/>
+              <a:defRPr sz="2000" kern="1200">
+                <a:solidFill>
+                  <a:schemeClr val="tx1"/>
+                </a:solidFill>
+                <a:latin typeface="+mn-lt"/>
+                <a:ea typeface="+mn-ea"/>
+                <a:cs typeface="+mn-cs"/>
+              </a:defRPr>
+            </a:lvl3pPr>
+            <a:lvl4pPr marL="1600200" indent="-228600" algn="l" defTabSz="914400" rtl="0" eaLnBrk="1" latinLnBrk="1" hangingPunct="1">
+              <a:lnSpc>
+                <a:spcPct val="90000"/>
+              </a:lnSpc>
+              <a:spcBef>
+                <a:spcPts val="500"/>
+              </a:spcBef>
+              <a:buFont typeface="Arial" panose="020B0604020202020204" pitchFamily="34" charset="0"/>
+              <a:buChar char="•"/>
+              <a:defRPr sz="1800" kern="1200">
+                <a:solidFill>
+                  <a:schemeClr val="tx1"/>
+                </a:solidFill>
+                <a:latin typeface="+mn-lt"/>
+                <a:ea typeface="+mn-ea"/>
+                <a:cs typeface="+mn-cs"/>
+              </a:defRPr>
+            </a:lvl4pPr>
+            <a:lvl5pPr marL="2057400" indent="-228600" algn="l" defTabSz="914400" rtl="0" eaLnBrk="1" latinLnBrk="1" hangingPunct="1">
+              <a:lnSpc>
+                <a:spcPct val="90000"/>
+              </a:lnSpc>
+              <a:spcBef>
+                <a:spcPts val="500"/>
+              </a:spcBef>
+              <a:buFont typeface="Arial" panose="020B0604020202020204" pitchFamily="34" charset="0"/>
+              <a:buChar char="•"/>
+              <a:defRPr sz="1800" kern="1200">
+                <a:solidFill>
+                  <a:schemeClr val="tx1"/>
+                </a:solidFill>
+                <a:latin typeface="+mn-lt"/>
+                <a:ea typeface="+mn-ea"/>
+                <a:cs typeface="+mn-cs"/>
+              </a:defRPr>
+            </a:lvl5pPr>
+            <a:lvl6pPr marL="2514600" indent="-228600" algn="l" defTabSz="914400" rtl="0" eaLnBrk="1" latinLnBrk="1" hangingPunct="1">
+              <a:lnSpc>
+                <a:spcPct val="90000"/>
+              </a:lnSpc>
+              <a:spcBef>
+                <a:spcPts val="500"/>
+              </a:spcBef>
+              <a:buFont typeface="Arial" panose="020B0604020202020204" pitchFamily="34" charset="0"/>
+              <a:buChar char="•"/>
+              <a:defRPr sz="1800" kern="1200">
+                <a:solidFill>
+                  <a:schemeClr val="tx1"/>
+                </a:solidFill>
+                <a:latin typeface="+mn-lt"/>
+                <a:ea typeface="+mn-ea"/>
+                <a:cs typeface="+mn-cs"/>
+              </a:defRPr>
+            </a:lvl6pPr>
+            <a:lvl7pPr marL="2971800" indent="-228600" algn="l" defTabSz="914400" rtl="0" eaLnBrk="1" latinLnBrk="1" hangingPunct="1">
+              <a:lnSpc>
+                <a:spcPct val="90000"/>
+              </a:lnSpc>
+              <a:spcBef>
+                <a:spcPts val="500"/>
+              </a:spcBef>
+              <a:buFont typeface="Arial" panose="020B0604020202020204" pitchFamily="34" charset="0"/>
+              <a:buChar char="•"/>
+              <a:defRPr sz="1800" kern="1200">
+                <a:solidFill>
+                  <a:schemeClr val="tx1"/>
+                </a:solidFill>
+                <a:latin typeface="+mn-lt"/>
+                <a:ea typeface="+mn-ea"/>
+                <a:cs typeface="+mn-cs"/>
+              </a:defRPr>
+            </a:lvl7pPr>
+            <a:lvl8pPr marL="3429000" indent="-228600" algn="l" defTabSz="914400" rtl="0" eaLnBrk="1" latinLnBrk="1" hangingPunct="1">
+              <a:lnSpc>
+                <a:spcPct val="90000"/>
+              </a:lnSpc>
+              <a:spcBef>
+                <a:spcPts val="500"/>
+              </a:spcBef>
+              <a:buFont typeface="Arial" panose="020B0604020202020204" pitchFamily="34" charset="0"/>
+              <a:buChar char="•"/>
+              <a:defRPr sz="1800" kern="1200">
+                <a:solidFill>
+                  <a:schemeClr val="tx1"/>
+                </a:solidFill>
+                <a:latin typeface="+mn-lt"/>
+                <a:ea typeface="+mn-ea"/>
+                <a:cs typeface="+mn-cs"/>
+              </a:defRPr>
+            </a:lvl8pPr>
+            <a:lvl9pPr marL="3886200" indent="-228600" algn="l" defTabSz="914400" rtl="0" eaLnBrk="1" latinLnBrk="1" hangingPunct="1">
+              <a:lnSpc>
+                <a:spcPct val="90000"/>
+              </a:lnSpc>
+              <a:spcBef>
+                <a:spcPts val="500"/>
+              </a:spcBef>
+              <a:buFont typeface="Arial" panose="020B0604020202020204" pitchFamily="34" charset="0"/>
+              <a:buChar char="•"/>
+              <a:defRPr sz="1800" kern="1200">
+                <a:solidFill>
+                  <a:schemeClr val="tx1"/>
+                </a:solidFill>
+                <a:latin typeface="+mn-lt"/>
+                <a:ea typeface="+mn-ea"/>
+                <a:cs typeface="+mn-cs"/>
+              </a:defRPr>
+            </a:lvl9pPr>
+          </a:lstStyle>
+          <a:p>
+            <a:pPr eaLnBrk="0" fontAlgn="base" latinLnBrk="0" hangingPunct="0">
+              <a:lnSpc>
+                <a:spcPct val="100000"/>
+              </a:lnSpc>
+              <a:spcBef>
+                <a:spcPct val="0"/>
+              </a:spcBef>
+              <a:spcAft>
+                <a:spcPct val="0"/>
+              </a:spcAft>
+            </a:pPr>
+            <a:r>
+              <a:rPr lang="ko-KR" altLang="en-US" sz="2000" dirty="0">
+                <a:latin typeface="Arial" panose="020B0604020202020204" pitchFamily="34" charset="0"/>
+              </a:rPr>
+              <a:t>후속 레이어의 </a:t>
+            </a:r>
+            <a:r>
+              <a:rPr lang="en-US" altLang="ko-KR" sz="2000" dirty="0">
+                <a:latin typeface="Arial" panose="020B0604020202020204" pitchFamily="34" charset="0"/>
+              </a:rPr>
+              <a:t>Min Max Scale</a:t>
+            </a:r>
+            <a:r>
+              <a:rPr lang="ko-KR" altLang="en-US" sz="2000" dirty="0">
+                <a:latin typeface="Arial" panose="020B0604020202020204" pitchFamily="34" charset="0"/>
+              </a:rPr>
+              <a:t>을 맞춰 양자화 손실 폭을 최소화</a:t>
+            </a:r>
+            <a:endParaRPr lang="en-US" altLang="ko-KR" sz="2000" dirty="0">
+              <a:latin typeface="Arial" panose="020B0604020202020204" pitchFamily="34" charset="0"/>
+            </a:endParaRPr>
+          </a:p>
+          <a:p>
+            <a:pPr eaLnBrk="0" fontAlgn="base" latinLnBrk="0" hangingPunct="0">
+              <a:lnSpc>
+                <a:spcPct val="100000"/>
+              </a:lnSpc>
+              <a:spcBef>
+                <a:spcPct val="0"/>
+              </a:spcBef>
+              <a:spcAft>
+                <a:spcPct val="0"/>
+              </a:spcAft>
+            </a:pPr>
+            <a:endParaRPr lang="ko-KR" altLang="ko-KR" sz="2000" dirty="0">
+              <a:latin typeface="Arial" panose="020B0604020202020204" pitchFamily="34" charset="0"/>
+            </a:endParaRPr>
+          </a:p>
+        </p:txBody>
+      </p:sp>
+    </p:spTree>
+    <p:extLst>
+      <p:ext uri="{BB962C8B-B14F-4D97-AF65-F5344CB8AC3E}">
+        <p14:creationId xmlns:p14="http://schemas.microsoft.com/office/powerpoint/2010/main" val="4032162074"/>
+      </p:ext>
+    </p:extLst>
+  </p:cSld>
+  <p:clrMapOvr>
+    <a:masterClrMapping/>
+  </p:clrMapOvr>
+</p:sld>
+</file>
+
 <file path=ppt/slides/slide2.xml><?xml version="1.0" encoding="utf-8"?>
 <p:sld xmlns:a="http://schemas.openxmlformats.org/drawingml/2006/main" xmlns:r="http://schemas.openxmlformats.org/officeDocument/2006/relationships" xmlns:p="http://schemas.openxmlformats.org/presentationml/2006/main">
   <p:cSld>
